--- a/Not_Main_Application/UserManual.pptx
+++ b/Not_Main_Application/UserManual.pptx
@@ -4,12 +4,44 @@
   <p:sldMasterIdLst>
     <p:sldMasterId id="2147483660" r:id="rId1"/>
   </p:sldMasterIdLst>
+  <p:notesMasterIdLst>
+    <p:notesMasterId r:id="rId36"/>
+  </p:notesMasterIdLst>
   <p:sldIdLst>
     <p:sldId id="256" r:id="rId2"/>
     <p:sldId id="257" r:id="rId3"/>
     <p:sldId id="258" r:id="rId4"/>
     <p:sldId id="259" r:id="rId5"/>
     <p:sldId id="260" r:id="rId6"/>
+    <p:sldId id="261" r:id="rId7"/>
+    <p:sldId id="262" r:id="rId8"/>
+    <p:sldId id="263" r:id="rId9"/>
+    <p:sldId id="264" r:id="rId10"/>
+    <p:sldId id="265" r:id="rId11"/>
+    <p:sldId id="266" r:id="rId12"/>
+    <p:sldId id="269" r:id="rId13"/>
+    <p:sldId id="267" r:id="rId14"/>
+    <p:sldId id="270" r:id="rId15"/>
+    <p:sldId id="268" r:id="rId16"/>
+    <p:sldId id="271" r:id="rId17"/>
+    <p:sldId id="272" r:id="rId18"/>
+    <p:sldId id="273" r:id="rId19"/>
+    <p:sldId id="274" r:id="rId20"/>
+    <p:sldId id="275" r:id="rId21"/>
+    <p:sldId id="276" r:id="rId22"/>
+    <p:sldId id="277" r:id="rId23"/>
+    <p:sldId id="278" r:id="rId24"/>
+    <p:sldId id="279" r:id="rId25"/>
+    <p:sldId id="280" r:id="rId26"/>
+    <p:sldId id="281" r:id="rId27"/>
+    <p:sldId id="282" r:id="rId28"/>
+    <p:sldId id="283" r:id="rId29"/>
+    <p:sldId id="284" r:id="rId30"/>
+    <p:sldId id="285" r:id="rId31"/>
+    <p:sldId id="286" r:id="rId32"/>
+    <p:sldId id="287" r:id="rId33"/>
+    <p:sldId id="288" r:id="rId34"/>
+    <p:sldId id="289" r:id="rId35"/>
   </p:sldIdLst>
   <p:sldSz cx="9144000" cy="6858000" type="screen4x3"/>
   <p:notesSz cx="6858000" cy="9144000"/>
@@ -111,6 +143,439 @@
 </p:presentation>
 </file>
 
+<file path=ppt/notesMasters/notesMaster1.xml><?xml version="1.0" encoding="utf-8"?>
+<p:notesMaster xmlns:a="http://schemas.openxmlformats.org/drawingml/2006/main" xmlns:r="http://schemas.openxmlformats.org/officeDocument/2006/relationships" xmlns:p="http://schemas.openxmlformats.org/presentationml/2006/main">
+  <p:cSld>
+    <p:bg>
+      <p:bgRef idx="1001">
+        <a:schemeClr val="bg1"/>
+      </p:bgRef>
+    </p:bg>
+    <p:spTree>
+      <p:nvGrpSpPr>
+        <p:cNvPr id="1" name=""/>
+        <p:cNvGrpSpPr/>
+        <p:nvPr/>
+      </p:nvGrpSpPr>
+      <p:grpSpPr>
+        <a:xfrm>
+          <a:off x="0" y="0"/>
+          <a:ext cx="0" cy="0"/>
+          <a:chOff x="0" y="0"/>
+          <a:chExt cx="0" cy="0"/>
+        </a:xfrm>
+      </p:grpSpPr>
+      <p:sp>
+        <p:nvSpPr>
+          <p:cNvPr id="2" name="Header Placeholder 1"/>
+          <p:cNvSpPr>
+            <a:spLocks noGrp="1"/>
+          </p:cNvSpPr>
+          <p:nvPr>
+            <p:ph type="hdr" sz="quarter"/>
+          </p:nvPr>
+        </p:nvSpPr>
+        <p:spPr>
+          <a:xfrm>
+            <a:off x="0" y="0"/>
+            <a:ext cx="2971800" cy="458788"/>
+          </a:xfrm>
+          <a:prstGeom prst="rect">
+            <a:avLst/>
+          </a:prstGeom>
+        </p:spPr>
+        <p:txBody>
+          <a:bodyPr vert="horz" lIns="91440" tIns="45720" rIns="91440" bIns="45720" rtlCol="0"/>
+          <a:lstStyle>
+            <a:lvl1pPr algn="l">
+              <a:defRPr sz="1200"/>
+            </a:lvl1pPr>
+          </a:lstStyle>
+          <a:p>
+            <a:endParaRPr lang="en-US"/>
+          </a:p>
+        </p:txBody>
+      </p:sp>
+      <p:sp>
+        <p:nvSpPr>
+          <p:cNvPr id="3" name="Date Placeholder 2"/>
+          <p:cNvSpPr>
+            <a:spLocks noGrp="1"/>
+          </p:cNvSpPr>
+          <p:nvPr>
+            <p:ph type="dt" idx="1"/>
+          </p:nvPr>
+        </p:nvSpPr>
+        <p:spPr>
+          <a:xfrm>
+            <a:off x="3884613" y="0"/>
+            <a:ext cx="2971800" cy="458788"/>
+          </a:xfrm>
+          <a:prstGeom prst="rect">
+            <a:avLst/>
+          </a:prstGeom>
+        </p:spPr>
+        <p:txBody>
+          <a:bodyPr vert="horz" lIns="91440" tIns="45720" rIns="91440" bIns="45720" rtlCol="0"/>
+          <a:lstStyle>
+            <a:lvl1pPr algn="r">
+              <a:defRPr sz="1200"/>
+            </a:lvl1pPr>
+          </a:lstStyle>
+          <a:p>
+            <a:fld id="{C128E5F2-3E43-A348-95A4-0CE0A417E92A}" type="datetimeFigureOut">
+              <a:rPr lang="en-US" smtClean="0"/>
+              <a:t>4/16/19</a:t>
+            </a:fld>
+            <a:endParaRPr lang="en-US"/>
+          </a:p>
+        </p:txBody>
+      </p:sp>
+      <p:sp>
+        <p:nvSpPr>
+          <p:cNvPr id="4" name="Slide Image Placeholder 3"/>
+          <p:cNvSpPr>
+            <a:spLocks noGrp="1" noRot="1" noChangeAspect="1"/>
+          </p:cNvSpPr>
+          <p:nvPr>
+            <p:ph type="sldImg" idx="2"/>
+          </p:nvPr>
+        </p:nvSpPr>
+        <p:spPr>
+          <a:xfrm>
+            <a:off x="1371600" y="1143000"/>
+            <a:ext cx="4114800" cy="3086100"/>
+          </a:xfrm>
+          <a:prstGeom prst="rect">
+            <a:avLst/>
+          </a:prstGeom>
+          <a:noFill/>
+          <a:ln w="12700">
+            <a:solidFill>
+              <a:prstClr val="black"/>
+            </a:solidFill>
+          </a:ln>
+        </p:spPr>
+        <p:txBody>
+          <a:bodyPr vert="horz" lIns="91440" tIns="45720" rIns="91440" bIns="45720" rtlCol="0" anchor="ctr"/>
+          <a:lstStyle/>
+          <a:p>
+            <a:endParaRPr lang="en-US"/>
+          </a:p>
+        </p:txBody>
+      </p:sp>
+      <p:sp>
+        <p:nvSpPr>
+          <p:cNvPr id="5" name="Notes Placeholder 4"/>
+          <p:cNvSpPr>
+            <a:spLocks noGrp="1"/>
+          </p:cNvSpPr>
+          <p:nvPr>
+            <p:ph type="body" sz="quarter" idx="3"/>
+          </p:nvPr>
+        </p:nvSpPr>
+        <p:spPr>
+          <a:xfrm>
+            <a:off x="685800" y="4400550"/>
+            <a:ext cx="5486400" cy="3600450"/>
+          </a:xfrm>
+          <a:prstGeom prst="rect">
+            <a:avLst/>
+          </a:prstGeom>
+        </p:spPr>
+        <p:txBody>
+          <a:bodyPr vert="horz" lIns="91440" tIns="45720" rIns="91440" bIns="45720" rtlCol="0"/>
+          <a:lstStyle/>
+          <a:p>
+            <a:pPr lvl="0"/>
+            <a:r>
+              <a:rPr lang="en-US"/>
+              <a:t>Click to edit Master text styles</a:t>
+            </a:r>
+          </a:p>
+          <a:p>
+            <a:pPr lvl="1"/>
+            <a:r>
+              <a:rPr lang="en-US"/>
+              <a:t>Second level</a:t>
+            </a:r>
+          </a:p>
+          <a:p>
+            <a:pPr lvl="2"/>
+            <a:r>
+              <a:rPr lang="en-US"/>
+              <a:t>Third level</a:t>
+            </a:r>
+          </a:p>
+          <a:p>
+            <a:pPr lvl="3"/>
+            <a:r>
+              <a:rPr lang="en-US"/>
+              <a:t>Fourth level</a:t>
+            </a:r>
+          </a:p>
+          <a:p>
+            <a:pPr lvl="4"/>
+            <a:r>
+              <a:rPr lang="en-US"/>
+              <a:t>Fifth level</a:t>
+            </a:r>
+          </a:p>
+        </p:txBody>
+      </p:sp>
+      <p:sp>
+        <p:nvSpPr>
+          <p:cNvPr id="6" name="Footer Placeholder 5"/>
+          <p:cNvSpPr>
+            <a:spLocks noGrp="1"/>
+          </p:cNvSpPr>
+          <p:nvPr>
+            <p:ph type="ftr" sz="quarter" idx="4"/>
+          </p:nvPr>
+        </p:nvSpPr>
+        <p:spPr>
+          <a:xfrm>
+            <a:off x="0" y="8685213"/>
+            <a:ext cx="2971800" cy="458787"/>
+          </a:xfrm>
+          <a:prstGeom prst="rect">
+            <a:avLst/>
+          </a:prstGeom>
+        </p:spPr>
+        <p:txBody>
+          <a:bodyPr vert="horz" lIns="91440" tIns="45720" rIns="91440" bIns="45720" rtlCol="0" anchor="b"/>
+          <a:lstStyle>
+            <a:lvl1pPr algn="l">
+              <a:defRPr sz="1200"/>
+            </a:lvl1pPr>
+          </a:lstStyle>
+          <a:p>
+            <a:endParaRPr lang="en-US"/>
+          </a:p>
+        </p:txBody>
+      </p:sp>
+      <p:sp>
+        <p:nvSpPr>
+          <p:cNvPr id="7" name="Slide Number Placeholder 6"/>
+          <p:cNvSpPr>
+            <a:spLocks noGrp="1"/>
+          </p:cNvSpPr>
+          <p:nvPr>
+            <p:ph type="sldNum" sz="quarter" idx="5"/>
+          </p:nvPr>
+        </p:nvSpPr>
+        <p:spPr>
+          <a:xfrm>
+            <a:off x="3884613" y="8685213"/>
+            <a:ext cx="2971800" cy="458787"/>
+          </a:xfrm>
+          <a:prstGeom prst="rect">
+            <a:avLst/>
+          </a:prstGeom>
+        </p:spPr>
+        <p:txBody>
+          <a:bodyPr vert="horz" lIns="91440" tIns="45720" rIns="91440" bIns="45720" rtlCol="0" anchor="b"/>
+          <a:lstStyle>
+            <a:lvl1pPr algn="r">
+              <a:defRPr sz="1200"/>
+            </a:lvl1pPr>
+          </a:lstStyle>
+          <a:p>
+            <a:fld id="{A54E882C-67A6-7642-AC1A-113C2D508AB5}" type="slidenum">
+              <a:rPr lang="en-US" smtClean="0"/>
+              <a:t>‹#›</a:t>
+            </a:fld>
+            <a:endParaRPr lang="en-US"/>
+          </a:p>
+        </p:txBody>
+      </p:sp>
+    </p:spTree>
+    <p:extLst>
+      <p:ext uri="{BB962C8B-B14F-4D97-AF65-F5344CB8AC3E}">
+        <p14:creationId xmlns:p14="http://schemas.microsoft.com/office/powerpoint/2010/main" val="1828385262"/>
+      </p:ext>
+    </p:extLst>
+  </p:cSld>
+  <p:clrMap bg1="lt1" tx1="dk1" bg2="lt2" tx2="dk2" accent1="accent1" accent2="accent2" accent3="accent3" accent4="accent4" accent5="accent5" accent6="accent6" hlink="hlink" folHlink="folHlink"/>
+  <p:notesStyle>
+    <a:lvl1pPr marL="0" algn="l" defTabSz="914400" rtl="0" eaLnBrk="1" latinLnBrk="0" hangingPunct="1">
+      <a:defRPr sz="1200" kern="1200">
+        <a:solidFill>
+          <a:schemeClr val="tx1"/>
+        </a:solidFill>
+        <a:latin typeface="+mn-lt"/>
+        <a:ea typeface="+mn-ea"/>
+        <a:cs typeface="+mn-cs"/>
+      </a:defRPr>
+    </a:lvl1pPr>
+    <a:lvl2pPr marL="457200" algn="l" defTabSz="914400" rtl="0" eaLnBrk="1" latinLnBrk="0" hangingPunct="1">
+      <a:defRPr sz="1200" kern="1200">
+        <a:solidFill>
+          <a:schemeClr val="tx1"/>
+        </a:solidFill>
+        <a:latin typeface="+mn-lt"/>
+        <a:ea typeface="+mn-ea"/>
+        <a:cs typeface="+mn-cs"/>
+      </a:defRPr>
+    </a:lvl2pPr>
+    <a:lvl3pPr marL="914400" algn="l" defTabSz="914400" rtl="0" eaLnBrk="1" latinLnBrk="0" hangingPunct="1">
+      <a:defRPr sz="1200" kern="1200">
+        <a:solidFill>
+          <a:schemeClr val="tx1"/>
+        </a:solidFill>
+        <a:latin typeface="+mn-lt"/>
+        <a:ea typeface="+mn-ea"/>
+        <a:cs typeface="+mn-cs"/>
+      </a:defRPr>
+    </a:lvl3pPr>
+    <a:lvl4pPr marL="1371600" algn="l" defTabSz="914400" rtl="0" eaLnBrk="1" latinLnBrk="0" hangingPunct="1">
+      <a:defRPr sz="1200" kern="1200">
+        <a:solidFill>
+          <a:schemeClr val="tx1"/>
+        </a:solidFill>
+        <a:latin typeface="+mn-lt"/>
+        <a:ea typeface="+mn-ea"/>
+        <a:cs typeface="+mn-cs"/>
+      </a:defRPr>
+    </a:lvl4pPr>
+    <a:lvl5pPr marL="1828800" algn="l" defTabSz="914400" rtl="0" eaLnBrk="1" latinLnBrk="0" hangingPunct="1">
+      <a:defRPr sz="1200" kern="1200">
+        <a:solidFill>
+          <a:schemeClr val="tx1"/>
+        </a:solidFill>
+        <a:latin typeface="+mn-lt"/>
+        <a:ea typeface="+mn-ea"/>
+        <a:cs typeface="+mn-cs"/>
+      </a:defRPr>
+    </a:lvl5pPr>
+    <a:lvl6pPr marL="2286000" algn="l" defTabSz="914400" rtl="0" eaLnBrk="1" latinLnBrk="0" hangingPunct="1">
+      <a:defRPr sz="1200" kern="1200">
+        <a:solidFill>
+          <a:schemeClr val="tx1"/>
+        </a:solidFill>
+        <a:latin typeface="+mn-lt"/>
+        <a:ea typeface="+mn-ea"/>
+        <a:cs typeface="+mn-cs"/>
+      </a:defRPr>
+    </a:lvl6pPr>
+    <a:lvl7pPr marL="2743200" algn="l" defTabSz="914400" rtl="0" eaLnBrk="1" latinLnBrk="0" hangingPunct="1">
+      <a:defRPr sz="1200" kern="1200">
+        <a:solidFill>
+          <a:schemeClr val="tx1"/>
+        </a:solidFill>
+        <a:latin typeface="+mn-lt"/>
+        <a:ea typeface="+mn-ea"/>
+        <a:cs typeface="+mn-cs"/>
+      </a:defRPr>
+    </a:lvl7pPr>
+    <a:lvl8pPr marL="3200400" algn="l" defTabSz="914400" rtl="0" eaLnBrk="1" latinLnBrk="0" hangingPunct="1">
+      <a:defRPr sz="1200" kern="1200">
+        <a:solidFill>
+          <a:schemeClr val="tx1"/>
+        </a:solidFill>
+        <a:latin typeface="+mn-lt"/>
+        <a:ea typeface="+mn-ea"/>
+        <a:cs typeface="+mn-cs"/>
+      </a:defRPr>
+    </a:lvl8pPr>
+    <a:lvl9pPr marL="3657600" algn="l" defTabSz="914400" rtl="0" eaLnBrk="1" latinLnBrk="0" hangingPunct="1">
+      <a:defRPr sz="1200" kern="1200">
+        <a:solidFill>
+          <a:schemeClr val="tx1"/>
+        </a:solidFill>
+        <a:latin typeface="+mn-lt"/>
+        <a:ea typeface="+mn-ea"/>
+        <a:cs typeface="+mn-cs"/>
+      </a:defRPr>
+    </a:lvl9pPr>
+  </p:notesStyle>
+</p:notesMaster>
+</file>
+
+<file path=ppt/notesSlides/notesSlide1.xml><?xml version="1.0" encoding="utf-8"?>
+<p:notes xmlns:a="http://schemas.openxmlformats.org/drawingml/2006/main" xmlns:r="http://schemas.openxmlformats.org/officeDocument/2006/relationships" xmlns:p="http://schemas.openxmlformats.org/presentationml/2006/main">
+  <p:cSld>
+    <p:spTree>
+      <p:nvGrpSpPr>
+        <p:cNvPr id="1" name=""/>
+        <p:cNvGrpSpPr/>
+        <p:nvPr/>
+      </p:nvGrpSpPr>
+      <p:grpSpPr>
+        <a:xfrm>
+          <a:off x="0" y="0"/>
+          <a:ext cx="0" cy="0"/>
+          <a:chOff x="0" y="0"/>
+          <a:chExt cx="0" cy="0"/>
+        </a:xfrm>
+      </p:grpSpPr>
+      <p:sp>
+        <p:nvSpPr>
+          <p:cNvPr id="2" name="Slide Image Placeholder 1"/>
+          <p:cNvSpPr>
+            <a:spLocks noGrp="1" noRot="1" noChangeAspect="1"/>
+          </p:cNvSpPr>
+          <p:nvPr>
+            <p:ph type="sldImg"/>
+          </p:nvPr>
+        </p:nvSpPr>
+        <p:spPr/>
+      </p:sp>
+      <p:sp>
+        <p:nvSpPr>
+          <p:cNvPr id="3" name="Notes Placeholder 2"/>
+          <p:cNvSpPr>
+            <a:spLocks noGrp="1"/>
+          </p:cNvSpPr>
+          <p:nvPr>
+            <p:ph type="body" idx="1"/>
+          </p:nvPr>
+        </p:nvSpPr>
+        <p:spPr/>
+        <p:txBody>
+          <a:bodyPr/>
+          <a:lstStyle/>
+          <a:p>
+            <a:endParaRPr lang="en-US" dirty="0"/>
+          </a:p>
+        </p:txBody>
+      </p:sp>
+      <p:sp>
+        <p:nvSpPr>
+          <p:cNvPr id="4" name="Slide Number Placeholder 3"/>
+          <p:cNvSpPr>
+            <a:spLocks noGrp="1"/>
+          </p:cNvSpPr>
+          <p:nvPr>
+            <p:ph type="sldNum" sz="quarter" idx="5"/>
+          </p:nvPr>
+        </p:nvSpPr>
+        <p:spPr/>
+        <p:txBody>
+          <a:bodyPr/>
+          <a:lstStyle/>
+          <a:p>
+            <a:fld id="{A54E882C-67A6-7642-AC1A-113C2D508AB5}" type="slidenum">
+              <a:rPr lang="en-US" smtClean="0"/>
+              <a:t>13</a:t>
+            </a:fld>
+            <a:endParaRPr lang="en-US"/>
+          </a:p>
+        </p:txBody>
+      </p:sp>
+    </p:spTree>
+    <p:extLst>
+      <p:ext uri="{BB962C8B-B14F-4D97-AF65-F5344CB8AC3E}">
+        <p14:creationId xmlns:p14="http://schemas.microsoft.com/office/powerpoint/2010/main" val="2339732688"/>
+      </p:ext>
+    </p:extLst>
+  </p:cSld>
+  <p:clrMapOvr>
+    <a:masterClrMapping/>
+  </p:clrMapOvr>
+</p:notes>
+</file>
+
 <file path=ppt/slideLayouts/slideLayout1.xml><?xml version="1.0" encoding="utf-8"?>
 <p:sldLayout xmlns:a="http://schemas.openxmlformats.org/drawingml/2006/main" xmlns:r="http://schemas.openxmlformats.org/officeDocument/2006/relationships" xmlns:p="http://schemas.openxmlformats.org/presentationml/2006/main" type="title" preserve="1">
   <p:cSld name="Title Slide">
@@ -2419,7 +2884,7 @@
     <p:bg>
       <p:bgPr>
         <a:solidFill>
-          <a:srgbClr val="CB444A"/>
+          <a:srgbClr val="DC3544"/>
         </a:solidFill>
         <a:effectLst/>
       </p:bgPr>
@@ -3106,6 +3571,1612 @@
 </p:sld>
 </file>
 
+<file path=ppt/slides/slide10.xml><?xml version="1.0" encoding="utf-8"?>
+<p:sld xmlns:a="http://schemas.openxmlformats.org/drawingml/2006/main" xmlns:r="http://schemas.openxmlformats.org/officeDocument/2006/relationships" xmlns:p="http://schemas.openxmlformats.org/presentationml/2006/main">
+  <p:cSld>
+    <p:spTree>
+      <p:nvGrpSpPr>
+        <p:cNvPr id="1" name=""/>
+        <p:cNvGrpSpPr/>
+        <p:nvPr/>
+      </p:nvGrpSpPr>
+      <p:grpSpPr>
+        <a:xfrm>
+          <a:off x="0" y="0"/>
+          <a:ext cx="0" cy="0"/>
+          <a:chOff x="0" y="0"/>
+          <a:chExt cx="0" cy="0"/>
+        </a:xfrm>
+      </p:grpSpPr>
+      <p:pic>
+        <p:nvPicPr>
+          <p:cNvPr id="8" name="Picture 7">
+            <a:extLst>
+              <a:ext uri="{FF2B5EF4-FFF2-40B4-BE49-F238E27FC236}">
+                <a16:creationId xmlns:a16="http://schemas.microsoft.com/office/drawing/2014/main" id="{B380D2A6-BC3D-4647-B555-8E8A919546DB}"/>
+              </a:ext>
+            </a:extLst>
+          </p:cNvPr>
+          <p:cNvPicPr>
+            <a:picLocks noChangeAspect="1"/>
+          </p:cNvPicPr>
+          <p:nvPr/>
+        </p:nvPicPr>
+        <p:blipFill>
+          <a:blip r:embed="rId2"/>
+          <a:stretch>
+            <a:fillRect/>
+          </a:stretch>
+        </p:blipFill>
+        <p:spPr>
+          <a:xfrm>
+            <a:off x="466948" y="737501"/>
+            <a:ext cx="3012258" cy="5339913"/>
+          </a:xfrm>
+          <a:prstGeom prst="rect">
+            <a:avLst/>
+          </a:prstGeom>
+        </p:spPr>
+      </p:pic>
+      <p:sp>
+        <p:nvSpPr>
+          <p:cNvPr id="5" name="TextBox 4">
+            <a:extLst>
+              <a:ext uri="{FF2B5EF4-FFF2-40B4-BE49-F238E27FC236}">
+                <a16:creationId xmlns:a16="http://schemas.microsoft.com/office/drawing/2014/main" id="{009B8B75-3537-5B47-B079-905DCFD17E12}"/>
+              </a:ext>
+            </a:extLst>
+          </p:cNvPr>
+          <p:cNvSpPr txBox="1"/>
+          <p:nvPr/>
+        </p:nvSpPr>
+        <p:spPr>
+          <a:xfrm>
+            <a:off x="4655647" y="1782469"/>
+            <a:ext cx="3691054" cy="1200329"/>
+          </a:xfrm>
+          <a:prstGeom prst="rect">
+            <a:avLst/>
+          </a:prstGeom>
+          <a:noFill/>
+        </p:spPr>
+        <p:txBody>
+          <a:bodyPr wrap="square" rtlCol="0">
+            <a:spAutoFit/>
+          </a:bodyPr>
+          <a:lstStyle/>
+          <a:p>
+            <a:r>
+              <a:rPr lang="en-US" dirty="0">
+                <a:solidFill>
+                  <a:schemeClr val="bg1"/>
+                </a:solidFill>
+              </a:rPr>
+              <a:t>Once logged in, users can navigate back to the home screen by clicking on the home icon in the top right corner of any page</a:t>
+            </a:r>
+          </a:p>
+        </p:txBody>
+      </p:sp>
+      <p:cxnSp>
+        <p:nvCxnSpPr>
+          <p:cNvPr id="6" name="Straight Arrow Connector 5">
+            <a:extLst>
+              <a:ext uri="{FF2B5EF4-FFF2-40B4-BE49-F238E27FC236}">
+                <a16:creationId xmlns:a16="http://schemas.microsoft.com/office/drawing/2014/main" id="{47C48626-5937-8B4E-877B-AF2400F4719D}"/>
+              </a:ext>
+            </a:extLst>
+          </p:cNvPr>
+          <p:cNvCxnSpPr>
+            <a:cxnSpLocks/>
+            <a:stCxn id="5" idx="1"/>
+          </p:cNvCxnSpPr>
+          <p:nvPr/>
+        </p:nvCxnSpPr>
+        <p:spPr>
+          <a:xfrm flipH="1" flipV="1">
+            <a:off x="3479206" y="1360449"/>
+            <a:ext cx="1176441" cy="1022185"/>
+          </a:xfrm>
+          <a:prstGeom prst="straightConnector1">
+            <a:avLst/>
+          </a:prstGeom>
+          <a:ln w="31750">
+            <a:solidFill>
+              <a:schemeClr val="bg2">
+                <a:lumMod val="75000"/>
+              </a:schemeClr>
+            </a:solidFill>
+            <a:tailEnd type="triangle"/>
+          </a:ln>
+        </p:spPr>
+        <p:style>
+          <a:lnRef idx="1">
+            <a:schemeClr val="accent1"/>
+          </a:lnRef>
+          <a:fillRef idx="0">
+            <a:schemeClr val="accent1"/>
+          </a:fillRef>
+          <a:effectRef idx="0">
+            <a:schemeClr val="accent1"/>
+          </a:effectRef>
+          <a:fontRef idx="minor">
+            <a:schemeClr val="tx1"/>
+          </a:fontRef>
+        </p:style>
+      </p:cxnSp>
+    </p:spTree>
+    <p:extLst>
+      <p:ext uri="{BB962C8B-B14F-4D97-AF65-F5344CB8AC3E}">
+        <p14:creationId xmlns:p14="http://schemas.microsoft.com/office/powerpoint/2010/main" val="1096757683"/>
+      </p:ext>
+    </p:extLst>
+  </p:cSld>
+  <p:clrMapOvr>
+    <a:masterClrMapping/>
+  </p:clrMapOvr>
+</p:sld>
+</file>
+
+<file path=ppt/slides/slide11.xml><?xml version="1.0" encoding="utf-8"?>
+<p:sld xmlns:a="http://schemas.openxmlformats.org/drawingml/2006/main" xmlns:r="http://schemas.openxmlformats.org/officeDocument/2006/relationships" xmlns:p="http://schemas.openxmlformats.org/presentationml/2006/main">
+  <p:cSld>
+    <p:spTree>
+      <p:nvGrpSpPr>
+        <p:cNvPr id="1" name=""/>
+        <p:cNvGrpSpPr/>
+        <p:nvPr/>
+      </p:nvGrpSpPr>
+      <p:grpSpPr>
+        <a:xfrm>
+          <a:off x="0" y="0"/>
+          <a:ext cx="0" cy="0"/>
+          <a:chOff x="0" y="0"/>
+          <a:chExt cx="0" cy="0"/>
+        </a:xfrm>
+      </p:grpSpPr>
+      <p:pic>
+        <p:nvPicPr>
+          <p:cNvPr id="4" name="Picture 3">
+            <a:extLst>
+              <a:ext uri="{FF2B5EF4-FFF2-40B4-BE49-F238E27FC236}">
+                <a16:creationId xmlns:a16="http://schemas.microsoft.com/office/drawing/2014/main" id="{AB98D9C6-BA26-2E45-A3E7-B50BD5CE9189}"/>
+              </a:ext>
+            </a:extLst>
+          </p:cNvPr>
+          <p:cNvPicPr>
+            <a:picLocks noChangeAspect="1"/>
+          </p:cNvPicPr>
+          <p:nvPr/>
+        </p:nvPicPr>
+        <p:blipFill rotWithShape="1">
+          <a:blip r:embed="rId2"/>
+          <a:srcRect r="71078"/>
+          <a:stretch/>
+        </p:blipFill>
+        <p:spPr>
+          <a:xfrm>
+            <a:off x="1174570" y="2551814"/>
+            <a:ext cx="1767582" cy="1754372"/>
+          </a:xfrm>
+          <a:prstGeom prst="rect">
+            <a:avLst/>
+          </a:prstGeom>
+        </p:spPr>
+      </p:pic>
+      <p:cxnSp>
+        <p:nvCxnSpPr>
+          <p:cNvPr id="5" name="Straight Connector 4">
+            <a:extLst>
+              <a:ext uri="{FF2B5EF4-FFF2-40B4-BE49-F238E27FC236}">
+                <a16:creationId xmlns:a16="http://schemas.microsoft.com/office/drawing/2014/main" id="{A1F6EA92-A03A-7346-82DA-9EDF12FEED37}"/>
+              </a:ext>
+            </a:extLst>
+          </p:cNvPr>
+          <p:cNvCxnSpPr/>
+          <p:nvPr/>
+        </p:nvCxnSpPr>
+        <p:spPr>
+          <a:xfrm>
+            <a:off x="3680422" y="1685261"/>
+            <a:ext cx="0" cy="3487479"/>
+          </a:xfrm>
+          <a:prstGeom prst="line">
+            <a:avLst/>
+          </a:prstGeom>
+          <a:ln w="38100">
+            <a:solidFill>
+              <a:schemeClr val="bg1"/>
+            </a:solidFill>
+          </a:ln>
+        </p:spPr>
+        <p:style>
+          <a:lnRef idx="1">
+            <a:schemeClr val="accent1"/>
+          </a:lnRef>
+          <a:fillRef idx="0">
+            <a:schemeClr val="accent1"/>
+          </a:fillRef>
+          <a:effectRef idx="0">
+            <a:schemeClr val="accent1"/>
+          </a:effectRef>
+          <a:fontRef idx="minor">
+            <a:schemeClr val="tx1"/>
+          </a:fontRef>
+        </p:style>
+      </p:cxnSp>
+      <p:sp>
+        <p:nvSpPr>
+          <p:cNvPr id="6" name="TextBox 5">
+            <a:extLst>
+              <a:ext uri="{FF2B5EF4-FFF2-40B4-BE49-F238E27FC236}">
+                <a16:creationId xmlns:a16="http://schemas.microsoft.com/office/drawing/2014/main" id="{AC5F7258-15AF-3C4B-B1AB-A4F145E95E96}"/>
+              </a:ext>
+            </a:extLst>
+          </p:cNvPr>
+          <p:cNvSpPr txBox="1"/>
+          <p:nvPr/>
+        </p:nvSpPr>
+        <p:spPr>
+          <a:xfrm>
+            <a:off x="4337824" y="3013502"/>
+            <a:ext cx="4047893" cy="830997"/>
+          </a:xfrm>
+          <a:prstGeom prst="rect">
+            <a:avLst/>
+          </a:prstGeom>
+          <a:noFill/>
+        </p:spPr>
+        <p:txBody>
+          <a:bodyPr wrap="square" rtlCol="0">
+            <a:spAutoFit/>
+          </a:bodyPr>
+          <a:lstStyle/>
+          <a:p>
+            <a:r>
+              <a:rPr lang="en-US" sz="4800" dirty="0">
+                <a:solidFill>
+                  <a:schemeClr val="bg1"/>
+                </a:solidFill>
+              </a:rPr>
+              <a:t>User Features</a:t>
+            </a:r>
+          </a:p>
+        </p:txBody>
+      </p:sp>
+    </p:spTree>
+    <p:extLst>
+      <p:ext uri="{BB962C8B-B14F-4D97-AF65-F5344CB8AC3E}">
+        <p14:creationId xmlns:p14="http://schemas.microsoft.com/office/powerpoint/2010/main" val="3241689147"/>
+      </p:ext>
+    </p:extLst>
+  </p:cSld>
+  <p:clrMapOvr>
+    <a:masterClrMapping/>
+  </p:clrMapOvr>
+</p:sld>
+</file>
+
+<file path=ppt/slides/slide12.xml><?xml version="1.0" encoding="utf-8"?>
+<p:sld xmlns:a="http://schemas.openxmlformats.org/drawingml/2006/main" xmlns:r="http://schemas.openxmlformats.org/officeDocument/2006/relationships" xmlns:p="http://schemas.openxmlformats.org/presentationml/2006/main">
+  <p:cSld>
+    <p:spTree>
+      <p:nvGrpSpPr>
+        <p:cNvPr id="1" name=""/>
+        <p:cNvGrpSpPr/>
+        <p:nvPr/>
+      </p:nvGrpSpPr>
+      <p:grpSpPr>
+        <a:xfrm>
+          <a:off x="0" y="0"/>
+          <a:ext cx="0" cy="0"/>
+          <a:chOff x="0" y="0"/>
+          <a:chExt cx="0" cy="0"/>
+        </a:xfrm>
+      </p:grpSpPr>
+      <p:pic>
+        <p:nvPicPr>
+          <p:cNvPr id="11" name="Picture 10">
+            <a:extLst>
+              <a:ext uri="{FF2B5EF4-FFF2-40B4-BE49-F238E27FC236}">
+                <a16:creationId xmlns:a16="http://schemas.microsoft.com/office/drawing/2014/main" id="{3742162C-522A-644F-91FF-AD055452911D}"/>
+              </a:ext>
+            </a:extLst>
+          </p:cNvPr>
+          <p:cNvPicPr>
+            <a:picLocks noChangeAspect="1"/>
+          </p:cNvPicPr>
+          <p:nvPr/>
+        </p:nvPicPr>
+        <p:blipFill>
+          <a:blip r:embed="rId2"/>
+          <a:stretch>
+            <a:fillRect/>
+          </a:stretch>
+        </p:blipFill>
+        <p:spPr>
+          <a:xfrm>
+            <a:off x="466948" y="737501"/>
+            <a:ext cx="3012259" cy="5339913"/>
+          </a:xfrm>
+          <a:prstGeom prst="rect">
+            <a:avLst/>
+          </a:prstGeom>
+        </p:spPr>
+      </p:pic>
+      <p:sp>
+        <p:nvSpPr>
+          <p:cNvPr id="5" name="TextBox 4">
+            <a:extLst>
+              <a:ext uri="{FF2B5EF4-FFF2-40B4-BE49-F238E27FC236}">
+                <a16:creationId xmlns:a16="http://schemas.microsoft.com/office/drawing/2014/main" id="{48F568D1-C06D-834C-A313-EAD08B2956B5}"/>
+              </a:ext>
+            </a:extLst>
+          </p:cNvPr>
+          <p:cNvSpPr txBox="1"/>
+          <p:nvPr/>
+        </p:nvSpPr>
+        <p:spPr>
+          <a:xfrm>
+            <a:off x="4655647" y="1782469"/>
+            <a:ext cx="3691054" cy="369332"/>
+          </a:xfrm>
+          <a:prstGeom prst="rect">
+            <a:avLst/>
+          </a:prstGeom>
+          <a:noFill/>
+        </p:spPr>
+        <p:txBody>
+          <a:bodyPr wrap="square" rtlCol="0">
+            <a:spAutoFit/>
+          </a:bodyPr>
+          <a:lstStyle/>
+          <a:p>
+            <a:r>
+              <a:rPr lang="en-US" dirty="0">
+                <a:solidFill>
+                  <a:schemeClr val="bg1"/>
+                </a:solidFill>
+              </a:rPr>
+              <a:t>The user home screen</a:t>
+            </a:r>
+          </a:p>
+        </p:txBody>
+      </p:sp>
+    </p:spTree>
+    <p:extLst>
+      <p:ext uri="{BB962C8B-B14F-4D97-AF65-F5344CB8AC3E}">
+        <p14:creationId xmlns:p14="http://schemas.microsoft.com/office/powerpoint/2010/main" val="628819717"/>
+      </p:ext>
+    </p:extLst>
+  </p:cSld>
+  <p:clrMapOvr>
+    <a:masterClrMapping/>
+  </p:clrMapOvr>
+</p:sld>
+</file>
+
+<file path=ppt/slides/slide13.xml><?xml version="1.0" encoding="utf-8"?>
+<p:sld xmlns:a="http://schemas.openxmlformats.org/drawingml/2006/main" xmlns:r="http://schemas.openxmlformats.org/officeDocument/2006/relationships" xmlns:p="http://schemas.openxmlformats.org/presentationml/2006/main">
+  <p:cSld>
+    <p:spTree>
+      <p:nvGrpSpPr>
+        <p:cNvPr id="1" name=""/>
+        <p:cNvGrpSpPr/>
+        <p:nvPr/>
+      </p:nvGrpSpPr>
+      <p:grpSpPr>
+        <a:xfrm>
+          <a:off x="0" y="0"/>
+          <a:ext cx="0" cy="0"/>
+          <a:chOff x="0" y="0"/>
+          <a:chExt cx="0" cy="0"/>
+        </a:xfrm>
+      </p:grpSpPr>
+      <p:pic>
+        <p:nvPicPr>
+          <p:cNvPr id="4" name="Picture 3">
+            <a:extLst>
+              <a:ext uri="{FF2B5EF4-FFF2-40B4-BE49-F238E27FC236}">
+                <a16:creationId xmlns:a16="http://schemas.microsoft.com/office/drawing/2014/main" id="{1896A910-BF42-0D4E-9D9E-28D52FF5938E}"/>
+              </a:ext>
+            </a:extLst>
+          </p:cNvPr>
+          <p:cNvPicPr>
+            <a:picLocks noChangeAspect="1"/>
+          </p:cNvPicPr>
+          <p:nvPr/>
+        </p:nvPicPr>
+        <p:blipFill rotWithShape="1">
+          <a:blip r:embed="rId3"/>
+          <a:srcRect r="71078"/>
+          <a:stretch/>
+        </p:blipFill>
+        <p:spPr>
+          <a:xfrm>
+            <a:off x="1174570" y="2551814"/>
+            <a:ext cx="1767582" cy="1754372"/>
+          </a:xfrm>
+          <a:prstGeom prst="rect">
+            <a:avLst/>
+          </a:prstGeom>
+        </p:spPr>
+      </p:pic>
+      <p:cxnSp>
+        <p:nvCxnSpPr>
+          <p:cNvPr id="5" name="Straight Connector 4">
+            <a:extLst>
+              <a:ext uri="{FF2B5EF4-FFF2-40B4-BE49-F238E27FC236}">
+                <a16:creationId xmlns:a16="http://schemas.microsoft.com/office/drawing/2014/main" id="{098DAE25-A9B5-644E-AB54-82E4EC68F345}"/>
+              </a:ext>
+            </a:extLst>
+          </p:cNvPr>
+          <p:cNvCxnSpPr/>
+          <p:nvPr/>
+        </p:nvCxnSpPr>
+        <p:spPr>
+          <a:xfrm>
+            <a:off x="3680422" y="1685261"/>
+            <a:ext cx="0" cy="3487479"/>
+          </a:xfrm>
+          <a:prstGeom prst="line">
+            <a:avLst/>
+          </a:prstGeom>
+          <a:ln w="38100">
+            <a:solidFill>
+              <a:schemeClr val="bg1"/>
+            </a:solidFill>
+          </a:ln>
+        </p:spPr>
+        <p:style>
+          <a:lnRef idx="1">
+            <a:schemeClr val="accent1"/>
+          </a:lnRef>
+          <a:fillRef idx="0">
+            <a:schemeClr val="accent1"/>
+          </a:fillRef>
+          <a:effectRef idx="0">
+            <a:schemeClr val="accent1"/>
+          </a:effectRef>
+          <a:fontRef idx="minor">
+            <a:schemeClr val="tx1"/>
+          </a:fontRef>
+        </p:style>
+      </p:cxnSp>
+      <p:sp>
+        <p:nvSpPr>
+          <p:cNvPr id="6" name="TextBox 5">
+            <a:extLst>
+              <a:ext uri="{FF2B5EF4-FFF2-40B4-BE49-F238E27FC236}">
+                <a16:creationId xmlns:a16="http://schemas.microsoft.com/office/drawing/2014/main" id="{40CD8D08-E984-224E-87A4-9EB50DDDE3CE}"/>
+              </a:ext>
+            </a:extLst>
+          </p:cNvPr>
+          <p:cNvSpPr txBox="1"/>
+          <p:nvPr/>
+        </p:nvSpPr>
+        <p:spPr>
+          <a:xfrm>
+            <a:off x="4337824" y="3075057"/>
+            <a:ext cx="4047893" cy="707886"/>
+          </a:xfrm>
+          <a:prstGeom prst="rect">
+            <a:avLst/>
+          </a:prstGeom>
+          <a:noFill/>
+        </p:spPr>
+        <p:txBody>
+          <a:bodyPr wrap="square" rtlCol="0">
+            <a:spAutoFit/>
+          </a:bodyPr>
+          <a:lstStyle/>
+          <a:p>
+            <a:r>
+              <a:rPr lang="en-US" sz="4000" dirty="0">
+                <a:solidFill>
+                  <a:schemeClr val="bg1"/>
+                </a:solidFill>
+              </a:rPr>
+              <a:t>Making a booking</a:t>
+            </a:r>
+          </a:p>
+        </p:txBody>
+      </p:sp>
+    </p:spTree>
+    <p:extLst>
+      <p:ext uri="{BB962C8B-B14F-4D97-AF65-F5344CB8AC3E}">
+        <p14:creationId xmlns:p14="http://schemas.microsoft.com/office/powerpoint/2010/main" val="1998642363"/>
+      </p:ext>
+    </p:extLst>
+  </p:cSld>
+  <p:clrMapOvr>
+    <a:masterClrMapping/>
+  </p:clrMapOvr>
+</p:sld>
+</file>
+
+<file path=ppt/slides/slide14.xml><?xml version="1.0" encoding="utf-8"?>
+<p:sld xmlns:a="http://schemas.openxmlformats.org/drawingml/2006/main" xmlns:r="http://schemas.openxmlformats.org/officeDocument/2006/relationships" xmlns:p="http://schemas.openxmlformats.org/presentationml/2006/main">
+  <p:cSld>
+    <p:spTree>
+      <p:nvGrpSpPr>
+        <p:cNvPr id="1" name=""/>
+        <p:cNvGrpSpPr/>
+        <p:nvPr/>
+      </p:nvGrpSpPr>
+      <p:grpSpPr>
+        <a:xfrm>
+          <a:off x="0" y="0"/>
+          <a:ext cx="0" cy="0"/>
+          <a:chOff x="0" y="0"/>
+          <a:chExt cx="0" cy="0"/>
+        </a:xfrm>
+      </p:grpSpPr>
+      <p:pic>
+        <p:nvPicPr>
+          <p:cNvPr id="4" name="Picture 3">
+            <a:extLst>
+              <a:ext uri="{FF2B5EF4-FFF2-40B4-BE49-F238E27FC236}">
+                <a16:creationId xmlns:a16="http://schemas.microsoft.com/office/drawing/2014/main" id="{ED2C2268-5941-0E4F-9C3F-29CA85893572}"/>
+              </a:ext>
+            </a:extLst>
+          </p:cNvPr>
+          <p:cNvPicPr>
+            <a:picLocks noChangeAspect="1"/>
+          </p:cNvPicPr>
+          <p:nvPr/>
+        </p:nvPicPr>
+        <p:blipFill>
+          <a:blip r:embed="rId2"/>
+          <a:stretch>
+            <a:fillRect/>
+          </a:stretch>
+        </p:blipFill>
+        <p:spPr>
+          <a:xfrm>
+            <a:off x="466948" y="737501"/>
+            <a:ext cx="3012259" cy="5339913"/>
+          </a:xfrm>
+          <a:prstGeom prst="rect">
+            <a:avLst/>
+          </a:prstGeom>
+        </p:spPr>
+      </p:pic>
+      <p:sp>
+        <p:nvSpPr>
+          <p:cNvPr id="5" name="TextBox 4">
+            <a:extLst>
+              <a:ext uri="{FF2B5EF4-FFF2-40B4-BE49-F238E27FC236}">
+                <a16:creationId xmlns:a16="http://schemas.microsoft.com/office/drawing/2014/main" id="{EB3A01D0-4EDB-C743-A120-887081CF4A49}"/>
+              </a:ext>
+            </a:extLst>
+          </p:cNvPr>
+          <p:cNvSpPr txBox="1"/>
+          <p:nvPr/>
+        </p:nvSpPr>
+        <p:spPr>
+          <a:xfrm>
+            <a:off x="4689100" y="2395786"/>
+            <a:ext cx="3691054" cy="646331"/>
+          </a:xfrm>
+          <a:prstGeom prst="rect">
+            <a:avLst/>
+          </a:prstGeom>
+          <a:noFill/>
+        </p:spPr>
+        <p:txBody>
+          <a:bodyPr wrap="square" rtlCol="0">
+            <a:spAutoFit/>
+          </a:bodyPr>
+          <a:lstStyle/>
+          <a:p>
+            <a:r>
+              <a:rPr lang="en-US" dirty="0">
+                <a:solidFill>
+                  <a:schemeClr val="bg1"/>
+                </a:solidFill>
+              </a:rPr>
+              <a:t>From the home screen, users should select the make a booking button</a:t>
+            </a:r>
+          </a:p>
+        </p:txBody>
+      </p:sp>
+      <p:cxnSp>
+        <p:nvCxnSpPr>
+          <p:cNvPr id="6" name="Straight Arrow Connector 5">
+            <a:extLst>
+              <a:ext uri="{FF2B5EF4-FFF2-40B4-BE49-F238E27FC236}">
+                <a16:creationId xmlns:a16="http://schemas.microsoft.com/office/drawing/2014/main" id="{803FAD88-7203-0D4F-82A4-D03F01C3540C}"/>
+              </a:ext>
+            </a:extLst>
+          </p:cNvPr>
+          <p:cNvCxnSpPr>
+            <a:cxnSpLocks/>
+            <a:stCxn id="5" idx="1"/>
+          </p:cNvCxnSpPr>
+          <p:nvPr/>
+        </p:nvCxnSpPr>
+        <p:spPr>
+          <a:xfrm flipH="1" flipV="1">
+            <a:off x="3256156" y="2286002"/>
+            <a:ext cx="1432944" cy="432950"/>
+          </a:xfrm>
+          <a:prstGeom prst="straightConnector1">
+            <a:avLst/>
+          </a:prstGeom>
+          <a:ln w="31750">
+            <a:solidFill>
+              <a:schemeClr val="bg2">
+                <a:lumMod val="75000"/>
+              </a:schemeClr>
+            </a:solidFill>
+            <a:tailEnd type="triangle"/>
+          </a:ln>
+        </p:spPr>
+        <p:style>
+          <a:lnRef idx="1">
+            <a:schemeClr val="accent1"/>
+          </a:lnRef>
+          <a:fillRef idx="0">
+            <a:schemeClr val="accent1"/>
+          </a:fillRef>
+          <a:effectRef idx="0">
+            <a:schemeClr val="accent1"/>
+          </a:effectRef>
+          <a:fontRef idx="minor">
+            <a:schemeClr val="tx1"/>
+          </a:fontRef>
+        </p:style>
+      </p:cxnSp>
+    </p:spTree>
+    <p:extLst>
+      <p:ext uri="{BB962C8B-B14F-4D97-AF65-F5344CB8AC3E}">
+        <p14:creationId xmlns:p14="http://schemas.microsoft.com/office/powerpoint/2010/main" val="1955718561"/>
+      </p:ext>
+    </p:extLst>
+  </p:cSld>
+  <p:clrMapOvr>
+    <a:masterClrMapping/>
+  </p:clrMapOvr>
+</p:sld>
+</file>
+
+<file path=ppt/slides/slide15.xml><?xml version="1.0" encoding="utf-8"?>
+<p:sld xmlns:a="http://schemas.openxmlformats.org/drawingml/2006/main" xmlns:r="http://schemas.openxmlformats.org/officeDocument/2006/relationships" xmlns:p="http://schemas.openxmlformats.org/presentationml/2006/main">
+  <p:cSld>
+    <p:spTree>
+      <p:nvGrpSpPr>
+        <p:cNvPr id="1" name=""/>
+        <p:cNvGrpSpPr/>
+        <p:nvPr/>
+      </p:nvGrpSpPr>
+      <p:grpSpPr>
+        <a:xfrm>
+          <a:off x="0" y="0"/>
+          <a:ext cx="0" cy="0"/>
+          <a:chOff x="0" y="0"/>
+          <a:chExt cx="0" cy="0"/>
+        </a:xfrm>
+      </p:grpSpPr>
+      <p:pic>
+        <p:nvPicPr>
+          <p:cNvPr id="8" name="Picture 7">
+            <a:extLst>
+              <a:ext uri="{FF2B5EF4-FFF2-40B4-BE49-F238E27FC236}">
+                <a16:creationId xmlns:a16="http://schemas.microsoft.com/office/drawing/2014/main" id="{32D26644-8FDC-9F42-9BDC-2652FC2CEAD1}"/>
+              </a:ext>
+            </a:extLst>
+          </p:cNvPr>
+          <p:cNvPicPr>
+            <a:picLocks noChangeAspect="1"/>
+          </p:cNvPicPr>
+          <p:nvPr/>
+        </p:nvPicPr>
+        <p:blipFill>
+          <a:blip r:embed="rId2"/>
+          <a:stretch>
+            <a:fillRect/>
+          </a:stretch>
+        </p:blipFill>
+        <p:spPr>
+          <a:xfrm>
+            <a:off x="480918" y="737501"/>
+            <a:ext cx="2999536" cy="5317360"/>
+          </a:xfrm>
+          <a:prstGeom prst="rect">
+            <a:avLst/>
+          </a:prstGeom>
+        </p:spPr>
+      </p:pic>
+      <p:sp>
+        <p:nvSpPr>
+          <p:cNvPr id="5" name="TextBox 4">
+            <a:extLst>
+              <a:ext uri="{FF2B5EF4-FFF2-40B4-BE49-F238E27FC236}">
+                <a16:creationId xmlns:a16="http://schemas.microsoft.com/office/drawing/2014/main" id="{FC2A4958-2344-9044-BA48-C195057C4856}"/>
+              </a:ext>
+            </a:extLst>
+          </p:cNvPr>
+          <p:cNvSpPr txBox="1"/>
+          <p:nvPr/>
+        </p:nvSpPr>
+        <p:spPr>
+          <a:xfrm>
+            <a:off x="4655647" y="1720840"/>
+            <a:ext cx="3691054" cy="3416320"/>
+          </a:xfrm>
+          <a:prstGeom prst="rect">
+            <a:avLst/>
+          </a:prstGeom>
+          <a:noFill/>
+        </p:spPr>
+        <p:txBody>
+          <a:bodyPr wrap="square" rtlCol="0">
+            <a:spAutoFit/>
+          </a:bodyPr>
+          <a:lstStyle/>
+          <a:p>
+            <a:r>
+              <a:rPr lang="en-US" dirty="0">
+                <a:solidFill>
+                  <a:schemeClr val="bg1"/>
+                </a:solidFill>
+              </a:rPr>
+              <a:t>Users should then select the date, time and duration they would like to book.</a:t>
+            </a:r>
+          </a:p>
+          <a:p>
+            <a:endParaRPr lang="en-US" dirty="0">
+              <a:solidFill>
+                <a:schemeClr val="bg1"/>
+              </a:solidFill>
+            </a:endParaRPr>
+          </a:p>
+          <a:p>
+            <a:r>
+              <a:rPr lang="en-US" dirty="0">
+                <a:solidFill>
+                  <a:schemeClr val="bg1"/>
+                </a:solidFill>
+              </a:rPr>
+              <a:t>The date must be in the future, but not more than 2 weeks away.</a:t>
+            </a:r>
+          </a:p>
+          <a:p>
+            <a:endParaRPr lang="en-US" dirty="0">
+              <a:solidFill>
+                <a:schemeClr val="bg1"/>
+              </a:solidFill>
+            </a:endParaRPr>
+          </a:p>
+          <a:p>
+            <a:r>
+              <a:rPr lang="en-US" dirty="0">
+                <a:solidFill>
+                  <a:schemeClr val="bg1"/>
+                </a:solidFill>
+              </a:rPr>
+              <a:t>The duration must be positive but less than 3 hours.</a:t>
+            </a:r>
+          </a:p>
+          <a:p>
+            <a:endParaRPr lang="en-US" dirty="0">
+              <a:solidFill>
+                <a:schemeClr val="bg1"/>
+              </a:solidFill>
+            </a:endParaRPr>
+          </a:p>
+          <a:p>
+            <a:r>
+              <a:rPr lang="en-US" dirty="0">
+                <a:solidFill>
+                  <a:schemeClr val="bg1"/>
+                </a:solidFill>
+              </a:rPr>
+              <a:t>Users should click submit after selecting their preferences.</a:t>
+            </a:r>
+          </a:p>
+        </p:txBody>
+      </p:sp>
+    </p:spTree>
+    <p:extLst>
+      <p:ext uri="{BB962C8B-B14F-4D97-AF65-F5344CB8AC3E}">
+        <p14:creationId xmlns:p14="http://schemas.microsoft.com/office/powerpoint/2010/main" val="710838960"/>
+      </p:ext>
+    </p:extLst>
+  </p:cSld>
+  <p:clrMapOvr>
+    <a:masterClrMapping/>
+  </p:clrMapOvr>
+</p:sld>
+</file>
+
+<file path=ppt/slides/slide16.xml><?xml version="1.0" encoding="utf-8"?>
+<p:sld xmlns:a="http://schemas.openxmlformats.org/drawingml/2006/main" xmlns:r="http://schemas.openxmlformats.org/officeDocument/2006/relationships" xmlns:p="http://schemas.openxmlformats.org/presentationml/2006/main">
+  <p:cSld>
+    <p:spTree>
+      <p:nvGrpSpPr>
+        <p:cNvPr id="1" name=""/>
+        <p:cNvGrpSpPr/>
+        <p:nvPr/>
+      </p:nvGrpSpPr>
+      <p:grpSpPr>
+        <a:xfrm>
+          <a:off x="0" y="0"/>
+          <a:ext cx="0" cy="0"/>
+          <a:chOff x="0" y="0"/>
+          <a:chExt cx="0" cy="0"/>
+        </a:xfrm>
+      </p:grpSpPr>
+      <p:pic>
+        <p:nvPicPr>
+          <p:cNvPr id="10" name="Picture 9">
+            <a:extLst>
+              <a:ext uri="{FF2B5EF4-FFF2-40B4-BE49-F238E27FC236}">
+                <a16:creationId xmlns:a16="http://schemas.microsoft.com/office/drawing/2014/main" id="{D8D9F004-4367-8A4F-B1F5-86008C6691E6}"/>
+              </a:ext>
+            </a:extLst>
+          </p:cNvPr>
+          <p:cNvPicPr>
+            <a:picLocks noChangeAspect="1"/>
+          </p:cNvPicPr>
+          <p:nvPr/>
+        </p:nvPicPr>
+        <p:blipFill>
+          <a:blip r:embed="rId2"/>
+          <a:stretch>
+            <a:fillRect/>
+          </a:stretch>
+        </p:blipFill>
+        <p:spPr>
+          <a:xfrm>
+            <a:off x="480918" y="737502"/>
+            <a:ext cx="2999536" cy="5317359"/>
+          </a:xfrm>
+          <a:prstGeom prst="rect">
+            <a:avLst/>
+          </a:prstGeom>
+        </p:spPr>
+      </p:pic>
+      <p:sp>
+        <p:nvSpPr>
+          <p:cNvPr id="5" name="TextBox 4">
+            <a:extLst>
+              <a:ext uri="{FF2B5EF4-FFF2-40B4-BE49-F238E27FC236}">
+                <a16:creationId xmlns:a16="http://schemas.microsoft.com/office/drawing/2014/main" id="{9C633217-7786-514E-A7A6-4113005560EE}"/>
+              </a:ext>
+            </a:extLst>
+          </p:cNvPr>
+          <p:cNvSpPr txBox="1"/>
+          <p:nvPr/>
+        </p:nvSpPr>
+        <p:spPr>
+          <a:xfrm>
+            <a:off x="4655647" y="1720840"/>
+            <a:ext cx="3691054" cy="646331"/>
+          </a:xfrm>
+          <a:prstGeom prst="rect">
+            <a:avLst/>
+          </a:prstGeom>
+          <a:noFill/>
+        </p:spPr>
+        <p:txBody>
+          <a:bodyPr wrap="square" rtlCol="0">
+            <a:spAutoFit/>
+          </a:bodyPr>
+          <a:lstStyle/>
+          <a:p>
+            <a:r>
+              <a:rPr lang="en-US" dirty="0">
+                <a:solidFill>
+                  <a:schemeClr val="bg1"/>
+                </a:solidFill>
+              </a:rPr>
+              <a:t>Click here to go back and amend your date, time and duration options.</a:t>
+            </a:r>
+          </a:p>
+        </p:txBody>
+      </p:sp>
+      <p:sp>
+        <p:nvSpPr>
+          <p:cNvPr id="8" name="TextBox 7">
+            <a:extLst>
+              <a:ext uri="{FF2B5EF4-FFF2-40B4-BE49-F238E27FC236}">
+                <a16:creationId xmlns:a16="http://schemas.microsoft.com/office/drawing/2014/main" id="{F836D316-2E06-B243-87C9-4A5E4B7D761E}"/>
+              </a:ext>
+            </a:extLst>
+          </p:cNvPr>
+          <p:cNvSpPr txBox="1"/>
+          <p:nvPr/>
+        </p:nvSpPr>
+        <p:spPr>
+          <a:xfrm>
+            <a:off x="4655647" y="3396181"/>
+            <a:ext cx="3691054" cy="923330"/>
+          </a:xfrm>
+          <a:prstGeom prst="rect">
+            <a:avLst/>
+          </a:prstGeom>
+          <a:noFill/>
+        </p:spPr>
+        <p:txBody>
+          <a:bodyPr wrap="square" rtlCol="0">
+            <a:spAutoFit/>
+          </a:bodyPr>
+          <a:lstStyle/>
+          <a:p>
+            <a:r>
+              <a:rPr lang="en-US" dirty="0">
+                <a:solidFill>
+                  <a:schemeClr val="bg1"/>
+                </a:solidFill>
+              </a:rPr>
+              <a:t>Here is a list  of all the available rooms at that time, click select on the room you want to book</a:t>
+            </a:r>
+          </a:p>
+        </p:txBody>
+      </p:sp>
+      <p:cxnSp>
+        <p:nvCxnSpPr>
+          <p:cNvPr id="11" name="Straight Arrow Connector 10">
+            <a:extLst>
+              <a:ext uri="{FF2B5EF4-FFF2-40B4-BE49-F238E27FC236}">
+                <a16:creationId xmlns:a16="http://schemas.microsoft.com/office/drawing/2014/main" id="{A53008B9-E190-674A-8607-34D4D6A473E9}"/>
+              </a:ext>
+            </a:extLst>
+          </p:cNvPr>
+          <p:cNvCxnSpPr>
+            <a:cxnSpLocks/>
+            <a:stCxn id="5" idx="1"/>
+          </p:cNvCxnSpPr>
+          <p:nvPr/>
+        </p:nvCxnSpPr>
+        <p:spPr>
+          <a:xfrm flipH="1" flipV="1">
+            <a:off x="3408557" y="1720840"/>
+            <a:ext cx="1247090" cy="323166"/>
+          </a:xfrm>
+          <a:prstGeom prst="straightConnector1">
+            <a:avLst/>
+          </a:prstGeom>
+          <a:ln w="31750">
+            <a:solidFill>
+              <a:schemeClr val="bg2">
+                <a:lumMod val="75000"/>
+              </a:schemeClr>
+            </a:solidFill>
+            <a:tailEnd type="triangle"/>
+          </a:ln>
+        </p:spPr>
+        <p:style>
+          <a:lnRef idx="1">
+            <a:schemeClr val="accent1"/>
+          </a:lnRef>
+          <a:fillRef idx="0">
+            <a:schemeClr val="accent1"/>
+          </a:fillRef>
+          <a:effectRef idx="0">
+            <a:schemeClr val="accent1"/>
+          </a:effectRef>
+          <a:fontRef idx="minor">
+            <a:schemeClr val="tx1"/>
+          </a:fontRef>
+        </p:style>
+      </p:cxnSp>
+      <p:cxnSp>
+        <p:nvCxnSpPr>
+          <p:cNvPr id="12" name="Straight Arrow Connector 11">
+            <a:extLst>
+              <a:ext uri="{FF2B5EF4-FFF2-40B4-BE49-F238E27FC236}">
+                <a16:creationId xmlns:a16="http://schemas.microsoft.com/office/drawing/2014/main" id="{4CD7734A-1A4C-BD4A-969A-D18405602DD8}"/>
+              </a:ext>
+            </a:extLst>
+          </p:cNvPr>
+          <p:cNvCxnSpPr>
+            <a:cxnSpLocks/>
+            <a:stCxn id="8" idx="1"/>
+          </p:cNvCxnSpPr>
+          <p:nvPr/>
+        </p:nvCxnSpPr>
+        <p:spPr>
+          <a:xfrm flipH="1">
+            <a:off x="3408559" y="3857846"/>
+            <a:ext cx="1247088" cy="514752"/>
+          </a:xfrm>
+          <a:prstGeom prst="straightConnector1">
+            <a:avLst/>
+          </a:prstGeom>
+          <a:ln w="31750">
+            <a:solidFill>
+              <a:schemeClr val="bg2">
+                <a:lumMod val="75000"/>
+              </a:schemeClr>
+            </a:solidFill>
+            <a:tailEnd type="triangle"/>
+          </a:ln>
+        </p:spPr>
+        <p:style>
+          <a:lnRef idx="1">
+            <a:schemeClr val="accent1"/>
+          </a:lnRef>
+          <a:fillRef idx="0">
+            <a:schemeClr val="accent1"/>
+          </a:fillRef>
+          <a:effectRef idx="0">
+            <a:schemeClr val="accent1"/>
+          </a:effectRef>
+          <a:fontRef idx="minor">
+            <a:schemeClr val="tx1"/>
+          </a:fontRef>
+        </p:style>
+      </p:cxnSp>
+    </p:spTree>
+    <p:extLst>
+      <p:ext uri="{BB962C8B-B14F-4D97-AF65-F5344CB8AC3E}">
+        <p14:creationId xmlns:p14="http://schemas.microsoft.com/office/powerpoint/2010/main" val="2067449767"/>
+      </p:ext>
+    </p:extLst>
+  </p:cSld>
+  <p:clrMapOvr>
+    <a:masterClrMapping/>
+  </p:clrMapOvr>
+</p:sld>
+</file>
+
+<file path=ppt/slides/slide17.xml><?xml version="1.0" encoding="utf-8"?>
+<p:sld xmlns:a="http://schemas.openxmlformats.org/drawingml/2006/main" xmlns:r="http://schemas.openxmlformats.org/officeDocument/2006/relationships" xmlns:p="http://schemas.openxmlformats.org/presentationml/2006/main">
+  <p:cSld>
+    <p:spTree>
+      <p:nvGrpSpPr>
+        <p:cNvPr id="1" name=""/>
+        <p:cNvGrpSpPr/>
+        <p:nvPr/>
+      </p:nvGrpSpPr>
+      <p:grpSpPr>
+        <a:xfrm>
+          <a:off x="0" y="0"/>
+          <a:ext cx="0" cy="0"/>
+          <a:chOff x="0" y="0"/>
+          <a:chExt cx="0" cy="0"/>
+        </a:xfrm>
+      </p:grpSpPr>
+      <p:pic>
+        <p:nvPicPr>
+          <p:cNvPr id="10" name="Picture 9">
+            <a:extLst>
+              <a:ext uri="{FF2B5EF4-FFF2-40B4-BE49-F238E27FC236}">
+                <a16:creationId xmlns:a16="http://schemas.microsoft.com/office/drawing/2014/main" id="{3AB09107-2327-B642-A7F5-A037EA86212A}"/>
+              </a:ext>
+            </a:extLst>
+          </p:cNvPr>
+          <p:cNvPicPr>
+            <a:picLocks noChangeAspect="1"/>
+          </p:cNvPicPr>
+          <p:nvPr/>
+        </p:nvPicPr>
+        <p:blipFill>
+          <a:blip r:embed="rId2"/>
+          <a:stretch>
+            <a:fillRect/>
+          </a:stretch>
+        </p:blipFill>
+        <p:spPr>
+          <a:xfrm>
+            <a:off x="480918" y="737502"/>
+            <a:ext cx="3008496" cy="5333243"/>
+          </a:xfrm>
+          <a:prstGeom prst="rect">
+            <a:avLst/>
+          </a:prstGeom>
+        </p:spPr>
+      </p:pic>
+      <p:sp>
+        <p:nvSpPr>
+          <p:cNvPr id="5" name="TextBox 4">
+            <a:extLst>
+              <a:ext uri="{FF2B5EF4-FFF2-40B4-BE49-F238E27FC236}">
+                <a16:creationId xmlns:a16="http://schemas.microsoft.com/office/drawing/2014/main" id="{9B11016E-2400-4341-959A-743694F1959F}"/>
+              </a:ext>
+            </a:extLst>
+          </p:cNvPr>
+          <p:cNvSpPr txBox="1"/>
+          <p:nvPr/>
+        </p:nvSpPr>
+        <p:spPr>
+          <a:xfrm>
+            <a:off x="4655647" y="891011"/>
+            <a:ext cx="3691054" cy="646331"/>
+          </a:xfrm>
+          <a:prstGeom prst="rect">
+            <a:avLst/>
+          </a:prstGeom>
+          <a:noFill/>
+        </p:spPr>
+        <p:txBody>
+          <a:bodyPr wrap="square" rtlCol="0">
+            <a:spAutoFit/>
+          </a:bodyPr>
+          <a:lstStyle/>
+          <a:p>
+            <a:r>
+              <a:rPr lang="en-US" dirty="0">
+                <a:solidFill>
+                  <a:schemeClr val="bg1"/>
+                </a:solidFill>
+              </a:rPr>
+              <a:t>Click the close button to go back and select a different room</a:t>
+            </a:r>
+          </a:p>
+        </p:txBody>
+      </p:sp>
+      <p:sp>
+        <p:nvSpPr>
+          <p:cNvPr id="6" name="TextBox 5">
+            <a:extLst>
+              <a:ext uri="{FF2B5EF4-FFF2-40B4-BE49-F238E27FC236}">
+                <a16:creationId xmlns:a16="http://schemas.microsoft.com/office/drawing/2014/main" id="{C4FD4BC1-74C9-504E-BF46-3288ABD56D01}"/>
+              </a:ext>
+            </a:extLst>
+          </p:cNvPr>
+          <p:cNvSpPr txBox="1"/>
+          <p:nvPr/>
+        </p:nvSpPr>
+        <p:spPr>
+          <a:xfrm>
+            <a:off x="4655647" y="5459157"/>
+            <a:ext cx="3691054" cy="369332"/>
+          </a:xfrm>
+          <a:prstGeom prst="rect">
+            <a:avLst/>
+          </a:prstGeom>
+          <a:noFill/>
+        </p:spPr>
+        <p:txBody>
+          <a:bodyPr wrap="square" rtlCol="0">
+            <a:spAutoFit/>
+          </a:bodyPr>
+          <a:lstStyle/>
+          <a:p>
+            <a:r>
+              <a:rPr lang="en-US" dirty="0">
+                <a:solidFill>
+                  <a:schemeClr val="bg1"/>
+                </a:solidFill>
+              </a:rPr>
+              <a:t>Click select to confirm the booking</a:t>
+            </a:r>
+          </a:p>
+        </p:txBody>
+      </p:sp>
+      <p:cxnSp>
+        <p:nvCxnSpPr>
+          <p:cNvPr id="7" name="Straight Arrow Connector 6">
+            <a:extLst>
+              <a:ext uri="{FF2B5EF4-FFF2-40B4-BE49-F238E27FC236}">
+                <a16:creationId xmlns:a16="http://schemas.microsoft.com/office/drawing/2014/main" id="{B2E913F9-48DB-8045-8F57-08C0BE03880B}"/>
+              </a:ext>
+            </a:extLst>
+          </p:cNvPr>
+          <p:cNvCxnSpPr>
+            <a:cxnSpLocks/>
+          </p:cNvCxnSpPr>
+          <p:nvPr/>
+        </p:nvCxnSpPr>
+        <p:spPr>
+          <a:xfrm flipH="1">
+            <a:off x="3311912" y="1234772"/>
+            <a:ext cx="1366038" cy="487236"/>
+          </a:xfrm>
+          <a:prstGeom prst="straightConnector1">
+            <a:avLst/>
+          </a:prstGeom>
+          <a:ln w="31750">
+            <a:solidFill>
+              <a:schemeClr val="bg2">
+                <a:lumMod val="75000"/>
+              </a:schemeClr>
+            </a:solidFill>
+            <a:tailEnd type="triangle"/>
+          </a:ln>
+        </p:spPr>
+        <p:style>
+          <a:lnRef idx="1">
+            <a:schemeClr val="accent1"/>
+          </a:lnRef>
+          <a:fillRef idx="0">
+            <a:schemeClr val="accent1"/>
+          </a:fillRef>
+          <a:effectRef idx="0">
+            <a:schemeClr val="accent1"/>
+          </a:effectRef>
+          <a:fontRef idx="minor">
+            <a:schemeClr val="tx1"/>
+          </a:fontRef>
+        </p:style>
+      </p:cxnSp>
+      <p:cxnSp>
+        <p:nvCxnSpPr>
+          <p:cNvPr id="8" name="Straight Arrow Connector 7">
+            <a:extLst>
+              <a:ext uri="{FF2B5EF4-FFF2-40B4-BE49-F238E27FC236}">
+                <a16:creationId xmlns:a16="http://schemas.microsoft.com/office/drawing/2014/main" id="{0CF98F1C-91E1-E943-B5E6-073DAF3C264F}"/>
+              </a:ext>
+            </a:extLst>
+          </p:cNvPr>
+          <p:cNvCxnSpPr>
+            <a:cxnSpLocks/>
+            <a:stCxn id="6" idx="1"/>
+          </p:cNvCxnSpPr>
+          <p:nvPr/>
+        </p:nvCxnSpPr>
+        <p:spPr>
+          <a:xfrm flipH="1" flipV="1">
+            <a:off x="3311912" y="5135992"/>
+            <a:ext cx="1343735" cy="507831"/>
+          </a:xfrm>
+          <a:prstGeom prst="straightConnector1">
+            <a:avLst/>
+          </a:prstGeom>
+          <a:ln w="31750">
+            <a:solidFill>
+              <a:schemeClr val="bg2">
+                <a:lumMod val="75000"/>
+              </a:schemeClr>
+            </a:solidFill>
+            <a:tailEnd type="triangle"/>
+          </a:ln>
+        </p:spPr>
+        <p:style>
+          <a:lnRef idx="1">
+            <a:schemeClr val="accent1"/>
+          </a:lnRef>
+          <a:fillRef idx="0">
+            <a:schemeClr val="accent1"/>
+          </a:fillRef>
+          <a:effectRef idx="0">
+            <a:schemeClr val="accent1"/>
+          </a:effectRef>
+          <a:fontRef idx="minor">
+            <a:schemeClr val="tx1"/>
+          </a:fontRef>
+        </p:style>
+      </p:cxnSp>
+      <p:sp>
+        <p:nvSpPr>
+          <p:cNvPr id="15" name="TextBox 14">
+            <a:extLst>
+              <a:ext uri="{FF2B5EF4-FFF2-40B4-BE49-F238E27FC236}">
+                <a16:creationId xmlns:a16="http://schemas.microsoft.com/office/drawing/2014/main" id="{00AD9AAD-D6E8-4A4A-B7CE-8DED0B6E0169}"/>
+              </a:ext>
+            </a:extLst>
+          </p:cNvPr>
+          <p:cNvSpPr txBox="1"/>
+          <p:nvPr/>
+        </p:nvSpPr>
+        <p:spPr>
+          <a:xfrm>
+            <a:off x="4639851" y="2757792"/>
+            <a:ext cx="3691054" cy="646331"/>
+          </a:xfrm>
+          <a:prstGeom prst="rect">
+            <a:avLst/>
+          </a:prstGeom>
+          <a:noFill/>
+        </p:spPr>
+        <p:txBody>
+          <a:bodyPr wrap="square" rtlCol="0">
+            <a:spAutoFit/>
+          </a:bodyPr>
+          <a:lstStyle/>
+          <a:p>
+            <a:r>
+              <a:rPr lang="en-US" dirty="0">
+                <a:solidFill>
+                  <a:schemeClr val="bg1"/>
+                </a:solidFill>
+              </a:rPr>
+              <a:t>This popup displays the details of the booking you’re just about to make.</a:t>
+            </a:r>
+          </a:p>
+        </p:txBody>
+      </p:sp>
+    </p:spTree>
+    <p:extLst>
+      <p:ext uri="{BB962C8B-B14F-4D97-AF65-F5344CB8AC3E}">
+        <p14:creationId xmlns:p14="http://schemas.microsoft.com/office/powerpoint/2010/main" val="1192598652"/>
+      </p:ext>
+    </p:extLst>
+  </p:cSld>
+  <p:clrMapOvr>
+    <a:masterClrMapping/>
+  </p:clrMapOvr>
+</p:sld>
+</file>
+
+<file path=ppt/slides/slide18.xml><?xml version="1.0" encoding="utf-8"?>
+<p:sld xmlns:a="http://schemas.openxmlformats.org/drawingml/2006/main" xmlns:r="http://schemas.openxmlformats.org/officeDocument/2006/relationships" xmlns:p="http://schemas.openxmlformats.org/presentationml/2006/main">
+  <p:cSld>
+    <p:spTree>
+      <p:nvGrpSpPr>
+        <p:cNvPr id="1" name=""/>
+        <p:cNvGrpSpPr/>
+        <p:nvPr/>
+      </p:nvGrpSpPr>
+      <p:grpSpPr>
+        <a:xfrm>
+          <a:off x="0" y="0"/>
+          <a:ext cx="0" cy="0"/>
+          <a:chOff x="0" y="0"/>
+          <a:chExt cx="0" cy="0"/>
+        </a:xfrm>
+      </p:grpSpPr>
+      <p:pic>
+        <p:nvPicPr>
+          <p:cNvPr id="4" name="Picture 3">
+            <a:extLst>
+              <a:ext uri="{FF2B5EF4-FFF2-40B4-BE49-F238E27FC236}">
+                <a16:creationId xmlns:a16="http://schemas.microsoft.com/office/drawing/2014/main" id="{5C5C92F6-8E5E-D540-A5D3-1B8ECFB9144C}"/>
+              </a:ext>
+            </a:extLst>
+          </p:cNvPr>
+          <p:cNvPicPr>
+            <a:picLocks noChangeAspect="1"/>
+          </p:cNvPicPr>
+          <p:nvPr/>
+        </p:nvPicPr>
+        <p:blipFill rotWithShape="1">
+          <a:blip r:embed="rId2"/>
+          <a:srcRect r="71078"/>
+          <a:stretch/>
+        </p:blipFill>
+        <p:spPr>
+          <a:xfrm>
+            <a:off x="1174570" y="2551814"/>
+            <a:ext cx="1767582" cy="1754372"/>
+          </a:xfrm>
+          <a:prstGeom prst="rect">
+            <a:avLst/>
+          </a:prstGeom>
+        </p:spPr>
+      </p:pic>
+      <p:cxnSp>
+        <p:nvCxnSpPr>
+          <p:cNvPr id="5" name="Straight Connector 4">
+            <a:extLst>
+              <a:ext uri="{FF2B5EF4-FFF2-40B4-BE49-F238E27FC236}">
+                <a16:creationId xmlns:a16="http://schemas.microsoft.com/office/drawing/2014/main" id="{C9981E65-C37C-8A48-8CA7-389742A855CB}"/>
+              </a:ext>
+            </a:extLst>
+          </p:cNvPr>
+          <p:cNvCxnSpPr/>
+          <p:nvPr/>
+        </p:nvCxnSpPr>
+        <p:spPr>
+          <a:xfrm>
+            <a:off x="3680422" y="1685261"/>
+            <a:ext cx="0" cy="3487479"/>
+          </a:xfrm>
+          <a:prstGeom prst="line">
+            <a:avLst/>
+          </a:prstGeom>
+          <a:ln w="38100">
+            <a:solidFill>
+              <a:schemeClr val="bg1"/>
+            </a:solidFill>
+          </a:ln>
+        </p:spPr>
+        <p:style>
+          <a:lnRef idx="1">
+            <a:schemeClr val="accent1"/>
+          </a:lnRef>
+          <a:fillRef idx="0">
+            <a:schemeClr val="accent1"/>
+          </a:fillRef>
+          <a:effectRef idx="0">
+            <a:schemeClr val="accent1"/>
+          </a:effectRef>
+          <a:fontRef idx="minor">
+            <a:schemeClr val="tx1"/>
+          </a:fontRef>
+        </p:style>
+      </p:cxnSp>
+      <p:sp>
+        <p:nvSpPr>
+          <p:cNvPr id="6" name="TextBox 5">
+            <a:extLst>
+              <a:ext uri="{FF2B5EF4-FFF2-40B4-BE49-F238E27FC236}">
+                <a16:creationId xmlns:a16="http://schemas.microsoft.com/office/drawing/2014/main" id="{15E5CC8A-7E4C-5245-9C5A-69262A4A5536}"/>
+              </a:ext>
+            </a:extLst>
+          </p:cNvPr>
+          <p:cNvSpPr txBox="1"/>
+          <p:nvPr/>
+        </p:nvSpPr>
+        <p:spPr>
+          <a:xfrm>
+            <a:off x="4337824" y="3075057"/>
+            <a:ext cx="4047893" cy="707886"/>
+          </a:xfrm>
+          <a:prstGeom prst="rect">
+            <a:avLst/>
+          </a:prstGeom>
+          <a:noFill/>
+        </p:spPr>
+        <p:txBody>
+          <a:bodyPr wrap="square" rtlCol="0">
+            <a:spAutoFit/>
+          </a:bodyPr>
+          <a:lstStyle/>
+          <a:p>
+            <a:r>
+              <a:rPr lang="en-US" sz="4000" dirty="0">
+                <a:solidFill>
+                  <a:schemeClr val="bg1"/>
+                </a:solidFill>
+              </a:rPr>
+              <a:t>Viewing bookings</a:t>
+            </a:r>
+          </a:p>
+        </p:txBody>
+      </p:sp>
+    </p:spTree>
+    <p:extLst>
+      <p:ext uri="{BB962C8B-B14F-4D97-AF65-F5344CB8AC3E}">
+        <p14:creationId xmlns:p14="http://schemas.microsoft.com/office/powerpoint/2010/main" val="2529542997"/>
+      </p:ext>
+    </p:extLst>
+  </p:cSld>
+  <p:clrMapOvr>
+    <a:masterClrMapping/>
+  </p:clrMapOvr>
+</p:sld>
+</file>
+
+<file path=ppt/slides/slide19.xml><?xml version="1.0" encoding="utf-8"?>
+<p:sld xmlns:a="http://schemas.openxmlformats.org/drawingml/2006/main" xmlns:r="http://schemas.openxmlformats.org/officeDocument/2006/relationships" xmlns:p="http://schemas.openxmlformats.org/presentationml/2006/main">
+  <p:cSld>
+    <p:spTree>
+      <p:nvGrpSpPr>
+        <p:cNvPr id="1" name=""/>
+        <p:cNvGrpSpPr/>
+        <p:nvPr/>
+      </p:nvGrpSpPr>
+      <p:grpSpPr>
+        <a:xfrm>
+          <a:off x="0" y="0"/>
+          <a:ext cx="0" cy="0"/>
+          <a:chOff x="0" y="0"/>
+          <a:chExt cx="0" cy="0"/>
+        </a:xfrm>
+      </p:grpSpPr>
+      <p:pic>
+        <p:nvPicPr>
+          <p:cNvPr id="4" name="Picture 3">
+            <a:extLst>
+              <a:ext uri="{FF2B5EF4-FFF2-40B4-BE49-F238E27FC236}">
+                <a16:creationId xmlns:a16="http://schemas.microsoft.com/office/drawing/2014/main" id="{258B285D-A747-F242-8848-CE364A6F0663}"/>
+              </a:ext>
+            </a:extLst>
+          </p:cNvPr>
+          <p:cNvPicPr>
+            <a:picLocks noChangeAspect="1"/>
+          </p:cNvPicPr>
+          <p:nvPr/>
+        </p:nvPicPr>
+        <p:blipFill>
+          <a:blip r:embed="rId2"/>
+          <a:stretch>
+            <a:fillRect/>
+          </a:stretch>
+        </p:blipFill>
+        <p:spPr>
+          <a:xfrm>
+            <a:off x="466948" y="737501"/>
+            <a:ext cx="3012259" cy="5339913"/>
+          </a:xfrm>
+          <a:prstGeom prst="rect">
+            <a:avLst/>
+          </a:prstGeom>
+        </p:spPr>
+      </p:pic>
+      <p:sp>
+        <p:nvSpPr>
+          <p:cNvPr id="5" name="TextBox 4">
+            <a:extLst>
+              <a:ext uri="{FF2B5EF4-FFF2-40B4-BE49-F238E27FC236}">
+                <a16:creationId xmlns:a16="http://schemas.microsoft.com/office/drawing/2014/main" id="{17B7ABB4-2ABB-5A47-B948-2F2416F2FA8B}"/>
+              </a:ext>
+            </a:extLst>
+          </p:cNvPr>
+          <p:cNvSpPr txBox="1"/>
+          <p:nvPr/>
+        </p:nvSpPr>
+        <p:spPr>
+          <a:xfrm>
+            <a:off x="4689100" y="2395786"/>
+            <a:ext cx="3691054" cy="646331"/>
+          </a:xfrm>
+          <a:prstGeom prst="rect">
+            <a:avLst/>
+          </a:prstGeom>
+          <a:noFill/>
+        </p:spPr>
+        <p:txBody>
+          <a:bodyPr wrap="square" rtlCol="0">
+            <a:spAutoFit/>
+          </a:bodyPr>
+          <a:lstStyle/>
+          <a:p>
+            <a:r>
+              <a:rPr lang="en-US" dirty="0">
+                <a:solidFill>
+                  <a:schemeClr val="bg1"/>
+                </a:solidFill>
+              </a:rPr>
+              <a:t>Once you have made some bookings, click view bookings</a:t>
+            </a:r>
+          </a:p>
+        </p:txBody>
+      </p:sp>
+      <p:cxnSp>
+        <p:nvCxnSpPr>
+          <p:cNvPr id="6" name="Straight Arrow Connector 5">
+            <a:extLst>
+              <a:ext uri="{FF2B5EF4-FFF2-40B4-BE49-F238E27FC236}">
+                <a16:creationId xmlns:a16="http://schemas.microsoft.com/office/drawing/2014/main" id="{0C55D060-47E4-4C4B-8B16-79AC7D753F83}"/>
+              </a:ext>
+            </a:extLst>
+          </p:cNvPr>
+          <p:cNvCxnSpPr>
+            <a:cxnSpLocks/>
+            <a:stCxn id="5" idx="1"/>
+          </p:cNvCxnSpPr>
+          <p:nvPr/>
+        </p:nvCxnSpPr>
+        <p:spPr>
+          <a:xfrm flipH="1" flipV="1">
+            <a:off x="3222886" y="1963712"/>
+            <a:ext cx="1466214" cy="755240"/>
+          </a:xfrm>
+          <a:prstGeom prst="straightConnector1">
+            <a:avLst/>
+          </a:prstGeom>
+          <a:ln w="31750">
+            <a:solidFill>
+              <a:schemeClr val="bg2">
+                <a:lumMod val="75000"/>
+              </a:schemeClr>
+            </a:solidFill>
+            <a:tailEnd type="triangle"/>
+          </a:ln>
+        </p:spPr>
+        <p:style>
+          <a:lnRef idx="1">
+            <a:schemeClr val="accent1"/>
+          </a:lnRef>
+          <a:fillRef idx="0">
+            <a:schemeClr val="accent1"/>
+          </a:fillRef>
+          <a:effectRef idx="0">
+            <a:schemeClr val="accent1"/>
+          </a:effectRef>
+          <a:fontRef idx="minor">
+            <a:schemeClr val="tx1"/>
+          </a:fontRef>
+        </p:style>
+      </p:cxnSp>
+    </p:spTree>
+    <p:extLst>
+      <p:ext uri="{BB962C8B-B14F-4D97-AF65-F5344CB8AC3E}">
+        <p14:creationId xmlns:p14="http://schemas.microsoft.com/office/powerpoint/2010/main" val="3663441299"/>
+      </p:ext>
+    </p:extLst>
+  </p:cSld>
+  <p:clrMapOvr>
+    <a:masterClrMapping/>
+  </p:clrMapOvr>
+</p:sld>
+</file>
+
 <file path=ppt/slides/slide2.xml><?xml version="1.0" encoding="utf-8"?>
 <p:sld xmlns:a="http://schemas.openxmlformats.org/drawingml/2006/main" xmlns:r="http://schemas.openxmlformats.org/officeDocument/2006/relationships" xmlns:p="http://schemas.openxmlformats.org/presentationml/2006/main">
   <p:cSld>
@@ -3207,8 +5278,8 @@
         </p:nvSpPr>
         <p:spPr>
           <a:xfrm>
-            <a:off x="4337824" y="936010"/>
-            <a:ext cx="4047893" cy="4985980"/>
+            <a:off x="4337824" y="628234"/>
+            <a:ext cx="4047893" cy="5601533"/>
           </a:xfrm>
           <a:prstGeom prst="rect">
             <a:avLst/>
@@ -3261,6 +5332,23 @@
                   <a:schemeClr val="bg1"/>
                 </a:solidFill>
               </a:rPr>
+              <a:t>Navigation</a:t>
+            </a:r>
+          </a:p>
+          <a:p>
+            <a:endParaRPr lang="en-US" sz="2000" dirty="0">
+              <a:solidFill>
+                <a:schemeClr val="bg1"/>
+              </a:solidFill>
+            </a:endParaRPr>
+          </a:p>
+          <a:p>
+            <a:r>
+              <a:rPr lang="en-US" sz="2000" dirty="0">
+                <a:solidFill>
+                  <a:schemeClr val="bg1"/>
+                </a:solidFill>
+              </a:rPr>
               <a:t>Student Features</a:t>
             </a:r>
           </a:p>
@@ -3281,7 +5369,7 @@
                   <a:schemeClr val="bg1"/>
                 </a:solidFill>
               </a:rPr>
-              <a:t>	Viewing a booking</a:t>
+              <a:t>	Viewing bookings</a:t>
             </a:r>
           </a:p>
           <a:p>
@@ -3387,6 +5475,1479 @@
     <p:extLst>
       <p:ext uri="{BB962C8B-B14F-4D97-AF65-F5344CB8AC3E}">
         <p14:creationId xmlns:p14="http://schemas.microsoft.com/office/powerpoint/2010/main" val="783434139"/>
+      </p:ext>
+    </p:extLst>
+  </p:cSld>
+  <p:clrMapOvr>
+    <a:masterClrMapping/>
+  </p:clrMapOvr>
+</p:sld>
+</file>
+
+<file path=ppt/slides/slide20.xml><?xml version="1.0" encoding="utf-8"?>
+<p:sld xmlns:a="http://schemas.openxmlformats.org/drawingml/2006/main" xmlns:r="http://schemas.openxmlformats.org/officeDocument/2006/relationships" xmlns:p="http://schemas.openxmlformats.org/presentationml/2006/main">
+  <p:cSld>
+    <p:spTree>
+      <p:nvGrpSpPr>
+        <p:cNvPr id="1" name=""/>
+        <p:cNvGrpSpPr/>
+        <p:nvPr/>
+      </p:nvGrpSpPr>
+      <p:grpSpPr>
+        <a:xfrm>
+          <a:off x="0" y="0"/>
+          <a:ext cx="0" cy="0"/>
+          <a:chOff x="0" y="0"/>
+          <a:chExt cx="0" cy="0"/>
+        </a:xfrm>
+      </p:grpSpPr>
+      <p:sp>
+        <p:nvSpPr>
+          <p:cNvPr id="5" name="TextBox 4">
+            <a:extLst>
+              <a:ext uri="{FF2B5EF4-FFF2-40B4-BE49-F238E27FC236}">
+                <a16:creationId xmlns:a16="http://schemas.microsoft.com/office/drawing/2014/main" id="{BDA7824B-604D-E84C-B728-CD66EA2089EE}"/>
+              </a:ext>
+            </a:extLst>
+          </p:cNvPr>
+          <p:cNvSpPr txBox="1"/>
+          <p:nvPr/>
+        </p:nvSpPr>
+        <p:spPr>
+          <a:xfrm>
+            <a:off x="4689100" y="1781188"/>
+            <a:ext cx="3691054" cy="369332"/>
+          </a:xfrm>
+          <a:prstGeom prst="rect">
+            <a:avLst/>
+          </a:prstGeom>
+          <a:noFill/>
+        </p:spPr>
+        <p:txBody>
+          <a:bodyPr wrap="square" rtlCol="0">
+            <a:spAutoFit/>
+          </a:bodyPr>
+          <a:lstStyle/>
+          <a:p>
+            <a:r>
+              <a:rPr lang="en-US" dirty="0">
+                <a:solidFill>
+                  <a:schemeClr val="bg1"/>
+                </a:solidFill>
+              </a:rPr>
+              <a:t>This page displays your  bookings.</a:t>
+            </a:r>
+          </a:p>
+        </p:txBody>
+      </p:sp>
+      <p:sp>
+        <p:nvSpPr>
+          <p:cNvPr id="6" name="TextBox 5">
+            <a:extLst>
+              <a:ext uri="{FF2B5EF4-FFF2-40B4-BE49-F238E27FC236}">
+                <a16:creationId xmlns:a16="http://schemas.microsoft.com/office/drawing/2014/main" id="{319A7326-1A3A-8B4F-BC85-890130E3A148}"/>
+              </a:ext>
+            </a:extLst>
+          </p:cNvPr>
+          <p:cNvSpPr txBox="1"/>
+          <p:nvPr/>
+        </p:nvSpPr>
+        <p:spPr>
+          <a:xfrm>
+            <a:off x="4689100" y="3429000"/>
+            <a:ext cx="3691054" cy="646331"/>
+          </a:xfrm>
+          <a:prstGeom prst="rect">
+            <a:avLst/>
+          </a:prstGeom>
+          <a:noFill/>
+        </p:spPr>
+        <p:txBody>
+          <a:bodyPr wrap="square" rtlCol="0">
+            <a:spAutoFit/>
+          </a:bodyPr>
+          <a:lstStyle/>
+          <a:p>
+            <a:r>
+              <a:rPr lang="en-US" dirty="0">
+                <a:solidFill>
+                  <a:schemeClr val="bg1"/>
+                </a:solidFill>
+              </a:rPr>
+              <a:t>Click here to see more information about a booking.</a:t>
+            </a:r>
+          </a:p>
+        </p:txBody>
+      </p:sp>
+    </p:spTree>
+    <p:extLst>
+      <p:ext uri="{BB962C8B-B14F-4D97-AF65-F5344CB8AC3E}">
+        <p14:creationId xmlns:p14="http://schemas.microsoft.com/office/powerpoint/2010/main" val="3513484124"/>
+      </p:ext>
+    </p:extLst>
+  </p:cSld>
+  <p:clrMapOvr>
+    <a:masterClrMapping/>
+  </p:clrMapOvr>
+</p:sld>
+</file>
+
+<file path=ppt/slides/slide21.xml><?xml version="1.0" encoding="utf-8"?>
+<p:sld xmlns:a="http://schemas.openxmlformats.org/drawingml/2006/main" xmlns:r="http://schemas.openxmlformats.org/officeDocument/2006/relationships" xmlns:p="http://schemas.openxmlformats.org/presentationml/2006/main">
+  <p:cSld>
+    <p:spTree>
+      <p:nvGrpSpPr>
+        <p:cNvPr id="1" name=""/>
+        <p:cNvGrpSpPr/>
+        <p:nvPr/>
+      </p:nvGrpSpPr>
+      <p:grpSpPr>
+        <a:xfrm>
+          <a:off x="0" y="0"/>
+          <a:ext cx="0" cy="0"/>
+          <a:chOff x="0" y="0"/>
+          <a:chExt cx="0" cy="0"/>
+        </a:xfrm>
+      </p:grpSpPr>
+      <p:pic>
+        <p:nvPicPr>
+          <p:cNvPr id="4" name="Picture 3">
+            <a:extLst>
+              <a:ext uri="{FF2B5EF4-FFF2-40B4-BE49-F238E27FC236}">
+                <a16:creationId xmlns:a16="http://schemas.microsoft.com/office/drawing/2014/main" id="{DE0BA9E9-A82E-8543-AA50-36859422CAB8}"/>
+              </a:ext>
+            </a:extLst>
+          </p:cNvPr>
+          <p:cNvPicPr>
+            <a:picLocks noChangeAspect="1"/>
+          </p:cNvPicPr>
+          <p:nvPr/>
+        </p:nvPicPr>
+        <p:blipFill rotWithShape="1">
+          <a:blip r:embed="rId2"/>
+          <a:srcRect r="71078"/>
+          <a:stretch/>
+        </p:blipFill>
+        <p:spPr>
+          <a:xfrm>
+            <a:off x="1174570" y="2551814"/>
+            <a:ext cx="1767582" cy="1754372"/>
+          </a:xfrm>
+          <a:prstGeom prst="rect">
+            <a:avLst/>
+          </a:prstGeom>
+        </p:spPr>
+      </p:pic>
+      <p:cxnSp>
+        <p:nvCxnSpPr>
+          <p:cNvPr id="5" name="Straight Connector 4">
+            <a:extLst>
+              <a:ext uri="{FF2B5EF4-FFF2-40B4-BE49-F238E27FC236}">
+                <a16:creationId xmlns:a16="http://schemas.microsoft.com/office/drawing/2014/main" id="{9E65FA8D-3A69-6F46-8FC0-72E25712B7EE}"/>
+              </a:ext>
+            </a:extLst>
+          </p:cNvPr>
+          <p:cNvCxnSpPr/>
+          <p:nvPr/>
+        </p:nvCxnSpPr>
+        <p:spPr>
+          <a:xfrm>
+            <a:off x="3680422" y="1685261"/>
+            <a:ext cx="0" cy="3487479"/>
+          </a:xfrm>
+          <a:prstGeom prst="line">
+            <a:avLst/>
+          </a:prstGeom>
+          <a:ln w="38100">
+            <a:solidFill>
+              <a:schemeClr val="bg1"/>
+            </a:solidFill>
+          </a:ln>
+        </p:spPr>
+        <p:style>
+          <a:lnRef idx="1">
+            <a:schemeClr val="accent1"/>
+          </a:lnRef>
+          <a:fillRef idx="0">
+            <a:schemeClr val="accent1"/>
+          </a:fillRef>
+          <a:effectRef idx="0">
+            <a:schemeClr val="accent1"/>
+          </a:effectRef>
+          <a:fontRef idx="minor">
+            <a:schemeClr val="tx1"/>
+          </a:fontRef>
+        </p:style>
+      </p:cxnSp>
+      <p:sp>
+        <p:nvSpPr>
+          <p:cNvPr id="6" name="TextBox 5">
+            <a:extLst>
+              <a:ext uri="{FF2B5EF4-FFF2-40B4-BE49-F238E27FC236}">
+                <a16:creationId xmlns:a16="http://schemas.microsoft.com/office/drawing/2014/main" id="{DF86B5A6-7454-494B-AEC0-8993CB48561E}"/>
+              </a:ext>
+            </a:extLst>
+          </p:cNvPr>
+          <p:cNvSpPr txBox="1"/>
+          <p:nvPr/>
+        </p:nvSpPr>
+        <p:spPr>
+          <a:xfrm>
+            <a:off x="4337824" y="3075057"/>
+            <a:ext cx="4047893" cy="646331"/>
+          </a:xfrm>
+          <a:prstGeom prst="rect">
+            <a:avLst/>
+          </a:prstGeom>
+          <a:noFill/>
+        </p:spPr>
+        <p:txBody>
+          <a:bodyPr wrap="square" rtlCol="0">
+            <a:spAutoFit/>
+          </a:bodyPr>
+          <a:lstStyle/>
+          <a:p>
+            <a:r>
+              <a:rPr lang="en-US" sz="3600" dirty="0">
+                <a:solidFill>
+                  <a:schemeClr val="bg1"/>
+                </a:solidFill>
+              </a:rPr>
+              <a:t>Cancelling a booking</a:t>
+            </a:r>
+          </a:p>
+        </p:txBody>
+      </p:sp>
+    </p:spTree>
+    <p:extLst>
+      <p:ext uri="{BB962C8B-B14F-4D97-AF65-F5344CB8AC3E}">
+        <p14:creationId xmlns:p14="http://schemas.microsoft.com/office/powerpoint/2010/main" val="1524600289"/>
+      </p:ext>
+    </p:extLst>
+  </p:cSld>
+  <p:clrMapOvr>
+    <a:masterClrMapping/>
+  </p:clrMapOvr>
+</p:sld>
+</file>
+
+<file path=ppt/slides/slide22.xml><?xml version="1.0" encoding="utf-8"?>
+<p:sld xmlns:a="http://schemas.openxmlformats.org/drawingml/2006/main" xmlns:r="http://schemas.openxmlformats.org/officeDocument/2006/relationships" xmlns:p="http://schemas.openxmlformats.org/presentationml/2006/main">
+  <p:cSld>
+    <p:spTree>
+      <p:nvGrpSpPr>
+        <p:cNvPr id="1" name=""/>
+        <p:cNvGrpSpPr/>
+        <p:nvPr/>
+      </p:nvGrpSpPr>
+      <p:grpSpPr>
+        <a:xfrm>
+          <a:off x="0" y="0"/>
+          <a:ext cx="0" cy="0"/>
+          <a:chOff x="0" y="0"/>
+          <a:chExt cx="0" cy="0"/>
+        </a:xfrm>
+      </p:grpSpPr>
+      <p:pic>
+        <p:nvPicPr>
+          <p:cNvPr id="11" name="Picture 10">
+            <a:extLst>
+              <a:ext uri="{FF2B5EF4-FFF2-40B4-BE49-F238E27FC236}">
+                <a16:creationId xmlns:a16="http://schemas.microsoft.com/office/drawing/2014/main" id="{02D00223-4D4C-2145-A0A2-018E6394EF52}"/>
+              </a:ext>
+            </a:extLst>
+          </p:cNvPr>
+          <p:cNvPicPr>
+            <a:picLocks noChangeAspect="1"/>
+          </p:cNvPicPr>
+          <p:nvPr/>
+        </p:nvPicPr>
+        <p:blipFill>
+          <a:blip r:embed="rId2"/>
+          <a:stretch>
+            <a:fillRect/>
+          </a:stretch>
+        </p:blipFill>
+        <p:spPr>
+          <a:xfrm>
+            <a:off x="465390" y="737501"/>
+            <a:ext cx="3012258" cy="5339913"/>
+          </a:xfrm>
+          <a:prstGeom prst="rect">
+            <a:avLst/>
+          </a:prstGeom>
+        </p:spPr>
+      </p:pic>
+      <p:sp>
+        <p:nvSpPr>
+          <p:cNvPr id="8" name="TextBox 7">
+            <a:extLst>
+              <a:ext uri="{FF2B5EF4-FFF2-40B4-BE49-F238E27FC236}">
+                <a16:creationId xmlns:a16="http://schemas.microsoft.com/office/drawing/2014/main" id="{7C39B3C4-369C-784F-991F-FFF6E2DE9647}"/>
+              </a:ext>
+            </a:extLst>
+          </p:cNvPr>
+          <p:cNvSpPr txBox="1"/>
+          <p:nvPr/>
+        </p:nvSpPr>
+        <p:spPr>
+          <a:xfrm>
+            <a:off x="4572000" y="2945792"/>
+            <a:ext cx="3691054" cy="923330"/>
+          </a:xfrm>
+          <a:prstGeom prst="rect">
+            <a:avLst/>
+          </a:prstGeom>
+          <a:noFill/>
+        </p:spPr>
+        <p:txBody>
+          <a:bodyPr wrap="square" rtlCol="0">
+            <a:spAutoFit/>
+          </a:bodyPr>
+          <a:lstStyle/>
+          <a:p>
+            <a:r>
+              <a:rPr lang="en-US" dirty="0">
+                <a:solidFill>
+                  <a:schemeClr val="bg1"/>
+                </a:solidFill>
+              </a:rPr>
+              <a:t>Once a viewing has been selected from the view bookings page, click the cancel booking button</a:t>
+            </a:r>
+          </a:p>
+        </p:txBody>
+      </p:sp>
+    </p:spTree>
+    <p:extLst>
+      <p:ext uri="{BB962C8B-B14F-4D97-AF65-F5344CB8AC3E}">
+        <p14:creationId xmlns:p14="http://schemas.microsoft.com/office/powerpoint/2010/main" val="1794343192"/>
+      </p:ext>
+    </p:extLst>
+  </p:cSld>
+  <p:clrMapOvr>
+    <a:masterClrMapping/>
+  </p:clrMapOvr>
+</p:sld>
+</file>
+
+<file path=ppt/slides/slide23.xml><?xml version="1.0" encoding="utf-8"?>
+<p:sld xmlns:a="http://schemas.openxmlformats.org/drawingml/2006/main" xmlns:r="http://schemas.openxmlformats.org/officeDocument/2006/relationships" xmlns:p="http://schemas.openxmlformats.org/presentationml/2006/main">
+  <p:cSld>
+    <p:spTree>
+      <p:nvGrpSpPr>
+        <p:cNvPr id="1" name=""/>
+        <p:cNvGrpSpPr/>
+        <p:nvPr/>
+      </p:nvGrpSpPr>
+      <p:grpSpPr>
+        <a:xfrm>
+          <a:off x="0" y="0"/>
+          <a:ext cx="0" cy="0"/>
+          <a:chOff x="0" y="0"/>
+          <a:chExt cx="0" cy="0"/>
+        </a:xfrm>
+      </p:grpSpPr>
+      <p:pic>
+        <p:nvPicPr>
+          <p:cNvPr id="4" name="Picture 3">
+            <a:extLst>
+              <a:ext uri="{FF2B5EF4-FFF2-40B4-BE49-F238E27FC236}">
+                <a16:creationId xmlns:a16="http://schemas.microsoft.com/office/drawing/2014/main" id="{30B9992E-30C7-CD46-AB6E-157B90F30A54}"/>
+              </a:ext>
+            </a:extLst>
+          </p:cNvPr>
+          <p:cNvPicPr>
+            <a:picLocks noChangeAspect="1"/>
+          </p:cNvPicPr>
+          <p:nvPr/>
+        </p:nvPicPr>
+        <p:blipFill rotWithShape="1">
+          <a:blip r:embed="rId2"/>
+          <a:srcRect r="71078"/>
+          <a:stretch/>
+        </p:blipFill>
+        <p:spPr>
+          <a:xfrm>
+            <a:off x="1174570" y="2551814"/>
+            <a:ext cx="1767582" cy="1754372"/>
+          </a:xfrm>
+          <a:prstGeom prst="rect">
+            <a:avLst/>
+          </a:prstGeom>
+        </p:spPr>
+      </p:pic>
+      <p:cxnSp>
+        <p:nvCxnSpPr>
+          <p:cNvPr id="5" name="Straight Connector 4">
+            <a:extLst>
+              <a:ext uri="{FF2B5EF4-FFF2-40B4-BE49-F238E27FC236}">
+                <a16:creationId xmlns:a16="http://schemas.microsoft.com/office/drawing/2014/main" id="{80147096-F9F5-4D4E-AC6F-6595EA09008C}"/>
+              </a:ext>
+            </a:extLst>
+          </p:cNvPr>
+          <p:cNvCxnSpPr/>
+          <p:nvPr/>
+        </p:nvCxnSpPr>
+        <p:spPr>
+          <a:xfrm>
+            <a:off x="3680422" y="1685261"/>
+            <a:ext cx="0" cy="3487479"/>
+          </a:xfrm>
+          <a:prstGeom prst="line">
+            <a:avLst/>
+          </a:prstGeom>
+          <a:ln w="38100">
+            <a:solidFill>
+              <a:schemeClr val="bg1"/>
+            </a:solidFill>
+          </a:ln>
+        </p:spPr>
+        <p:style>
+          <a:lnRef idx="1">
+            <a:schemeClr val="accent1"/>
+          </a:lnRef>
+          <a:fillRef idx="0">
+            <a:schemeClr val="accent1"/>
+          </a:fillRef>
+          <a:effectRef idx="0">
+            <a:schemeClr val="accent1"/>
+          </a:effectRef>
+          <a:fontRef idx="minor">
+            <a:schemeClr val="tx1"/>
+          </a:fontRef>
+        </p:style>
+      </p:cxnSp>
+      <p:sp>
+        <p:nvSpPr>
+          <p:cNvPr id="6" name="TextBox 5">
+            <a:extLst>
+              <a:ext uri="{FF2B5EF4-FFF2-40B4-BE49-F238E27FC236}">
+                <a16:creationId xmlns:a16="http://schemas.microsoft.com/office/drawing/2014/main" id="{B37ABE03-B96F-7F42-9A0B-5990343F5DA1}"/>
+              </a:ext>
+            </a:extLst>
+          </p:cNvPr>
+          <p:cNvSpPr txBox="1"/>
+          <p:nvPr/>
+        </p:nvSpPr>
+        <p:spPr>
+          <a:xfrm>
+            <a:off x="4337824" y="3136613"/>
+            <a:ext cx="4047893" cy="584775"/>
+          </a:xfrm>
+          <a:prstGeom prst="rect">
+            <a:avLst/>
+          </a:prstGeom>
+          <a:noFill/>
+        </p:spPr>
+        <p:txBody>
+          <a:bodyPr wrap="square" rtlCol="0">
+            <a:spAutoFit/>
+          </a:bodyPr>
+          <a:lstStyle/>
+          <a:p>
+            <a:r>
+              <a:rPr lang="en-US" sz="3200" dirty="0">
+                <a:solidFill>
+                  <a:schemeClr val="bg1"/>
+                </a:solidFill>
+              </a:rPr>
+              <a:t>Administrator Features</a:t>
+            </a:r>
+          </a:p>
+        </p:txBody>
+      </p:sp>
+    </p:spTree>
+    <p:extLst>
+      <p:ext uri="{BB962C8B-B14F-4D97-AF65-F5344CB8AC3E}">
+        <p14:creationId xmlns:p14="http://schemas.microsoft.com/office/powerpoint/2010/main" val="4194063821"/>
+      </p:ext>
+    </p:extLst>
+  </p:cSld>
+  <p:clrMapOvr>
+    <a:masterClrMapping/>
+  </p:clrMapOvr>
+</p:sld>
+</file>
+
+<file path=ppt/slides/slide24.xml><?xml version="1.0" encoding="utf-8"?>
+<p:sld xmlns:a="http://schemas.openxmlformats.org/drawingml/2006/main" xmlns:r="http://schemas.openxmlformats.org/officeDocument/2006/relationships" xmlns:p="http://schemas.openxmlformats.org/presentationml/2006/main">
+  <p:cSld>
+    <p:spTree>
+      <p:nvGrpSpPr>
+        <p:cNvPr id="1" name=""/>
+        <p:cNvGrpSpPr/>
+        <p:nvPr/>
+      </p:nvGrpSpPr>
+      <p:grpSpPr>
+        <a:xfrm>
+          <a:off x="0" y="0"/>
+          <a:ext cx="0" cy="0"/>
+          <a:chOff x="0" y="0"/>
+          <a:chExt cx="0" cy="0"/>
+        </a:xfrm>
+      </p:grpSpPr>
+      <p:pic>
+        <p:nvPicPr>
+          <p:cNvPr id="6" name="Picture 5">
+            <a:extLst>
+              <a:ext uri="{FF2B5EF4-FFF2-40B4-BE49-F238E27FC236}">
+                <a16:creationId xmlns:a16="http://schemas.microsoft.com/office/drawing/2014/main" id="{24F09664-3A0E-344B-A71A-66FA2DE26731}"/>
+              </a:ext>
+            </a:extLst>
+          </p:cNvPr>
+          <p:cNvPicPr>
+            <a:picLocks noChangeAspect="1"/>
+          </p:cNvPicPr>
+          <p:nvPr/>
+        </p:nvPicPr>
+        <p:blipFill>
+          <a:blip r:embed="rId2"/>
+          <a:stretch>
+            <a:fillRect/>
+          </a:stretch>
+        </p:blipFill>
+        <p:spPr>
+          <a:xfrm>
+            <a:off x="465390" y="737501"/>
+            <a:ext cx="3012258" cy="5339913"/>
+          </a:xfrm>
+          <a:prstGeom prst="rect">
+            <a:avLst/>
+          </a:prstGeom>
+        </p:spPr>
+      </p:pic>
+      <p:sp>
+        <p:nvSpPr>
+          <p:cNvPr id="4" name="TextBox 3">
+            <a:extLst>
+              <a:ext uri="{FF2B5EF4-FFF2-40B4-BE49-F238E27FC236}">
+                <a16:creationId xmlns:a16="http://schemas.microsoft.com/office/drawing/2014/main" id="{AC0C27D9-DEA0-5748-A579-8260588D6D63}"/>
+              </a:ext>
+            </a:extLst>
+          </p:cNvPr>
+          <p:cNvSpPr txBox="1"/>
+          <p:nvPr/>
+        </p:nvSpPr>
+        <p:spPr>
+          <a:xfrm>
+            <a:off x="4347148" y="1933731"/>
+            <a:ext cx="3762531" cy="830997"/>
+          </a:xfrm>
+          <a:prstGeom prst="rect">
+            <a:avLst/>
+          </a:prstGeom>
+          <a:noFill/>
+        </p:spPr>
+        <p:txBody>
+          <a:bodyPr wrap="square" rtlCol="0">
+            <a:spAutoFit/>
+          </a:bodyPr>
+          <a:lstStyle/>
+          <a:p>
+            <a:r>
+              <a:rPr lang="en-US" sz="2400" dirty="0">
+                <a:solidFill>
+                  <a:schemeClr val="bg1"/>
+                </a:solidFill>
+              </a:rPr>
+              <a:t>The administrator home screen</a:t>
+            </a:r>
+          </a:p>
+        </p:txBody>
+      </p:sp>
+    </p:spTree>
+    <p:extLst>
+      <p:ext uri="{BB962C8B-B14F-4D97-AF65-F5344CB8AC3E}">
+        <p14:creationId xmlns:p14="http://schemas.microsoft.com/office/powerpoint/2010/main" val="122103451"/>
+      </p:ext>
+    </p:extLst>
+  </p:cSld>
+  <p:clrMapOvr>
+    <a:masterClrMapping/>
+  </p:clrMapOvr>
+</p:sld>
+</file>
+
+<file path=ppt/slides/slide25.xml><?xml version="1.0" encoding="utf-8"?>
+<p:sld xmlns:a="http://schemas.openxmlformats.org/drawingml/2006/main" xmlns:r="http://schemas.openxmlformats.org/officeDocument/2006/relationships" xmlns:p="http://schemas.openxmlformats.org/presentationml/2006/main">
+  <p:cSld>
+    <p:spTree>
+      <p:nvGrpSpPr>
+        <p:cNvPr id="1" name=""/>
+        <p:cNvGrpSpPr/>
+        <p:nvPr/>
+      </p:nvGrpSpPr>
+      <p:grpSpPr>
+        <a:xfrm>
+          <a:off x="0" y="0"/>
+          <a:ext cx="0" cy="0"/>
+          <a:chOff x="0" y="0"/>
+          <a:chExt cx="0" cy="0"/>
+        </a:xfrm>
+      </p:grpSpPr>
+      <p:pic>
+        <p:nvPicPr>
+          <p:cNvPr id="4" name="Picture 3">
+            <a:extLst>
+              <a:ext uri="{FF2B5EF4-FFF2-40B4-BE49-F238E27FC236}">
+                <a16:creationId xmlns:a16="http://schemas.microsoft.com/office/drawing/2014/main" id="{7D6795DA-B768-B04B-9287-167414DBD1E2}"/>
+              </a:ext>
+            </a:extLst>
+          </p:cNvPr>
+          <p:cNvPicPr>
+            <a:picLocks noChangeAspect="1"/>
+          </p:cNvPicPr>
+          <p:nvPr/>
+        </p:nvPicPr>
+        <p:blipFill rotWithShape="1">
+          <a:blip r:embed="rId2"/>
+          <a:srcRect r="71078"/>
+          <a:stretch/>
+        </p:blipFill>
+        <p:spPr>
+          <a:xfrm>
+            <a:off x="1174570" y="2551814"/>
+            <a:ext cx="1767582" cy="1754372"/>
+          </a:xfrm>
+          <a:prstGeom prst="rect">
+            <a:avLst/>
+          </a:prstGeom>
+        </p:spPr>
+      </p:pic>
+      <p:cxnSp>
+        <p:nvCxnSpPr>
+          <p:cNvPr id="5" name="Straight Connector 4">
+            <a:extLst>
+              <a:ext uri="{FF2B5EF4-FFF2-40B4-BE49-F238E27FC236}">
+                <a16:creationId xmlns:a16="http://schemas.microsoft.com/office/drawing/2014/main" id="{61B3B726-E933-DB44-AB95-EFD1E2068ED8}"/>
+              </a:ext>
+            </a:extLst>
+          </p:cNvPr>
+          <p:cNvCxnSpPr/>
+          <p:nvPr/>
+        </p:nvCxnSpPr>
+        <p:spPr>
+          <a:xfrm>
+            <a:off x="3680422" y="1685261"/>
+            <a:ext cx="0" cy="3487479"/>
+          </a:xfrm>
+          <a:prstGeom prst="line">
+            <a:avLst/>
+          </a:prstGeom>
+          <a:ln w="38100">
+            <a:solidFill>
+              <a:schemeClr val="bg1"/>
+            </a:solidFill>
+          </a:ln>
+        </p:spPr>
+        <p:style>
+          <a:lnRef idx="1">
+            <a:schemeClr val="accent1"/>
+          </a:lnRef>
+          <a:fillRef idx="0">
+            <a:schemeClr val="accent1"/>
+          </a:fillRef>
+          <a:effectRef idx="0">
+            <a:schemeClr val="accent1"/>
+          </a:effectRef>
+          <a:fontRef idx="minor">
+            <a:schemeClr val="tx1"/>
+          </a:fontRef>
+        </p:style>
+      </p:cxnSp>
+      <p:sp>
+        <p:nvSpPr>
+          <p:cNvPr id="6" name="TextBox 5">
+            <a:extLst>
+              <a:ext uri="{FF2B5EF4-FFF2-40B4-BE49-F238E27FC236}">
+                <a16:creationId xmlns:a16="http://schemas.microsoft.com/office/drawing/2014/main" id="{FB622541-FEAC-3D46-A0E1-FD4575357239}"/>
+              </a:ext>
+            </a:extLst>
+          </p:cNvPr>
+          <p:cNvSpPr txBox="1"/>
+          <p:nvPr/>
+        </p:nvSpPr>
+        <p:spPr>
+          <a:xfrm>
+            <a:off x="4337824" y="3136613"/>
+            <a:ext cx="4047893" cy="584775"/>
+          </a:xfrm>
+          <a:prstGeom prst="rect">
+            <a:avLst/>
+          </a:prstGeom>
+          <a:noFill/>
+        </p:spPr>
+        <p:txBody>
+          <a:bodyPr wrap="square" rtlCol="0">
+            <a:spAutoFit/>
+          </a:bodyPr>
+          <a:lstStyle/>
+          <a:p>
+            <a:r>
+              <a:rPr lang="en-US" sz="3200" dirty="0">
+                <a:solidFill>
+                  <a:schemeClr val="bg1"/>
+                </a:solidFill>
+              </a:rPr>
+              <a:t>Adding a room</a:t>
+            </a:r>
+          </a:p>
+        </p:txBody>
+      </p:sp>
+    </p:spTree>
+    <p:extLst>
+      <p:ext uri="{BB962C8B-B14F-4D97-AF65-F5344CB8AC3E}">
+        <p14:creationId xmlns:p14="http://schemas.microsoft.com/office/powerpoint/2010/main" val="1980051047"/>
+      </p:ext>
+    </p:extLst>
+  </p:cSld>
+  <p:clrMapOvr>
+    <a:masterClrMapping/>
+  </p:clrMapOvr>
+</p:sld>
+</file>
+
+<file path=ppt/slides/slide26.xml><?xml version="1.0" encoding="utf-8"?>
+<p:sld xmlns:a="http://schemas.openxmlformats.org/drawingml/2006/main" xmlns:r="http://schemas.openxmlformats.org/officeDocument/2006/relationships" xmlns:p="http://schemas.openxmlformats.org/presentationml/2006/main">
+  <p:cSld>
+    <p:spTree>
+      <p:nvGrpSpPr>
+        <p:cNvPr id="1" name=""/>
+        <p:cNvGrpSpPr/>
+        <p:nvPr/>
+      </p:nvGrpSpPr>
+      <p:grpSpPr>
+        <a:xfrm>
+          <a:off x="0" y="0"/>
+          <a:ext cx="0" cy="0"/>
+          <a:chOff x="0" y="0"/>
+          <a:chExt cx="0" cy="0"/>
+        </a:xfrm>
+      </p:grpSpPr>
+      <p:pic>
+        <p:nvPicPr>
+          <p:cNvPr id="4" name="Picture 3">
+            <a:extLst>
+              <a:ext uri="{FF2B5EF4-FFF2-40B4-BE49-F238E27FC236}">
+                <a16:creationId xmlns:a16="http://schemas.microsoft.com/office/drawing/2014/main" id="{EAED8AFB-5E0E-AC44-BA6F-24AA48A31BFA}"/>
+              </a:ext>
+            </a:extLst>
+          </p:cNvPr>
+          <p:cNvPicPr>
+            <a:picLocks noChangeAspect="1"/>
+          </p:cNvPicPr>
+          <p:nvPr/>
+        </p:nvPicPr>
+        <p:blipFill>
+          <a:blip r:embed="rId2"/>
+          <a:stretch>
+            <a:fillRect/>
+          </a:stretch>
+        </p:blipFill>
+        <p:spPr>
+          <a:xfrm>
+            <a:off x="465390" y="737501"/>
+            <a:ext cx="3012258" cy="5339913"/>
+          </a:xfrm>
+          <a:prstGeom prst="rect">
+            <a:avLst/>
+          </a:prstGeom>
+        </p:spPr>
+      </p:pic>
+      <p:sp>
+        <p:nvSpPr>
+          <p:cNvPr id="5" name="TextBox 4">
+            <a:extLst>
+              <a:ext uri="{FF2B5EF4-FFF2-40B4-BE49-F238E27FC236}">
+                <a16:creationId xmlns:a16="http://schemas.microsoft.com/office/drawing/2014/main" id="{A951B0B9-8CD5-4D47-B596-9E49EF342513}"/>
+              </a:ext>
+            </a:extLst>
+          </p:cNvPr>
+          <p:cNvSpPr txBox="1"/>
+          <p:nvPr/>
+        </p:nvSpPr>
+        <p:spPr>
+          <a:xfrm>
+            <a:off x="4655647" y="1782469"/>
+            <a:ext cx="3691054" cy="646331"/>
+          </a:xfrm>
+          <a:prstGeom prst="rect">
+            <a:avLst/>
+          </a:prstGeom>
+          <a:noFill/>
+        </p:spPr>
+        <p:txBody>
+          <a:bodyPr wrap="square" rtlCol="0">
+            <a:spAutoFit/>
+          </a:bodyPr>
+          <a:lstStyle/>
+          <a:p>
+            <a:r>
+              <a:rPr lang="en-US" dirty="0">
+                <a:solidFill>
+                  <a:schemeClr val="bg1"/>
+                </a:solidFill>
+              </a:rPr>
+              <a:t>From the administrator home screen, users should click ’add a room’</a:t>
+            </a:r>
+          </a:p>
+        </p:txBody>
+      </p:sp>
+      <p:cxnSp>
+        <p:nvCxnSpPr>
+          <p:cNvPr id="6" name="Straight Arrow Connector 5">
+            <a:extLst>
+              <a:ext uri="{FF2B5EF4-FFF2-40B4-BE49-F238E27FC236}">
+                <a16:creationId xmlns:a16="http://schemas.microsoft.com/office/drawing/2014/main" id="{6E85C33C-E35D-B548-B7A8-1AC516890D96}"/>
+              </a:ext>
+            </a:extLst>
+          </p:cNvPr>
+          <p:cNvCxnSpPr>
+            <a:cxnSpLocks/>
+            <a:stCxn id="5" idx="1"/>
+          </p:cNvCxnSpPr>
+          <p:nvPr/>
+        </p:nvCxnSpPr>
+        <p:spPr>
+          <a:xfrm flipH="1">
+            <a:off x="3237875" y="2105635"/>
+            <a:ext cx="1417772" cy="922378"/>
+          </a:xfrm>
+          <a:prstGeom prst="straightConnector1">
+            <a:avLst/>
+          </a:prstGeom>
+          <a:ln w="31750">
+            <a:solidFill>
+              <a:schemeClr val="bg2">
+                <a:lumMod val="75000"/>
+              </a:schemeClr>
+            </a:solidFill>
+            <a:tailEnd type="triangle"/>
+          </a:ln>
+        </p:spPr>
+        <p:style>
+          <a:lnRef idx="1">
+            <a:schemeClr val="accent1"/>
+          </a:lnRef>
+          <a:fillRef idx="0">
+            <a:schemeClr val="accent1"/>
+          </a:fillRef>
+          <a:effectRef idx="0">
+            <a:schemeClr val="accent1"/>
+          </a:effectRef>
+          <a:fontRef idx="minor">
+            <a:schemeClr val="tx1"/>
+          </a:fontRef>
+        </p:style>
+      </p:cxnSp>
+    </p:spTree>
+    <p:extLst>
+      <p:ext uri="{BB962C8B-B14F-4D97-AF65-F5344CB8AC3E}">
+        <p14:creationId xmlns:p14="http://schemas.microsoft.com/office/powerpoint/2010/main" val="1996084344"/>
+      </p:ext>
+    </p:extLst>
+  </p:cSld>
+  <p:clrMapOvr>
+    <a:masterClrMapping/>
+  </p:clrMapOvr>
+</p:sld>
+</file>
+
+<file path=ppt/slides/slide27.xml><?xml version="1.0" encoding="utf-8"?>
+<p:sld xmlns:a="http://schemas.openxmlformats.org/drawingml/2006/main" xmlns:r="http://schemas.openxmlformats.org/officeDocument/2006/relationships" xmlns:p="http://schemas.openxmlformats.org/presentationml/2006/main">
+  <p:cSld>
+    <p:spTree>
+      <p:nvGrpSpPr>
+        <p:cNvPr id="1" name=""/>
+        <p:cNvGrpSpPr/>
+        <p:nvPr/>
+      </p:nvGrpSpPr>
+      <p:grpSpPr>
+        <a:xfrm>
+          <a:off x="0" y="0"/>
+          <a:ext cx="0" cy="0"/>
+          <a:chOff x="0" y="0"/>
+          <a:chExt cx="0" cy="0"/>
+        </a:xfrm>
+      </p:grpSpPr>
+      <p:pic>
+        <p:nvPicPr>
+          <p:cNvPr id="11" name="Picture 10">
+            <a:extLst>
+              <a:ext uri="{FF2B5EF4-FFF2-40B4-BE49-F238E27FC236}">
+                <a16:creationId xmlns:a16="http://schemas.microsoft.com/office/drawing/2014/main" id="{08491F2C-B7D7-AE46-B7CF-5510956A55B1}"/>
+              </a:ext>
+            </a:extLst>
+          </p:cNvPr>
+          <p:cNvPicPr>
+            <a:picLocks noChangeAspect="1"/>
+          </p:cNvPicPr>
+          <p:nvPr/>
+        </p:nvPicPr>
+        <p:blipFill>
+          <a:blip r:embed="rId2"/>
+          <a:stretch>
+            <a:fillRect/>
+          </a:stretch>
+        </p:blipFill>
+        <p:spPr>
+          <a:xfrm>
+            <a:off x="465390" y="737502"/>
+            <a:ext cx="3012258" cy="5339911"/>
+          </a:xfrm>
+          <a:prstGeom prst="rect">
+            <a:avLst/>
+          </a:prstGeom>
+        </p:spPr>
+      </p:pic>
+      <p:sp>
+        <p:nvSpPr>
+          <p:cNvPr id="5" name="TextBox 4">
+            <a:extLst>
+              <a:ext uri="{FF2B5EF4-FFF2-40B4-BE49-F238E27FC236}">
+                <a16:creationId xmlns:a16="http://schemas.microsoft.com/office/drawing/2014/main" id="{8317B781-E63B-724E-8E4A-A305133B4B7C}"/>
+              </a:ext>
+            </a:extLst>
+          </p:cNvPr>
+          <p:cNvSpPr txBox="1"/>
+          <p:nvPr/>
+        </p:nvSpPr>
+        <p:spPr>
+          <a:xfrm>
+            <a:off x="4655647" y="1782469"/>
+            <a:ext cx="3691054" cy="1200329"/>
+          </a:xfrm>
+          <a:prstGeom prst="rect">
+            <a:avLst/>
+          </a:prstGeom>
+          <a:noFill/>
+        </p:spPr>
+        <p:txBody>
+          <a:bodyPr wrap="square" rtlCol="0">
+            <a:spAutoFit/>
+          </a:bodyPr>
+          <a:lstStyle/>
+          <a:p>
+            <a:r>
+              <a:rPr lang="en-US" dirty="0">
+                <a:solidFill>
+                  <a:schemeClr val="bg1"/>
+                </a:solidFill>
+              </a:rPr>
+              <a:t>These fields should be filled out with the corresponding information about the room.</a:t>
+            </a:r>
+          </a:p>
+          <a:p>
+            <a:r>
+              <a:rPr lang="en-US" dirty="0">
+                <a:solidFill>
+                  <a:schemeClr val="bg1"/>
+                </a:solidFill>
+              </a:rPr>
+              <a:t>Note that capacity must be a number.</a:t>
+            </a:r>
+          </a:p>
+        </p:txBody>
+      </p:sp>
+      <p:cxnSp>
+        <p:nvCxnSpPr>
+          <p:cNvPr id="6" name="Straight Arrow Connector 5">
+            <a:extLst>
+              <a:ext uri="{FF2B5EF4-FFF2-40B4-BE49-F238E27FC236}">
+                <a16:creationId xmlns:a16="http://schemas.microsoft.com/office/drawing/2014/main" id="{3AA0BF28-C6D7-2647-9CC4-4E0036CC506F}"/>
+              </a:ext>
+            </a:extLst>
+          </p:cNvPr>
+          <p:cNvCxnSpPr>
+            <a:cxnSpLocks/>
+            <a:stCxn id="5" idx="1"/>
+          </p:cNvCxnSpPr>
+          <p:nvPr/>
+        </p:nvCxnSpPr>
+        <p:spPr>
+          <a:xfrm flipH="1">
+            <a:off x="3237875" y="2382634"/>
+            <a:ext cx="1417772" cy="645379"/>
+          </a:xfrm>
+          <a:prstGeom prst="straightConnector1">
+            <a:avLst/>
+          </a:prstGeom>
+          <a:ln w="31750">
+            <a:solidFill>
+              <a:schemeClr val="bg2">
+                <a:lumMod val="75000"/>
+              </a:schemeClr>
+            </a:solidFill>
+            <a:tailEnd type="triangle"/>
+          </a:ln>
+        </p:spPr>
+        <p:style>
+          <a:lnRef idx="1">
+            <a:schemeClr val="accent1"/>
+          </a:lnRef>
+          <a:fillRef idx="0">
+            <a:schemeClr val="accent1"/>
+          </a:fillRef>
+          <a:effectRef idx="0">
+            <a:schemeClr val="accent1"/>
+          </a:effectRef>
+          <a:fontRef idx="minor">
+            <a:schemeClr val="tx1"/>
+          </a:fontRef>
+        </p:style>
+      </p:cxnSp>
+      <p:cxnSp>
+        <p:nvCxnSpPr>
+          <p:cNvPr id="12" name="Straight Arrow Connector 11">
+            <a:extLst>
+              <a:ext uri="{FF2B5EF4-FFF2-40B4-BE49-F238E27FC236}">
+                <a16:creationId xmlns:a16="http://schemas.microsoft.com/office/drawing/2014/main" id="{1EB9A243-AEE7-0C4B-933C-1577F2C4FF27}"/>
+              </a:ext>
+            </a:extLst>
+          </p:cNvPr>
+          <p:cNvCxnSpPr>
+            <a:cxnSpLocks/>
+            <a:stCxn id="5" idx="1"/>
+          </p:cNvCxnSpPr>
+          <p:nvPr/>
+        </p:nvCxnSpPr>
+        <p:spPr>
+          <a:xfrm flipH="1" flipV="1">
+            <a:off x="3237875" y="1948721"/>
+            <a:ext cx="1417772" cy="433913"/>
+          </a:xfrm>
+          <a:prstGeom prst="straightConnector1">
+            <a:avLst/>
+          </a:prstGeom>
+          <a:ln w="31750">
+            <a:solidFill>
+              <a:schemeClr val="bg2">
+                <a:lumMod val="75000"/>
+              </a:schemeClr>
+            </a:solidFill>
+            <a:tailEnd type="triangle"/>
+          </a:ln>
+        </p:spPr>
+        <p:style>
+          <a:lnRef idx="1">
+            <a:schemeClr val="accent1"/>
+          </a:lnRef>
+          <a:fillRef idx="0">
+            <a:schemeClr val="accent1"/>
+          </a:fillRef>
+          <a:effectRef idx="0">
+            <a:schemeClr val="accent1"/>
+          </a:effectRef>
+          <a:fontRef idx="minor">
+            <a:schemeClr val="tx1"/>
+          </a:fontRef>
+        </p:style>
+      </p:cxnSp>
+      <p:cxnSp>
+        <p:nvCxnSpPr>
+          <p:cNvPr id="13" name="Straight Arrow Connector 12">
+            <a:extLst>
+              <a:ext uri="{FF2B5EF4-FFF2-40B4-BE49-F238E27FC236}">
+                <a16:creationId xmlns:a16="http://schemas.microsoft.com/office/drawing/2014/main" id="{C9FB94E9-523B-8748-A4F5-CFC003D87590}"/>
+              </a:ext>
+            </a:extLst>
+          </p:cNvPr>
+          <p:cNvCxnSpPr>
+            <a:cxnSpLocks/>
+            <a:stCxn id="5" idx="1"/>
+          </p:cNvCxnSpPr>
+          <p:nvPr/>
+        </p:nvCxnSpPr>
+        <p:spPr>
+          <a:xfrm flipH="1">
+            <a:off x="3237875" y="2382634"/>
+            <a:ext cx="1417772" cy="138499"/>
+          </a:xfrm>
+          <a:prstGeom prst="straightConnector1">
+            <a:avLst/>
+          </a:prstGeom>
+          <a:ln w="31750">
+            <a:solidFill>
+              <a:schemeClr val="bg2">
+                <a:lumMod val="75000"/>
+              </a:schemeClr>
+            </a:solidFill>
+            <a:tailEnd type="triangle"/>
+          </a:ln>
+        </p:spPr>
+        <p:style>
+          <a:lnRef idx="1">
+            <a:schemeClr val="accent1"/>
+          </a:lnRef>
+          <a:fillRef idx="0">
+            <a:schemeClr val="accent1"/>
+          </a:fillRef>
+          <a:effectRef idx="0">
+            <a:schemeClr val="accent1"/>
+          </a:effectRef>
+          <a:fontRef idx="minor">
+            <a:schemeClr val="tx1"/>
+          </a:fontRef>
+        </p:style>
+      </p:cxnSp>
+      <p:sp>
+        <p:nvSpPr>
+          <p:cNvPr id="18" name="TextBox 17">
+            <a:extLst>
+              <a:ext uri="{FF2B5EF4-FFF2-40B4-BE49-F238E27FC236}">
+                <a16:creationId xmlns:a16="http://schemas.microsoft.com/office/drawing/2014/main" id="{49D18663-3613-8947-BCEC-509B11677456}"/>
+              </a:ext>
+            </a:extLst>
+          </p:cNvPr>
+          <p:cNvSpPr txBox="1"/>
+          <p:nvPr/>
+        </p:nvSpPr>
+        <p:spPr>
+          <a:xfrm>
+            <a:off x="4655647" y="3461926"/>
+            <a:ext cx="3691054" cy="646331"/>
+          </a:xfrm>
+          <a:prstGeom prst="rect">
+            <a:avLst/>
+          </a:prstGeom>
+          <a:noFill/>
+        </p:spPr>
+        <p:txBody>
+          <a:bodyPr wrap="square" rtlCol="0">
+            <a:spAutoFit/>
+          </a:bodyPr>
+          <a:lstStyle/>
+          <a:p>
+            <a:r>
+              <a:rPr lang="en-US" dirty="0">
+                <a:solidFill>
+                  <a:schemeClr val="bg1"/>
+                </a:solidFill>
+              </a:rPr>
+              <a:t>To confirm the new room, press submit</a:t>
+            </a:r>
+          </a:p>
+        </p:txBody>
+      </p:sp>
+    </p:spTree>
+    <p:extLst>
+      <p:ext uri="{BB962C8B-B14F-4D97-AF65-F5344CB8AC3E}">
+        <p14:creationId xmlns:p14="http://schemas.microsoft.com/office/powerpoint/2010/main" val="990207534"/>
+      </p:ext>
+    </p:extLst>
+  </p:cSld>
+  <p:clrMapOvr>
+    <a:masterClrMapping/>
+  </p:clrMapOvr>
+</p:sld>
+</file>
+
+<file path=ppt/slides/slide28.xml><?xml version="1.0" encoding="utf-8"?>
+<p:sld xmlns:a="http://schemas.openxmlformats.org/drawingml/2006/main" xmlns:r="http://schemas.openxmlformats.org/officeDocument/2006/relationships" xmlns:p="http://schemas.openxmlformats.org/presentationml/2006/main">
+  <p:cSld>
+    <p:spTree>
+      <p:nvGrpSpPr>
+        <p:cNvPr id="1" name=""/>
+        <p:cNvGrpSpPr/>
+        <p:nvPr/>
+      </p:nvGrpSpPr>
+      <p:grpSpPr>
+        <a:xfrm>
+          <a:off x="0" y="0"/>
+          <a:ext cx="0" cy="0"/>
+          <a:chOff x="0" y="0"/>
+          <a:chExt cx="0" cy="0"/>
+        </a:xfrm>
+      </p:grpSpPr>
+      <p:pic>
+        <p:nvPicPr>
+          <p:cNvPr id="4" name="Picture 3">
+            <a:extLst>
+              <a:ext uri="{FF2B5EF4-FFF2-40B4-BE49-F238E27FC236}">
+                <a16:creationId xmlns:a16="http://schemas.microsoft.com/office/drawing/2014/main" id="{3AF023B1-EAF4-8B4F-9AFE-86885B51D0CE}"/>
+              </a:ext>
+            </a:extLst>
+          </p:cNvPr>
+          <p:cNvPicPr>
+            <a:picLocks noChangeAspect="1"/>
+          </p:cNvPicPr>
+          <p:nvPr/>
+        </p:nvPicPr>
+        <p:blipFill rotWithShape="1">
+          <a:blip r:embed="rId2"/>
+          <a:srcRect r="71078"/>
+          <a:stretch/>
+        </p:blipFill>
+        <p:spPr>
+          <a:xfrm>
+            <a:off x="1174570" y="2551814"/>
+            <a:ext cx="1767582" cy="1754372"/>
+          </a:xfrm>
+          <a:prstGeom prst="rect">
+            <a:avLst/>
+          </a:prstGeom>
+        </p:spPr>
+      </p:pic>
+      <p:cxnSp>
+        <p:nvCxnSpPr>
+          <p:cNvPr id="5" name="Straight Connector 4">
+            <a:extLst>
+              <a:ext uri="{FF2B5EF4-FFF2-40B4-BE49-F238E27FC236}">
+                <a16:creationId xmlns:a16="http://schemas.microsoft.com/office/drawing/2014/main" id="{DB52090A-F88A-4D4A-887E-F447B160464C}"/>
+              </a:ext>
+            </a:extLst>
+          </p:cNvPr>
+          <p:cNvCxnSpPr/>
+          <p:nvPr/>
+        </p:nvCxnSpPr>
+        <p:spPr>
+          <a:xfrm>
+            <a:off x="3680422" y="1685261"/>
+            <a:ext cx="0" cy="3487479"/>
+          </a:xfrm>
+          <a:prstGeom prst="line">
+            <a:avLst/>
+          </a:prstGeom>
+          <a:ln w="38100">
+            <a:solidFill>
+              <a:schemeClr val="bg1"/>
+            </a:solidFill>
+          </a:ln>
+        </p:spPr>
+        <p:style>
+          <a:lnRef idx="1">
+            <a:schemeClr val="accent1"/>
+          </a:lnRef>
+          <a:fillRef idx="0">
+            <a:schemeClr val="accent1"/>
+          </a:fillRef>
+          <a:effectRef idx="0">
+            <a:schemeClr val="accent1"/>
+          </a:effectRef>
+          <a:fontRef idx="minor">
+            <a:schemeClr val="tx1"/>
+          </a:fontRef>
+        </p:style>
+      </p:cxnSp>
+      <p:sp>
+        <p:nvSpPr>
+          <p:cNvPr id="6" name="TextBox 5">
+            <a:extLst>
+              <a:ext uri="{FF2B5EF4-FFF2-40B4-BE49-F238E27FC236}">
+                <a16:creationId xmlns:a16="http://schemas.microsoft.com/office/drawing/2014/main" id="{64355B42-DCA6-DB47-BA77-F61E6EEAAAAA}"/>
+              </a:ext>
+            </a:extLst>
+          </p:cNvPr>
+          <p:cNvSpPr txBox="1"/>
+          <p:nvPr/>
+        </p:nvSpPr>
+        <p:spPr>
+          <a:xfrm>
+            <a:off x="4337824" y="2151728"/>
+            <a:ext cx="4047893" cy="2554545"/>
+          </a:xfrm>
+          <a:prstGeom prst="rect">
+            <a:avLst/>
+          </a:prstGeom>
+          <a:noFill/>
+        </p:spPr>
+        <p:txBody>
+          <a:bodyPr wrap="square" rtlCol="0">
+            <a:spAutoFit/>
+          </a:bodyPr>
+          <a:lstStyle/>
+          <a:p>
+            <a:r>
+              <a:rPr lang="en-US" sz="3200" dirty="0">
+                <a:solidFill>
+                  <a:schemeClr val="bg1"/>
+                </a:solidFill>
+              </a:rPr>
+              <a:t>Viewing users</a:t>
+            </a:r>
+          </a:p>
+          <a:p>
+            <a:r>
+              <a:rPr lang="en-GB" sz="3200" dirty="0">
+                <a:solidFill>
+                  <a:schemeClr val="bg1"/>
+                </a:solidFill>
+              </a:rPr>
+              <a:t>Viewing a user’s bookings</a:t>
+            </a:r>
+          </a:p>
+          <a:p>
+            <a:r>
+              <a:rPr lang="en-GB" sz="3200" dirty="0">
+                <a:solidFill>
+                  <a:schemeClr val="bg1"/>
+                </a:solidFill>
+              </a:rPr>
+              <a:t>Deleting a user</a:t>
+            </a:r>
+          </a:p>
+          <a:p>
+            <a:r>
+              <a:rPr lang="en-GB" sz="3200" dirty="0">
+                <a:solidFill>
+                  <a:schemeClr val="bg1"/>
+                </a:solidFill>
+              </a:rPr>
+              <a:t>Blacklisting a user</a:t>
+            </a:r>
+          </a:p>
+        </p:txBody>
+      </p:sp>
+    </p:spTree>
+    <p:extLst>
+      <p:ext uri="{BB962C8B-B14F-4D97-AF65-F5344CB8AC3E}">
+        <p14:creationId xmlns:p14="http://schemas.microsoft.com/office/powerpoint/2010/main" val="127733458"/>
+      </p:ext>
+    </p:extLst>
+  </p:cSld>
+  <p:clrMapOvr>
+    <a:masterClrMapping/>
+  </p:clrMapOvr>
+</p:sld>
+</file>
+
+<file path=ppt/slides/slide29.xml><?xml version="1.0" encoding="utf-8"?>
+<p:sld xmlns:a="http://schemas.openxmlformats.org/drawingml/2006/main" xmlns:r="http://schemas.openxmlformats.org/officeDocument/2006/relationships" xmlns:p="http://schemas.openxmlformats.org/presentationml/2006/main">
+  <p:cSld>
+    <p:spTree>
+      <p:nvGrpSpPr>
+        <p:cNvPr id="1" name=""/>
+        <p:cNvGrpSpPr/>
+        <p:nvPr/>
+      </p:nvGrpSpPr>
+      <p:grpSpPr>
+        <a:xfrm>
+          <a:off x="0" y="0"/>
+          <a:ext cx="0" cy="0"/>
+          <a:chOff x="0" y="0"/>
+          <a:chExt cx="0" cy="0"/>
+        </a:xfrm>
+      </p:grpSpPr>
+      <p:pic>
+        <p:nvPicPr>
+          <p:cNvPr id="4" name="Picture 3">
+            <a:extLst>
+              <a:ext uri="{FF2B5EF4-FFF2-40B4-BE49-F238E27FC236}">
+                <a16:creationId xmlns:a16="http://schemas.microsoft.com/office/drawing/2014/main" id="{125474B4-280C-184B-A9DD-9C9C52B35BBC}"/>
+              </a:ext>
+            </a:extLst>
+          </p:cNvPr>
+          <p:cNvPicPr>
+            <a:picLocks noChangeAspect="1"/>
+          </p:cNvPicPr>
+          <p:nvPr/>
+        </p:nvPicPr>
+        <p:blipFill>
+          <a:blip r:embed="rId2"/>
+          <a:stretch>
+            <a:fillRect/>
+          </a:stretch>
+        </p:blipFill>
+        <p:spPr>
+          <a:xfrm>
+            <a:off x="465390" y="737501"/>
+            <a:ext cx="3012258" cy="5339913"/>
+          </a:xfrm>
+          <a:prstGeom prst="rect">
+            <a:avLst/>
+          </a:prstGeom>
+        </p:spPr>
+      </p:pic>
+      <p:sp>
+        <p:nvSpPr>
+          <p:cNvPr id="5" name="TextBox 4">
+            <a:extLst>
+              <a:ext uri="{FF2B5EF4-FFF2-40B4-BE49-F238E27FC236}">
+                <a16:creationId xmlns:a16="http://schemas.microsoft.com/office/drawing/2014/main" id="{F5ABA48F-6C97-E640-A5E6-79F69251E98E}"/>
+              </a:ext>
+            </a:extLst>
+          </p:cNvPr>
+          <p:cNvSpPr txBox="1"/>
+          <p:nvPr/>
+        </p:nvSpPr>
+        <p:spPr>
+          <a:xfrm>
+            <a:off x="4655647" y="1782469"/>
+            <a:ext cx="3691054" cy="646331"/>
+          </a:xfrm>
+          <a:prstGeom prst="rect">
+            <a:avLst/>
+          </a:prstGeom>
+          <a:noFill/>
+        </p:spPr>
+        <p:txBody>
+          <a:bodyPr wrap="square" rtlCol="0">
+            <a:spAutoFit/>
+          </a:bodyPr>
+          <a:lstStyle/>
+          <a:p>
+            <a:r>
+              <a:rPr lang="en-US" dirty="0">
+                <a:solidFill>
+                  <a:schemeClr val="bg1"/>
+                </a:solidFill>
+              </a:rPr>
+              <a:t>From the administrator home screen, users should click ‘View Users’</a:t>
+            </a:r>
+          </a:p>
+        </p:txBody>
+      </p:sp>
+      <p:cxnSp>
+        <p:nvCxnSpPr>
+          <p:cNvPr id="6" name="Straight Arrow Connector 5">
+            <a:extLst>
+              <a:ext uri="{FF2B5EF4-FFF2-40B4-BE49-F238E27FC236}">
+                <a16:creationId xmlns:a16="http://schemas.microsoft.com/office/drawing/2014/main" id="{72D5259D-01C7-1A4E-9528-51C41C88F72C}"/>
+              </a:ext>
+            </a:extLst>
+          </p:cNvPr>
+          <p:cNvCxnSpPr>
+            <a:cxnSpLocks/>
+            <a:stCxn id="5" idx="1"/>
+          </p:cNvCxnSpPr>
+          <p:nvPr/>
+        </p:nvCxnSpPr>
+        <p:spPr>
+          <a:xfrm flipH="1">
+            <a:off x="3297836" y="2105635"/>
+            <a:ext cx="1357811" cy="1323365"/>
+          </a:xfrm>
+          <a:prstGeom prst="straightConnector1">
+            <a:avLst/>
+          </a:prstGeom>
+          <a:ln w="31750">
+            <a:solidFill>
+              <a:schemeClr val="bg2">
+                <a:lumMod val="75000"/>
+              </a:schemeClr>
+            </a:solidFill>
+            <a:tailEnd type="triangle"/>
+          </a:ln>
+        </p:spPr>
+        <p:style>
+          <a:lnRef idx="1">
+            <a:schemeClr val="accent1"/>
+          </a:lnRef>
+          <a:fillRef idx="0">
+            <a:schemeClr val="accent1"/>
+          </a:fillRef>
+          <a:effectRef idx="0">
+            <a:schemeClr val="accent1"/>
+          </a:effectRef>
+          <a:fontRef idx="minor">
+            <a:schemeClr val="tx1"/>
+          </a:fontRef>
+        </p:style>
+      </p:cxnSp>
+    </p:spTree>
+    <p:extLst>
+      <p:ext uri="{BB962C8B-B14F-4D97-AF65-F5344CB8AC3E}">
+        <p14:creationId xmlns:p14="http://schemas.microsoft.com/office/powerpoint/2010/main" val="2858299261"/>
       </p:ext>
     </p:extLst>
   </p:cSld>
@@ -3540,6 +7101,933 @@
 </p:sld>
 </file>
 
+<file path=ppt/slides/slide30.xml><?xml version="1.0" encoding="utf-8"?>
+<p:sld xmlns:a="http://schemas.openxmlformats.org/drawingml/2006/main" xmlns:r="http://schemas.openxmlformats.org/officeDocument/2006/relationships" xmlns:p="http://schemas.openxmlformats.org/presentationml/2006/main">
+  <p:cSld>
+    <p:spTree>
+      <p:nvGrpSpPr>
+        <p:cNvPr id="1" name=""/>
+        <p:cNvGrpSpPr/>
+        <p:nvPr/>
+      </p:nvGrpSpPr>
+      <p:grpSpPr>
+        <a:xfrm>
+          <a:off x="0" y="0"/>
+          <a:ext cx="0" cy="0"/>
+          <a:chOff x="0" y="0"/>
+          <a:chExt cx="0" cy="0"/>
+        </a:xfrm>
+      </p:grpSpPr>
+      <p:sp>
+        <p:nvSpPr>
+          <p:cNvPr id="4" name="TextBox 3">
+            <a:extLst>
+              <a:ext uri="{FF2B5EF4-FFF2-40B4-BE49-F238E27FC236}">
+                <a16:creationId xmlns:a16="http://schemas.microsoft.com/office/drawing/2014/main" id="{E07BB154-11F8-BF44-AEC0-83D8109FA3B9}"/>
+              </a:ext>
+            </a:extLst>
+          </p:cNvPr>
+          <p:cNvSpPr txBox="1"/>
+          <p:nvPr/>
+        </p:nvSpPr>
+        <p:spPr>
+          <a:xfrm>
+            <a:off x="5324007" y="1407714"/>
+            <a:ext cx="3691054" cy="646331"/>
+          </a:xfrm>
+          <a:prstGeom prst="rect">
+            <a:avLst/>
+          </a:prstGeom>
+          <a:noFill/>
+        </p:spPr>
+        <p:txBody>
+          <a:bodyPr wrap="square" rtlCol="0">
+            <a:spAutoFit/>
+          </a:bodyPr>
+          <a:lstStyle/>
+          <a:p>
+            <a:r>
+              <a:rPr lang="en-US" dirty="0">
+                <a:solidFill>
+                  <a:schemeClr val="bg1"/>
+                </a:solidFill>
+              </a:rPr>
+              <a:t>This screen displays all the users registered in the system.</a:t>
+            </a:r>
+          </a:p>
+        </p:txBody>
+      </p:sp>
+      <p:sp>
+        <p:nvSpPr>
+          <p:cNvPr id="5" name="TextBox 4">
+            <a:extLst>
+              <a:ext uri="{FF2B5EF4-FFF2-40B4-BE49-F238E27FC236}">
+                <a16:creationId xmlns:a16="http://schemas.microsoft.com/office/drawing/2014/main" id="{E0AADA9F-1F32-B943-A8A5-C53CC956EF6A}"/>
+              </a:ext>
+            </a:extLst>
+          </p:cNvPr>
+          <p:cNvSpPr txBox="1"/>
+          <p:nvPr/>
+        </p:nvSpPr>
+        <p:spPr>
+          <a:xfrm>
+            <a:off x="5084164" y="4675662"/>
+            <a:ext cx="3691054" cy="646331"/>
+          </a:xfrm>
+          <a:prstGeom prst="rect">
+            <a:avLst/>
+          </a:prstGeom>
+          <a:noFill/>
+        </p:spPr>
+        <p:txBody>
+          <a:bodyPr wrap="square" rtlCol="0">
+            <a:spAutoFit/>
+          </a:bodyPr>
+          <a:lstStyle/>
+          <a:p>
+            <a:r>
+              <a:rPr lang="en-US" dirty="0">
+                <a:solidFill>
+                  <a:schemeClr val="bg1"/>
+                </a:solidFill>
+              </a:rPr>
+              <a:t>To view more information about a user, click the </a:t>
+            </a:r>
+            <a:r>
+              <a:rPr lang="en-US" dirty="0" err="1">
+                <a:solidFill>
+                  <a:schemeClr val="bg1"/>
+                </a:solidFill>
+              </a:rPr>
+              <a:t>i</a:t>
+            </a:r>
+            <a:r>
+              <a:rPr lang="en-US" dirty="0">
+                <a:solidFill>
+                  <a:schemeClr val="bg1"/>
+                </a:solidFill>
+              </a:rPr>
+              <a:t> button.</a:t>
+            </a:r>
+          </a:p>
+        </p:txBody>
+      </p:sp>
+    </p:spTree>
+    <p:extLst>
+      <p:ext uri="{BB962C8B-B14F-4D97-AF65-F5344CB8AC3E}">
+        <p14:creationId xmlns:p14="http://schemas.microsoft.com/office/powerpoint/2010/main" val="3015149263"/>
+      </p:ext>
+    </p:extLst>
+  </p:cSld>
+  <p:clrMapOvr>
+    <a:masterClrMapping/>
+  </p:clrMapOvr>
+</p:sld>
+</file>
+
+<file path=ppt/slides/slide31.xml><?xml version="1.0" encoding="utf-8"?>
+<p:sld xmlns:a="http://schemas.openxmlformats.org/drawingml/2006/main" xmlns:r="http://schemas.openxmlformats.org/officeDocument/2006/relationships" xmlns:p="http://schemas.openxmlformats.org/presentationml/2006/main">
+  <p:cSld>
+    <p:spTree>
+      <p:nvGrpSpPr>
+        <p:cNvPr id="1" name=""/>
+        <p:cNvGrpSpPr/>
+        <p:nvPr/>
+      </p:nvGrpSpPr>
+      <p:grpSpPr>
+        <a:xfrm>
+          <a:off x="0" y="0"/>
+          <a:ext cx="0" cy="0"/>
+          <a:chOff x="0" y="0"/>
+          <a:chExt cx="0" cy="0"/>
+        </a:xfrm>
+      </p:grpSpPr>
+      <p:pic>
+        <p:nvPicPr>
+          <p:cNvPr id="14" name="Picture 13">
+            <a:extLst>
+              <a:ext uri="{FF2B5EF4-FFF2-40B4-BE49-F238E27FC236}">
+                <a16:creationId xmlns:a16="http://schemas.microsoft.com/office/drawing/2014/main" id="{38A13E2B-BB22-7D49-AEC0-2ED024BC875F}"/>
+              </a:ext>
+            </a:extLst>
+          </p:cNvPr>
+          <p:cNvPicPr>
+            <a:picLocks noChangeAspect="1"/>
+          </p:cNvPicPr>
+          <p:nvPr/>
+        </p:nvPicPr>
+        <p:blipFill>
+          <a:blip r:embed="rId2"/>
+          <a:stretch>
+            <a:fillRect/>
+          </a:stretch>
+        </p:blipFill>
+        <p:spPr>
+          <a:xfrm>
+            <a:off x="3065871" y="759044"/>
+            <a:ext cx="3012258" cy="5339912"/>
+          </a:xfrm>
+          <a:prstGeom prst="rect">
+            <a:avLst/>
+          </a:prstGeom>
+        </p:spPr>
+      </p:pic>
+      <p:sp>
+        <p:nvSpPr>
+          <p:cNvPr id="5" name="TextBox 4">
+            <a:extLst>
+              <a:ext uri="{FF2B5EF4-FFF2-40B4-BE49-F238E27FC236}">
+                <a16:creationId xmlns:a16="http://schemas.microsoft.com/office/drawing/2014/main" id="{E0124356-7CFF-B344-A8AA-5A14CDB574C3}"/>
+              </a:ext>
+            </a:extLst>
+          </p:cNvPr>
+          <p:cNvSpPr txBox="1"/>
+          <p:nvPr/>
+        </p:nvSpPr>
+        <p:spPr>
+          <a:xfrm>
+            <a:off x="333209" y="694030"/>
+            <a:ext cx="2475711" cy="923330"/>
+          </a:xfrm>
+          <a:prstGeom prst="rect">
+            <a:avLst/>
+          </a:prstGeom>
+          <a:noFill/>
+        </p:spPr>
+        <p:txBody>
+          <a:bodyPr wrap="square" rtlCol="0">
+            <a:spAutoFit/>
+          </a:bodyPr>
+          <a:lstStyle/>
+          <a:p>
+            <a:r>
+              <a:rPr lang="en-US" dirty="0">
+                <a:solidFill>
+                  <a:schemeClr val="bg1"/>
+                </a:solidFill>
+              </a:rPr>
+              <a:t>This screen displays information about a specific user</a:t>
+            </a:r>
+          </a:p>
+        </p:txBody>
+      </p:sp>
+      <p:cxnSp>
+        <p:nvCxnSpPr>
+          <p:cNvPr id="6" name="Straight Arrow Connector 5">
+            <a:extLst>
+              <a:ext uri="{FF2B5EF4-FFF2-40B4-BE49-F238E27FC236}">
+                <a16:creationId xmlns:a16="http://schemas.microsoft.com/office/drawing/2014/main" id="{882064A7-8AAB-D14E-B7C4-5B3E10C52271}"/>
+              </a:ext>
+            </a:extLst>
+          </p:cNvPr>
+          <p:cNvCxnSpPr>
+            <a:cxnSpLocks/>
+            <a:stCxn id="17" idx="1"/>
+          </p:cNvCxnSpPr>
+          <p:nvPr/>
+        </p:nvCxnSpPr>
+        <p:spPr>
+          <a:xfrm flipH="1" flipV="1">
+            <a:off x="5936105" y="5351489"/>
+            <a:ext cx="734571" cy="74027"/>
+          </a:xfrm>
+          <a:prstGeom prst="straightConnector1">
+            <a:avLst/>
+          </a:prstGeom>
+          <a:ln w="31750">
+            <a:solidFill>
+              <a:schemeClr val="bg2">
+                <a:lumMod val="75000"/>
+              </a:schemeClr>
+            </a:solidFill>
+            <a:tailEnd type="triangle"/>
+          </a:ln>
+        </p:spPr>
+        <p:style>
+          <a:lnRef idx="1">
+            <a:schemeClr val="accent1"/>
+          </a:lnRef>
+          <a:fillRef idx="0">
+            <a:schemeClr val="accent1"/>
+          </a:fillRef>
+          <a:effectRef idx="0">
+            <a:schemeClr val="accent1"/>
+          </a:effectRef>
+          <a:fontRef idx="minor">
+            <a:schemeClr val="tx1"/>
+          </a:fontRef>
+        </p:style>
+      </p:cxnSp>
+      <p:sp>
+        <p:nvSpPr>
+          <p:cNvPr id="15" name="TextBox 14">
+            <a:extLst>
+              <a:ext uri="{FF2B5EF4-FFF2-40B4-BE49-F238E27FC236}">
+                <a16:creationId xmlns:a16="http://schemas.microsoft.com/office/drawing/2014/main" id="{32B88D46-1E29-264D-910B-5B162300394F}"/>
+              </a:ext>
+            </a:extLst>
+          </p:cNvPr>
+          <p:cNvSpPr txBox="1"/>
+          <p:nvPr/>
+        </p:nvSpPr>
+        <p:spPr>
+          <a:xfrm>
+            <a:off x="333208" y="5287016"/>
+            <a:ext cx="2475711" cy="923330"/>
+          </a:xfrm>
+          <a:prstGeom prst="rect">
+            <a:avLst/>
+          </a:prstGeom>
+          <a:noFill/>
+        </p:spPr>
+        <p:txBody>
+          <a:bodyPr wrap="square" rtlCol="0">
+            <a:spAutoFit/>
+          </a:bodyPr>
+          <a:lstStyle/>
+          <a:p>
+            <a:r>
+              <a:rPr lang="en-US" dirty="0">
+                <a:solidFill>
+                  <a:schemeClr val="bg1"/>
+                </a:solidFill>
+              </a:rPr>
+              <a:t>To permanently delete this user. Click the ‘delete user’ button</a:t>
+            </a:r>
+          </a:p>
+        </p:txBody>
+      </p:sp>
+      <p:sp>
+        <p:nvSpPr>
+          <p:cNvPr id="16" name="TextBox 15">
+            <a:extLst>
+              <a:ext uri="{FF2B5EF4-FFF2-40B4-BE49-F238E27FC236}">
+                <a16:creationId xmlns:a16="http://schemas.microsoft.com/office/drawing/2014/main" id="{AB02FE49-51A3-DB4C-8307-60D706257893}"/>
+              </a:ext>
+            </a:extLst>
+          </p:cNvPr>
+          <p:cNvSpPr txBox="1"/>
+          <p:nvPr/>
+        </p:nvSpPr>
+        <p:spPr>
+          <a:xfrm>
+            <a:off x="6229170" y="1432484"/>
+            <a:ext cx="2581621" cy="1477328"/>
+          </a:xfrm>
+          <a:prstGeom prst="rect">
+            <a:avLst/>
+          </a:prstGeom>
+          <a:noFill/>
+        </p:spPr>
+        <p:txBody>
+          <a:bodyPr wrap="square" rtlCol="0">
+            <a:spAutoFit/>
+          </a:bodyPr>
+          <a:lstStyle/>
+          <a:p>
+            <a:r>
+              <a:rPr lang="en-US" dirty="0">
+                <a:solidFill>
+                  <a:schemeClr val="bg1"/>
+                </a:solidFill>
+              </a:rPr>
+              <a:t>The hashed password is displayed for security reasons. Contact </a:t>
+            </a:r>
+            <a:r>
+              <a:rPr lang="en-US" dirty="0" err="1">
+                <a:solidFill>
+                  <a:schemeClr val="bg1"/>
+                </a:solidFill>
+              </a:rPr>
+              <a:t>UoB</a:t>
+            </a:r>
+            <a:r>
+              <a:rPr lang="en-US" dirty="0">
+                <a:solidFill>
+                  <a:schemeClr val="bg1"/>
+                </a:solidFill>
+              </a:rPr>
+              <a:t> IT Services for password issues.</a:t>
+            </a:r>
+          </a:p>
+        </p:txBody>
+      </p:sp>
+      <p:sp>
+        <p:nvSpPr>
+          <p:cNvPr id="17" name="TextBox 16">
+            <a:extLst>
+              <a:ext uri="{FF2B5EF4-FFF2-40B4-BE49-F238E27FC236}">
+                <a16:creationId xmlns:a16="http://schemas.microsoft.com/office/drawing/2014/main" id="{1A57309C-AC8E-4D4A-B8AD-F41A9CCDA20C}"/>
+              </a:ext>
+            </a:extLst>
+          </p:cNvPr>
+          <p:cNvSpPr txBox="1"/>
+          <p:nvPr/>
+        </p:nvSpPr>
+        <p:spPr>
+          <a:xfrm>
+            <a:off x="6670676" y="4548353"/>
+            <a:ext cx="2140115" cy="1754326"/>
+          </a:xfrm>
+          <a:prstGeom prst="rect">
+            <a:avLst/>
+          </a:prstGeom>
+          <a:noFill/>
+        </p:spPr>
+        <p:txBody>
+          <a:bodyPr wrap="square" rtlCol="0">
+            <a:spAutoFit/>
+          </a:bodyPr>
+          <a:lstStyle/>
+          <a:p>
+            <a:r>
+              <a:rPr lang="en-US" dirty="0">
+                <a:solidFill>
+                  <a:schemeClr val="bg1"/>
+                </a:solidFill>
+              </a:rPr>
+              <a:t>To blacklist or </a:t>
+            </a:r>
+            <a:r>
+              <a:rPr lang="en-US" dirty="0" err="1">
+                <a:solidFill>
+                  <a:schemeClr val="bg1"/>
+                </a:solidFill>
+              </a:rPr>
+              <a:t>unblacklist</a:t>
+            </a:r>
+            <a:r>
+              <a:rPr lang="en-US" dirty="0">
+                <a:solidFill>
+                  <a:schemeClr val="bg1"/>
+                </a:solidFill>
+              </a:rPr>
+              <a:t> the user, click here.</a:t>
+            </a:r>
+          </a:p>
+          <a:p>
+            <a:r>
+              <a:rPr lang="en-US" dirty="0">
+                <a:solidFill>
+                  <a:schemeClr val="bg1"/>
+                </a:solidFill>
+              </a:rPr>
+              <a:t>A blacklisted user cannot make bookings.</a:t>
+            </a:r>
+          </a:p>
+        </p:txBody>
+      </p:sp>
+      <p:sp>
+        <p:nvSpPr>
+          <p:cNvPr id="19" name="TextBox 18">
+            <a:extLst>
+              <a:ext uri="{FF2B5EF4-FFF2-40B4-BE49-F238E27FC236}">
+                <a16:creationId xmlns:a16="http://schemas.microsoft.com/office/drawing/2014/main" id="{279B8431-2D05-8A4F-B37C-443A4A48D97B}"/>
+              </a:ext>
+            </a:extLst>
+          </p:cNvPr>
+          <p:cNvSpPr txBox="1"/>
+          <p:nvPr/>
+        </p:nvSpPr>
+        <p:spPr>
+          <a:xfrm>
+            <a:off x="333207" y="3086986"/>
+            <a:ext cx="2475711" cy="1477328"/>
+          </a:xfrm>
+          <a:prstGeom prst="rect">
+            <a:avLst/>
+          </a:prstGeom>
+          <a:noFill/>
+        </p:spPr>
+        <p:txBody>
+          <a:bodyPr wrap="square" rtlCol="0">
+            <a:spAutoFit/>
+          </a:bodyPr>
+          <a:lstStyle/>
+          <a:p>
+            <a:r>
+              <a:rPr lang="en-US" dirty="0">
+                <a:solidFill>
+                  <a:schemeClr val="bg1"/>
+                </a:solidFill>
+              </a:rPr>
+              <a:t>This displays the number of bookings made by a user. Click to see these bookings, and thus cancel them.</a:t>
+            </a:r>
+          </a:p>
+        </p:txBody>
+      </p:sp>
+      <p:cxnSp>
+        <p:nvCxnSpPr>
+          <p:cNvPr id="20" name="Straight Arrow Connector 19">
+            <a:extLst>
+              <a:ext uri="{FF2B5EF4-FFF2-40B4-BE49-F238E27FC236}">
+                <a16:creationId xmlns:a16="http://schemas.microsoft.com/office/drawing/2014/main" id="{4DD9419D-D344-1844-93FD-6001194B3041}"/>
+              </a:ext>
+            </a:extLst>
+          </p:cNvPr>
+          <p:cNvCxnSpPr>
+            <a:cxnSpLocks/>
+            <a:stCxn id="15" idx="3"/>
+          </p:cNvCxnSpPr>
+          <p:nvPr/>
+        </p:nvCxnSpPr>
+        <p:spPr>
+          <a:xfrm flipV="1">
+            <a:off x="2808919" y="5471410"/>
+            <a:ext cx="473927" cy="277271"/>
+          </a:xfrm>
+          <a:prstGeom prst="straightConnector1">
+            <a:avLst/>
+          </a:prstGeom>
+          <a:ln w="31750">
+            <a:solidFill>
+              <a:schemeClr val="bg2">
+                <a:lumMod val="75000"/>
+              </a:schemeClr>
+            </a:solidFill>
+            <a:tailEnd type="triangle"/>
+          </a:ln>
+        </p:spPr>
+        <p:style>
+          <a:lnRef idx="1">
+            <a:schemeClr val="accent1"/>
+          </a:lnRef>
+          <a:fillRef idx="0">
+            <a:schemeClr val="accent1"/>
+          </a:fillRef>
+          <a:effectRef idx="0">
+            <a:schemeClr val="accent1"/>
+          </a:effectRef>
+          <a:fontRef idx="minor">
+            <a:schemeClr val="tx1"/>
+          </a:fontRef>
+        </p:style>
+      </p:cxnSp>
+      <p:cxnSp>
+        <p:nvCxnSpPr>
+          <p:cNvPr id="21" name="Straight Arrow Connector 20">
+            <a:extLst>
+              <a:ext uri="{FF2B5EF4-FFF2-40B4-BE49-F238E27FC236}">
+                <a16:creationId xmlns:a16="http://schemas.microsoft.com/office/drawing/2014/main" id="{1B8B9A7C-5377-F44D-84F2-BBBD1945F37B}"/>
+              </a:ext>
+            </a:extLst>
+          </p:cNvPr>
+          <p:cNvCxnSpPr>
+            <a:cxnSpLocks/>
+            <a:stCxn id="19" idx="3"/>
+          </p:cNvCxnSpPr>
+          <p:nvPr/>
+        </p:nvCxnSpPr>
+        <p:spPr>
+          <a:xfrm>
+            <a:off x="2808918" y="3825650"/>
+            <a:ext cx="1349142" cy="877164"/>
+          </a:xfrm>
+          <a:prstGeom prst="straightConnector1">
+            <a:avLst/>
+          </a:prstGeom>
+          <a:ln w="31750">
+            <a:solidFill>
+              <a:schemeClr val="bg2">
+                <a:lumMod val="75000"/>
+              </a:schemeClr>
+            </a:solidFill>
+            <a:tailEnd type="triangle"/>
+          </a:ln>
+        </p:spPr>
+        <p:style>
+          <a:lnRef idx="1">
+            <a:schemeClr val="accent1"/>
+          </a:lnRef>
+          <a:fillRef idx="0">
+            <a:schemeClr val="accent1"/>
+          </a:fillRef>
+          <a:effectRef idx="0">
+            <a:schemeClr val="accent1"/>
+          </a:effectRef>
+          <a:fontRef idx="minor">
+            <a:schemeClr val="tx1"/>
+          </a:fontRef>
+        </p:style>
+      </p:cxnSp>
+    </p:spTree>
+    <p:extLst>
+      <p:ext uri="{BB962C8B-B14F-4D97-AF65-F5344CB8AC3E}">
+        <p14:creationId xmlns:p14="http://schemas.microsoft.com/office/powerpoint/2010/main" val="1098159094"/>
+      </p:ext>
+    </p:extLst>
+  </p:cSld>
+  <p:clrMapOvr>
+    <a:masterClrMapping/>
+  </p:clrMapOvr>
+</p:sld>
+</file>
+
+<file path=ppt/slides/slide32.xml><?xml version="1.0" encoding="utf-8"?>
+<p:sld xmlns:a="http://schemas.openxmlformats.org/drawingml/2006/main" xmlns:r="http://schemas.openxmlformats.org/officeDocument/2006/relationships" xmlns:p="http://schemas.openxmlformats.org/presentationml/2006/main">
+  <p:cSld>
+    <p:spTree>
+      <p:nvGrpSpPr>
+        <p:cNvPr id="1" name=""/>
+        <p:cNvGrpSpPr/>
+        <p:nvPr/>
+      </p:nvGrpSpPr>
+      <p:grpSpPr>
+        <a:xfrm>
+          <a:off x="0" y="0"/>
+          <a:ext cx="0" cy="0"/>
+          <a:chOff x="0" y="0"/>
+          <a:chExt cx="0" cy="0"/>
+        </a:xfrm>
+      </p:grpSpPr>
+      <p:pic>
+        <p:nvPicPr>
+          <p:cNvPr id="4" name="Picture 3">
+            <a:extLst>
+              <a:ext uri="{FF2B5EF4-FFF2-40B4-BE49-F238E27FC236}">
+                <a16:creationId xmlns:a16="http://schemas.microsoft.com/office/drawing/2014/main" id="{D2BBC24D-06C9-304B-BF97-217578DFAFBB}"/>
+              </a:ext>
+            </a:extLst>
+          </p:cNvPr>
+          <p:cNvPicPr>
+            <a:picLocks noChangeAspect="1"/>
+          </p:cNvPicPr>
+          <p:nvPr/>
+        </p:nvPicPr>
+        <p:blipFill rotWithShape="1">
+          <a:blip r:embed="rId2"/>
+          <a:srcRect r="71078"/>
+          <a:stretch/>
+        </p:blipFill>
+        <p:spPr>
+          <a:xfrm>
+            <a:off x="1174570" y="2551814"/>
+            <a:ext cx="1767582" cy="1754372"/>
+          </a:xfrm>
+          <a:prstGeom prst="rect">
+            <a:avLst/>
+          </a:prstGeom>
+        </p:spPr>
+      </p:pic>
+      <p:cxnSp>
+        <p:nvCxnSpPr>
+          <p:cNvPr id="5" name="Straight Connector 4">
+            <a:extLst>
+              <a:ext uri="{FF2B5EF4-FFF2-40B4-BE49-F238E27FC236}">
+                <a16:creationId xmlns:a16="http://schemas.microsoft.com/office/drawing/2014/main" id="{C19978E4-DB86-B14F-BBA2-69E9D5A29469}"/>
+              </a:ext>
+            </a:extLst>
+          </p:cNvPr>
+          <p:cNvCxnSpPr/>
+          <p:nvPr/>
+        </p:nvCxnSpPr>
+        <p:spPr>
+          <a:xfrm>
+            <a:off x="3680422" y="1685261"/>
+            <a:ext cx="0" cy="3487479"/>
+          </a:xfrm>
+          <a:prstGeom prst="line">
+            <a:avLst/>
+          </a:prstGeom>
+          <a:ln w="38100">
+            <a:solidFill>
+              <a:schemeClr val="bg1"/>
+            </a:solidFill>
+          </a:ln>
+        </p:spPr>
+        <p:style>
+          <a:lnRef idx="1">
+            <a:schemeClr val="accent1"/>
+          </a:lnRef>
+          <a:fillRef idx="0">
+            <a:schemeClr val="accent1"/>
+          </a:fillRef>
+          <a:effectRef idx="0">
+            <a:schemeClr val="accent1"/>
+          </a:effectRef>
+          <a:fontRef idx="minor">
+            <a:schemeClr val="tx1"/>
+          </a:fontRef>
+        </p:style>
+      </p:cxnSp>
+      <p:sp>
+        <p:nvSpPr>
+          <p:cNvPr id="6" name="TextBox 5">
+            <a:extLst>
+              <a:ext uri="{FF2B5EF4-FFF2-40B4-BE49-F238E27FC236}">
+                <a16:creationId xmlns:a16="http://schemas.microsoft.com/office/drawing/2014/main" id="{F31A8F03-5054-0448-81AC-3D45589C3EE4}"/>
+              </a:ext>
+            </a:extLst>
+          </p:cNvPr>
+          <p:cNvSpPr txBox="1"/>
+          <p:nvPr/>
+        </p:nvSpPr>
+        <p:spPr>
+          <a:xfrm>
+            <a:off x="4337824" y="3136613"/>
+            <a:ext cx="4047893" cy="584775"/>
+          </a:xfrm>
+          <a:prstGeom prst="rect">
+            <a:avLst/>
+          </a:prstGeom>
+          <a:noFill/>
+        </p:spPr>
+        <p:txBody>
+          <a:bodyPr wrap="square" rtlCol="0">
+            <a:spAutoFit/>
+          </a:bodyPr>
+          <a:lstStyle/>
+          <a:p>
+            <a:r>
+              <a:rPr lang="en-US" sz="3200" dirty="0">
+                <a:solidFill>
+                  <a:schemeClr val="bg1"/>
+                </a:solidFill>
+              </a:rPr>
+              <a:t>Adding a new user</a:t>
+            </a:r>
+          </a:p>
+        </p:txBody>
+      </p:sp>
+    </p:spTree>
+    <p:extLst>
+      <p:ext uri="{BB962C8B-B14F-4D97-AF65-F5344CB8AC3E}">
+        <p14:creationId xmlns:p14="http://schemas.microsoft.com/office/powerpoint/2010/main" val="2385632353"/>
+      </p:ext>
+    </p:extLst>
+  </p:cSld>
+  <p:clrMapOvr>
+    <a:masterClrMapping/>
+  </p:clrMapOvr>
+</p:sld>
+</file>
+
+<file path=ppt/slides/slide33.xml><?xml version="1.0" encoding="utf-8"?>
+<p:sld xmlns:a="http://schemas.openxmlformats.org/drawingml/2006/main" xmlns:r="http://schemas.openxmlformats.org/officeDocument/2006/relationships" xmlns:p="http://schemas.openxmlformats.org/presentationml/2006/main">
+  <p:cSld>
+    <p:spTree>
+      <p:nvGrpSpPr>
+        <p:cNvPr id="1" name=""/>
+        <p:cNvGrpSpPr/>
+        <p:nvPr/>
+      </p:nvGrpSpPr>
+      <p:grpSpPr>
+        <a:xfrm>
+          <a:off x="0" y="0"/>
+          <a:ext cx="0" cy="0"/>
+          <a:chOff x="0" y="0"/>
+          <a:chExt cx="0" cy="0"/>
+        </a:xfrm>
+      </p:grpSpPr>
+      <p:pic>
+        <p:nvPicPr>
+          <p:cNvPr id="4" name="Picture 3">
+            <a:extLst>
+              <a:ext uri="{FF2B5EF4-FFF2-40B4-BE49-F238E27FC236}">
+                <a16:creationId xmlns:a16="http://schemas.microsoft.com/office/drawing/2014/main" id="{55A8FE0B-B51B-7E48-8056-D60016A00F4A}"/>
+              </a:ext>
+            </a:extLst>
+          </p:cNvPr>
+          <p:cNvPicPr>
+            <a:picLocks noChangeAspect="1"/>
+          </p:cNvPicPr>
+          <p:nvPr/>
+        </p:nvPicPr>
+        <p:blipFill>
+          <a:blip r:embed="rId2"/>
+          <a:stretch>
+            <a:fillRect/>
+          </a:stretch>
+        </p:blipFill>
+        <p:spPr>
+          <a:xfrm>
+            <a:off x="465390" y="737501"/>
+            <a:ext cx="3012258" cy="5339913"/>
+          </a:xfrm>
+          <a:prstGeom prst="rect">
+            <a:avLst/>
+          </a:prstGeom>
+        </p:spPr>
+      </p:pic>
+      <p:sp>
+        <p:nvSpPr>
+          <p:cNvPr id="5" name="TextBox 4">
+            <a:extLst>
+              <a:ext uri="{FF2B5EF4-FFF2-40B4-BE49-F238E27FC236}">
+                <a16:creationId xmlns:a16="http://schemas.microsoft.com/office/drawing/2014/main" id="{F0A02556-1B04-2443-A576-F10B34BEC75E}"/>
+              </a:ext>
+            </a:extLst>
+          </p:cNvPr>
+          <p:cNvSpPr txBox="1"/>
+          <p:nvPr/>
+        </p:nvSpPr>
+        <p:spPr>
+          <a:xfrm>
+            <a:off x="4987556" y="4082362"/>
+            <a:ext cx="3691054" cy="646331"/>
+          </a:xfrm>
+          <a:prstGeom prst="rect">
+            <a:avLst/>
+          </a:prstGeom>
+          <a:noFill/>
+        </p:spPr>
+        <p:txBody>
+          <a:bodyPr wrap="square" rtlCol="0">
+            <a:spAutoFit/>
+          </a:bodyPr>
+          <a:lstStyle/>
+          <a:p>
+            <a:r>
+              <a:rPr lang="en-US" dirty="0">
+                <a:solidFill>
+                  <a:schemeClr val="bg1"/>
+                </a:solidFill>
+              </a:rPr>
+              <a:t>From the administrator home screen, users should click ‘Add a user’</a:t>
+            </a:r>
+          </a:p>
+        </p:txBody>
+      </p:sp>
+      <p:cxnSp>
+        <p:nvCxnSpPr>
+          <p:cNvPr id="6" name="Straight Arrow Connector 5">
+            <a:extLst>
+              <a:ext uri="{FF2B5EF4-FFF2-40B4-BE49-F238E27FC236}">
+                <a16:creationId xmlns:a16="http://schemas.microsoft.com/office/drawing/2014/main" id="{E87E6A33-6B35-F44F-AF9B-CD708551E498}"/>
+              </a:ext>
+            </a:extLst>
+          </p:cNvPr>
+          <p:cNvCxnSpPr>
+            <a:cxnSpLocks/>
+            <a:stCxn id="5" idx="1"/>
+          </p:cNvCxnSpPr>
+          <p:nvPr/>
+        </p:nvCxnSpPr>
+        <p:spPr>
+          <a:xfrm flipH="1" flipV="1">
+            <a:off x="3282846" y="3822492"/>
+            <a:ext cx="1704710" cy="583036"/>
+          </a:xfrm>
+          <a:prstGeom prst="straightConnector1">
+            <a:avLst/>
+          </a:prstGeom>
+          <a:ln w="31750">
+            <a:solidFill>
+              <a:schemeClr val="bg2">
+                <a:lumMod val="75000"/>
+              </a:schemeClr>
+            </a:solidFill>
+            <a:tailEnd type="triangle"/>
+          </a:ln>
+        </p:spPr>
+        <p:style>
+          <a:lnRef idx="1">
+            <a:schemeClr val="accent1"/>
+          </a:lnRef>
+          <a:fillRef idx="0">
+            <a:schemeClr val="accent1"/>
+          </a:fillRef>
+          <a:effectRef idx="0">
+            <a:schemeClr val="accent1"/>
+          </a:effectRef>
+          <a:fontRef idx="minor">
+            <a:schemeClr val="tx1"/>
+          </a:fontRef>
+        </p:style>
+      </p:cxnSp>
+    </p:spTree>
+    <p:extLst>
+      <p:ext uri="{BB962C8B-B14F-4D97-AF65-F5344CB8AC3E}">
+        <p14:creationId xmlns:p14="http://schemas.microsoft.com/office/powerpoint/2010/main" val="1574779023"/>
+      </p:ext>
+    </p:extLst>
+  </p:cSld>
+  <p:clrMapOvr>
+    <a:masterClrMapping/>
+  </p:clrMapOvr>
+</p:sld>
+</file>
+
+<file path=ppt/slides/slide34.xml><?xml version="1.0" encoding="utf-8"?>
+<p:sld xmlns:a="http://schemas.openxmlformats.org/drawingml/2006/main" xmlns:r="http://schemas.openxmlformats.org/officeDocument/2006/relationships" xmlns:p="http://schemas.openxmlformats.org/presentationml/2006/main">
+  <p:cSld>
+    <p:spTree>
+      <p:nvGrpSpPr>
+        <p:cNvPr id="1" name=""/>
+        <p:cNvGrpSpPr/>
+        <p:nvPr/>
+      </p:nvGrpSpPr>
+      <p:grpSpPr>
+        <a:xfrm>
+          <a:off x="0" y="0"/>
+          <a:ext cx="0" cy="0"/>
+          <a:chOff x="0" y="0"/>
+          <a:chExt cx="0" cy="0"/>
+        </a:xfrm>
+      </p:grpSpPr>
+      <p:sp>
+        <p:nvSpPr>
+          <p:cNvPr id="2" name="Title 1">
+            <a:extLst>
+              <a:ext uri="{FF2B5EF4-FFF2-40B4-BE49-F238E27FC236}">
+                <a16:creationId xmlns:a16="http://schemas.microsoft.com/office/drawing/2014/main" id="{C25BE830-11B7-004E-89C2-4430CCC27C1E}"/>
+              </a:ext>
+            </a:extLst>
+          </p:cNvPr>
+          <p:cNvSpPr>
+            <a:spLocks noGrp="1"/>
+          </p:cNvSpPr>
+          <p:nvPr>
+            <p:ph type="title"/>
+          </p:nvPr>
+        </p:nvSpPr>
+        <p:spPr/>
+        <p:txBody>
+          <a:bodyPr/>
+          <a:lstStyle/>
+          <a:p>
+            <a:endParaRPr lang="en-US"/>
+          </a:p>
+        </p:txBody>
+      </p:sp>
+      <p:sp>
+        <p:nvSpPr>
+          <p:cNvPr id="3" name="Content Placeholder 2">
+            <a:extLst>
+              <a:ext uri="{FF2B5EF4-FFF2-40B4-BE49-F238E27FC236}">
+                <a16:creationId xmlns:a16="http://schemas.microsoft.com/office/drawing/2014/main" id="{6A41E400-A092-B547-B6A8-E390CF8D8FE5}"/>
+              </a:ext>
+            </a:extLst>
+          </p:cNvPr>
+          <p:cNvSpPr>
+            <a:spLocks noGrp="1"/>
+          </p:cNvSpPr>
+          <p:nvPr>
+            <p:ph idx="1"/>
+          </p:nvPr>
+        </p:nvSpPr>
+        <p:spPr/>
+        <p:txBody>
+          <a:bodyPr/>
+          <a:lstStyle/>
+          <a:p>
+            <a:endParaRPr lang="en-US"/>
+          </a:p>
+        </p:txBody>
+      </p:sp>
+    </p:spTree>
+    <p:extLst>
+      <p:ext uri="{BB962C8B-B14F-4D97-AF65-F5344CB8AC3E}">
+        <p14:creationId xmlns:p14="http://schemas.microsoft.com/office/powerpoint/2010/main" val="318291079"/>
+      </p:ext>
+    </p:extLst>
+  </p:cSld>
+  <p:clrMapOvr>
+    <a:masterClrMapping/>
+  </p:clrMapOvr>
+</p:sld>
+</file>
+
 <file path=ppt/slides/slide4.xml><?xml version="1.0" encoding="utf-8"?>
 <p:sld xmlns:a="http://schemas.openxmlformats.org/drawingml/2006/main" xmlns:r="http://schemas.openxmlformats.org/officeDocument/2006/relationships" xmlns:p="http://schemas.openxmlformats.org/presentationml/2006/main">
   <p:cSld>
@@ -3571,8 +8059,8 @@
         </p:nvSpPr>
         <p:spPr>
           <a:xfrm>
-            <a:off x="758283" y="1074510"/>
-            <a:ext cx="7627434" cy="4708981"/>
+            <a:off x="758283" y="766733"/>
+            <a:ext cx="7627434" cy="5324535"/>
           </a:xfrm>
           <a:prstGeom prst="rect">
             <a:avLst/>
@@ -3634,7 +8122,7 @@
                   <a:schemeClr val="bg1"/>
                 </a:solidFill>
               </a:rPr>
-              <a:t>The user interface is simple but efficient, allowing quick, easy use.</a:t>
+              <a:t>The user interface is simple but efficient, allowing quick, easy use. The site was designed with mobile responsiveness in mind and works fluidly on desktop and mobile.</a:t>
             </a:r>
           </a:p>
           <a:p>
@@ -3703,53 +8191,117 @@
           <a:chExt cx="0" cy="0"/>
         </a:xfrm>
       </p:grpSpPr>
-      <p:sp>
-        <p:nvSpPr>
-          <p:cNvPr id="2" name="Title 1">
-            <a:extLst>
-              <a:ext uri="{FF2B5EF4-FFF2-40B4-BE49-F238E27FC236}">
-                <a16:creationId xmlns:a16="http://schemas.microsoft.com/office/drawing/2014/main" id="{83D87CC6-4E62-0A41-9444-186EC908091F}"/>
-              </a:ext>
-            </a:extLst>
-          </p:cNvPr>
-          <p:cNvSpPr>
-            <a:spLocks noGrp="1"/>
-          </p:cNvSpPr>
-          <p:nvPr>
-            <p:ph type="title"/>
-          </p:nvPr>
-        </p:nvSpPr>
-        <p:spPr/>
-        <p:txBody>
-          <a:bodyPr/>
-          <a:lstStyle/>
-          <a:p>
-            <a:endParaRPr lang="en-US"/>
-          </a:p>
-        </p:txBody>
-      </p:sp>
-      <p:sp>
-        <p:nvSpPr>
-          <p:cNvPr id="3" name="Content Placeholder 2">
-            <a:extLst>
-              <a:ext uri="{FF2B5EF4-FFF2-40B4-BE49-F238E27FC236}">
-                <a16:creationId xmlns:a16="http://schemas.microsoft.com/office/drawing/2014/main" id="{F3ADA339-98AE-824F-9BCB-EE32C2BAFFCC}"/>
-              </a:ext>
-            </a:extLst>
-          </p:cNvPr>
-          <p:cNvSpPr>
-            <a:spLocks noGrp="1"/>
-          </p:cNvSpPr>
-          <p:nvPr>
-            <p:ph idx="1"/>
-          </p:nvPr>
-        </p:nvSpPr>
-        <p:spPr/>
-        <p:txBody>
-          <a:bodyPr/>
-          <a:lstStyle/>
-          <a:p>
-            <a:endParaRPr lang="en-US"/>
+      <p:pic>
+        <p:nvPicPr>
+          <p:cNvPr id="10" name="Picture 9">
+            <a:extLst>
+              <a:ext uri="{FF2B5EF4-FFF2-40B4-BE49-F238E27FC236}">
+                <a16:creationId xmlns:a16="http://schemas.microsoft.com/office/drawing/2014/main" id="{8EA53F32-DE0D-B745-8CC7-6FD674C47DA2}"/>
+              </a:ext>
+            </a:extLst>
+          </p:cNvPr>
+          <p:cNvPicPr>
+            <a:picLocks noChangeAspect="1"/>
+          </p:cNvPicPr>
+          <p:nvPr/>
+        </p:nvPicPr>
+        <p:blipFill rotWithShape="1">
+          <a:blip r:embed="rId2"/>
+          <a:srcRect r="71078"/>
+          <a:stretch/>
+        </p:blipFill>
+        <p:spPr>
+          <a:xfrm>
+            <a:off x="1174570" y="2551814"/>
+            <a:ext cx="1767582" cy="1754372"/>
+          </a:xfrm>
+          <a:prstGeom prst="rect">
+            <a:avLst/>
+          </a:prstGeom>
+        </p:spPr>
+      </p:pic>
+      <p:cxnSp>
+        <p:nvCxnSpPr>
+          <p:cNvPr id="11" name="Straight Connector 10">
+            <a:extLst>
+              <a:ext uri="{FF2B5EF4-FFF2-40B4-BE49-F238E27FC236}">
+                <a16:creationId xmlns:a16="http://schemas.microsoft.com/office/drawing/2014/main" id="{96B497E5-050D-1A4E-8FF5-170233F6EB2C}"/>
+              </a:ext>
+            </a:extLst>
+          </p:cNvPr>
+          <p:cNvCxnSpPr/>
+          <p:nvPr/>
+        </p:nvCxnSpPr>
+        <p:spPr>
+          <a:xfrm>
+            <a:off x="3680422" y="1685261"/>
+            <a:ext cx="0" cy="3487479"/>
+          </a:xfrm>
+          <a:prstGeom prst="line">
+            <a:avLst/>
+          </a:prstGeom>
+          <a:ln w="38100">
+            <a:solidFill>
+              <a:schemeClr val="bg1"/>
+            </a:solidFill>
+          </a:ln>
+        </p:spPr>
+        <p:style>
+          <a:lnRef idx="1">
+            <a:schemeClr val="accent1"/>
+          </a:lnRef>
+          <a:fillRef idx="0">
+            <a:schemeClr val="accent1"/>
+          </a:fillRef>
+          <a:effectRef idx="0">
+            <a:schemeClr val="accent1"/>
+          </a:effectRef>
+          <a:fontRef idx="minor">
+            <a:schemeClr val="tx1"/>
+          </a:fontRef>
+        </p:style>
+      </p:cxnSp>
+      <p:sp>
+        <p:nvSpPr>
+          <p:cNvPr id="12" name="TextBox 11">
+            <a:extLst>
+              <a:ext uri="{FF2B5EF4-FFF2-40B4-BE49-F238E27FC236}">
+                <a16:creationId xmlns:a16="http://schemas.microsoft.com/office/drawing/2014/main" id="{C46DB49B-97C9-E840-BBBF-52D16BF25691}"/>
+              </a:ext>
+            </a:extLst>
+          </p:cNvPr>
+          <p:cNvSpPr txBox="1"/>
+          <p:nvPr/>
+        </p:nvSpPr>
+        <p:spPr>
+          <a:xfrm>
+            <a:off x="4337824" y="3013502"/>
+            <a:ext cx="4047893" cy="830997"/>
+          </a:xfrm>
+          <a:prstGeom prst="rect">
+            <a:avLst/>
+          </a:prstGeom>
+          <a:noFill/>
+        </p:spPr>
+        <p:txBody>
+          <a:bodyPr wrap="square" rtlCol="0">
+            <a:spAutoFit/>
+          </a:bodyPr>
+          <a:lstStyle/>
+          <a:p>
+            <a:r>
+              <a:rPr lang="en-US" sz="4800" dirty="0">
+                <a:solidFill>
+                  <a:schemeClr val="bg1"/>
+                </a:solidFill>
+              </a:rPr>
+              <a:t>Logging in / out</a:t>
+            </a:r>
+            <a:endParaRPr lang="en-US" dirty="0">
+              <a:solidFill>
+                <a:schemeClr val="bg1"/>
+              </a:solidFill>
+            </a:endParaRPr>
           </a:p>
         </p:txBody>
       </p:sp>
@@ -3757,6 +8309,841 @@
     <p:extLst>
       <p:ext uri="{BB962C8B-B14F-4D97-AF65-F5344CB8AC3E}">
         <p14:creationId xmlns:p14="http://schemas.microsoft.com/office/powerpoint/2010/main" val="1318255529"/>
+      </p:ext>
+    </p:extLst>
+  </p:cSld>
+  <p:clrMapOvr>
+    <a:masterClrMapping/>
+  </p:clrMapOvr>
+</p:sld>
+</file>
+
+<file path=ppt/slides/slide6.xml><?xml version="1.0" encoding="utf-8"?>
+<p:sld xmlns:a="http://schemas.openxmlformats.org/drawingml/2006/main" xmlns:r="http://schemas.openxmlformats.org/officeDocument/2006/relationships" xmlns:p="http://schemas.openxmlformats.org/presentationml/2006/main">
+  <p:cSld>
+    <p:spTree>
+      <p:nvGrpSpPr>
+        <p:cNvPr id="1" name=""/>
+        <p:cNvGrpSpPr/>
+        <p:nvPr/>
+      </p:nvGrpSpPr>
+      <p:grpSpPr>
+        <a:xfrm>
+          <a:off x="0" y="0"/>
+          <a:ext cx="0" cy="0"/>
+          <a:chOff x="0" y="0"/>
+          <a:chExt cx="0" cy="0"/>
+        </a:xfrm>
+      </p:grpSpPr>
+      <p:pic>
+        <p:nvPicPr>
+          <p:cNvPr id="36" name="Picture 35">
+            <a:extLst>
+              <a:ext uri="{FF2B5EF4-FFF2-40B4-BE49-F238E27FC236}">
+                <a16:creationId xmlns:a16="http://schemas.microsoft.com/office/drawing/2014/main" id="{AE57FCA7-6075-3F47-BBF8-7587A5ED8F2C}"/>
+              </a:ext>
+            </a:extLst>
+          </p:cNvPr>
+          <p:cNvPicPr>
+            <a:picLocks noChangeAspect="1"/>
+          </p:cNvPicPr>
+          <p:nvPr/>
+        </p:nvPicPr>
+        <p:blipFill>
+          <a:blip r:embed="rId2"/>
+          <a:stretch>
+            <a:fillRect/>
+          </a:stretch>
+        </p:blipFill>
+        <p:spPr>
+          <a:xfrm>
+            <a:off x="466948" y="737501"/>
+            <a:ext cx="3012258" cy="5339913"/>
+          </a:xfrm>
+          <a:prstGeom prst="rect">
+            <a:avLst/>
+          </a:prstGeom>
+        </p:spPr>
+      </p:pic>
+      <p:sp>
+        <p:nvSpPr>
+          <p:cNvPr id="14" name="TextBox 13">
+            <a:extLst>
+              <a:ext uri="{FF2B5EF4-FFF2-40B4-BE49-F238E27FC236}">
+                <a16:creationId xmlns:a16="http://schemas.microsoft.com/office/drawing/2014/main" id="{7A2CD804-233B-F944-B30C-E43D63DC3059}"/>
+              </a:ext>
+            </a:extLst>
+          </p:cNvPr>
+          <p:cNvSpPr txBox="1"/>
+          <p:nvPr/>
+        </p:nvSpPr>
+        <p:spPr>
+          <a:xfrm>
+            <a:off x="4572000" y="1570594"/>
+            <a:ext cx="3691054" cy="369332"/>
+          </a:xfrm>
+          <a:prstGeom prst="rect">
+            <a:avLst/>
+          </a:prstGeom>
+          <a:noFill/>
+        </p:spPr>
+        <p:txBody>
+          <a:bodyPr wrap="square" rtlCol="0">
+            <a:spAutoFit/>
+          </a:bodyPr>
+          <a:lstStyle/>
+          <a:p>
+            <a:r>
+              <a:rPr lang="en-US" dirty="0">
+                <a:solidFill>
+                  <a:schemeClr val="bg1"/>
+                </a:solidFill>
+              </a:rPr>
+              <a:t>Enter your email address here</a:t>
+            </a:r>
+          </a:p>
+        </p:txBody>
+      </p:sp>
+      <p:sp>
+        <p:nvSpPr>
+          <p:cNvPr id="16" name="TextBox 15">
+            <a:extLst>
+              <a:ext uri="{FF2B5EF4-FFF2-40B4-BE49-F238E27FC236}">
+                <a16:creationId xmlns:a16="http://schemas.microsoft.com/office/drawing/2014/main" id="{D341681E-7DA2-D24B-8E36-AE65ED88D824}"/>
+              </a:ext>
+            </a:extLst>
+          </p:cNvPr>
+          <p:cNvSpPr txBox="1"/>
+          <p:nvPr/>
+        </p:nvSpPr>
+        <p:spPr>
+          <a:xfrm>
+            <a:off x="4572000" y="2409422"/>
+            <a:ext cx="3691054" cy="369332"/>
+          </a:xfrm>
+          <a:prstGeom prst="rect">
+            <a:avLst/>
+          </a:prstGeom>
+          <a:noFill/>
+        </p:spPr>
+        <p:txBody>
+          <a:bodyPr wrap="square" rtlCol="0">
+            <a:spAutoFit/>
+          </a:bodyPr>
+          <a:lstStyle/>
+          <a:p>
+            <a:r>
+              <a:rPr lang="en-US" dirty="0">
+                <a:solidFill>
+                  <a:schemeClr val="bg1"/>
+                </a:solidFill>
+              </a:rPr>
+              <a:t>Enter your password here</a:t>
+            </a:r>
+          </a:p>
+        </p:txBody>
+      </p:sp>
+      <p:sp>
+        <p:nvSpPr>
+          <p:cNvPr id="17" name="TextBox 16">
+            <a:extLst>
+              <a:ext uri="{FF2B5EF4-FFF2-40B4-BE49-F238E27FC236}">
+                <a16:creationId xmlns:a16="http://schemas.microsoft.com/office/drawing/2014/main" id="{78B58E32-F0F6-1344-A1E2-721DA0438971}"/>
+              </a:ext>
+            </a:extLst>
+          </p:cNvPr>
+          <p:cNvSpPr txBox="1"/>
+          <p:nvPr/>
+        </p:nvSpPr>
+        <p:spPr>
+          <a:xfrm>
+            <a:off x="4572000" y="3248250"/>
+            <a:ext cx="3691054" cy="1200329"/>
+          </a:xfrm>
+          <a:prstGeom prst="rect">
+            <a:avLst/>
+          </a:prstGeom>
+          <a:noFill/>
+        </p:spPr>
+        <p:txBody>
+          <a:bodyPr wrap="square" rtlCol="0">
+            <a:spAutoFit/>
+          </a:bodyPr>
+          <a:lstStyle/>
+          <a:p>
+            <a:r>
+              <a:rPr lang="en-US" dirty="0">
+                <a:solidFill>
+                  <a:schemeClr val="bg1"/>
+                </a:solidFill>
+              </a:rPr>
+              <a:t>Enabling remember me will automatically log users in on their device. Do not enable if using a shared computer.</a:t>
+            </a:r>
+          </a:p>
+        </p:txBody>
+      </p:sp>
+      <p:sp>
+        <p:nvSpPr>
+          <p:cNvPr id="18" name="TextBox 17">
+            <a:extLst>
+              <a:ext uri="{FF2B5EF4-FFF2-40B4-BE49-F238E27FC236}">
+                <a16:creationId xmlns:a16="http://schemas.microsoft.com/office/drawing/2014/main" id="{13C89D95-7868-1842-9E6A-5211C233664B}"/>
+              </a:ext>
+            </a:extLst>
+          </p:cNvPr>
+          <p:cNvSpPr txBox="1"/>
+          <p:nvPr/>
+        </p:nvSpPr>
+        <p:spPr>
+          <a:xfrm>
+            <a:off x="4572000" y="4918075"/>
+            <a:ext cx="3691054" cy="369332"/>
+          </a:xfrm>
+          <a:prstGeom prst="rect">
+            <a:avLst/>
+          </a:prstGeom>
+          <a:noFill/>
+        </p:spPr>
+        <p:txBody>
+          <a:bodyPr wrap="square" rtlCol="0">
+            <a:spAutoFit/>
+          </a:bodyPr>
+          <a:lstStyle/>
+          <a:p>
+            <a:r>
+              <a:rPr lang="en-US" dirty="0">
+                <a:solidFill>
+                  <a:schemeClr val="bg1"/>
+                </a:solidFill>
+              </a:rPr>
+              <a:t>Click submit to complete the login</a:t>
+            </a:r>
+          </a:p>
+        </p:txBody>
+      </p:sp>
+      <p:cxnSp>
+        <p:nvCxnSpPr>
+          <p:cNvPr id="21" name="Straight Arrow Connector 20">
+            <a:extLst>
+              <a:ext uri="{FF2B5EF4-FFF2-40B4-BE49-F238E27FC236}">
+                <a16:creationId xmlns:a16="http://schemas.microsoft.com/office/drawing/2014/main" id="{90691CC3-AFD3-3444-8C8A-913474944FDB}"/>
+              </a:ext>
+            </a:extLst>
+          </p:cNvPr>
+          <p:cNvCxnSpPr>
+            <a:cxnSpLocks/>
+            <a:stCxn id="14" idx="1"/>
+          </p:cNvCxnSpPr>
+          <p:nvPr/>
+        </p:nvCxnSpPr>
+        <p:spPr>
+          <a:xfrm flipH="1">
+            <a:off x="2553629" y="1755260"/>
+            <a:ext cx="2018371" cy="408077"/>
+          </a:xfrm>
+          <a:prstGeom prst="straightConnector1">
+            <a:avLst/>
+          </a:prstGeom>
+          <a:ln w="31750">
+            <a:solidFill>
+              <a:schemeClr val="bg2">
+                <a:lumMod val="75000"/>
+              </a:schemeClr>
+            </a:solidFill>
+            <a:tailEnd type="triangle"/>
+          </a:ln>
+        </p:spPr>
+        <p:style>
+          <a:lnRef idx="1">
+            <a:schemeClr val="accent1"/>
+          </a:lnRef>
+          <a:fillRef idx="0">
+            <a:schemeClr val="accent1"/>
+          </a:fillRef>
+          <a:effectRef idx="0">
+            <a:schemeClr val="accent1"/>
+          </a:effectRef>
+          <a:fontRef idx="minor">
+            <a:schemeClr val="tx1"/>
+          </a:fontRef>
+        </p:style>
+      </p:cxnSp>
+      <p:cxnSp>
+        <p:nvCxnSpPr>
+          <p:cNvPr id="22" name="Straight Arrow Connector 21">
+            <a:extLst>
+              <a:ext uri="{FF2B5EF4-FFF2-40B4-BE49-F238E27FC236}">
+                <a16:creationId xmlns:a16="http://schemas.microsoft.com/office/drawing/2014/main" id="{3069A21B-F135-D345-BE63-7F5AE90154A7}"/>
+              </a:ext>
+            </a:extLst>
+          </p:cNvPr>
+          <p:cNvCxnSpPr>
+            <a:cxnSpLocks/>
+            <a:stCxn id="16" idx="1"/>
+          </p:cNvCxnSpPr>
+          <p:nvPr/>
+        </p:nvCxnSpPr>
+        <p:spPr>
+          <a:xfrm flipH="1">
+            <a:off x="2587083" y="2594088"/>
+            <a:ext cx="1984917" cy="238322"/>
+          </a:xfrm>
+          <a:prstGeom prst="straightConnector1">
+            <a:avLst/>
+          </a:prstGeom>
+          <a:ln w="31750">
+            <a:solidFill>
+              <a:schemeClr val="bg2">
+                <a:lumMod val="75000"/>
+              </a:schemeClr>
+            </a:solidFill>
+            <a:tailEnd type="triangle"/>
+          </a:ln>
+        </p:spPr>
+        <p:style>
+          <a:lnRef idx="1">
+            <a:schemeClr val="accent1"/>
+          </a:lnRef>
+          <a:fillRef idx="0">
+            <a:schemeClr val="accent1"/>
+          </a:fillRef>
+          <a:effectRef idx="0">
+            <a:schemeClr val="accent1"/>
+          </a:effectRef>
+          <a:fontRef idx="minor">
+            <a:schemeClr val="tx1"/>
+          </a:fontRef>
+        </p:style>
+      </p:cxnSp>
+      <p:cxnSp>
+        <p:nvCxnSpPr>
+          <p:cNvPr id="23" name="Straight Arrow Connector 22">
+            <a:extLst>
+              <a:ext uri="{FF2B5EF4-FFF2-40B4-BE49-F238E27FC236}">
+                <a16:creationId xmlns:a16="http://schemas.microsoft.com/office/drawing/2014/main" id="{9DD27CEA-E979-BE42-817E-3419C3AC88E0}"/>
+              </a:ext>
+            </a:extLst>
+          </p:cNvPr>
+          <p:cNvCxnSpPr>
+            <a:cxnSpLocks/>
+            <a:stCxn id="17" idx="1"/>
+          </p:cNvCxnSpPr>
+          <p:nvPr/>
+        </p:nvCxnSpPr>
+        <p:spPr>
+          <a:xfrm flipH="1" flipV="1">
+            <a:off x="1717288" y="3311912"/>
+            <a:ext cx="2854712" cy="536503"/>
+          </a:xfrm>
+          <a:prstGeom prst="straightConnector1">
+            <a:avLst/>
+          </a:prstGeom>
+          <a:ln w="31750">
+            <a:solidFill>
+              <a:schemeClr val="bg2">
+                <a:lumMod val="75000"/>
+              </a:schemeClr>
+            </a:solidFill>
+            <a:tailEnd type="triangle"/>
+          </a:ln>
+        </p:spPr>
+        <p:style>
+          <a:lnRef idx="1">
+            <a:schemeClr val="accent1"/>
+          </a:lnRef>
+          <a:fillRef idx="0">
+            <a:schemeClr val="accent1"/>
+          </a:fillRef>
+          <a:effectRef idx="0">
+            <a:schemeClr val="accent1"/>
+          </a:effectRef>
+          <a:fontRef idx="minor">
+            <a:schemeClr val="tx1"/>
+          </a:fontRef>
+        </p:style>
+      </p:cxnSp>
+      <p:cxnSp>
+        <p:nvCxnSpPr>
+          <p:cNvPr id="24" name="Straight Arrow Connector 23">
+            <a:extLst>
+              <a:ext uri="{FF2B5EF4-FFF2-40B4-BE49-F238E27FC236}">
+                <a16:creationId xmlns:a16="http://schemas.microsoft.com/office/drawing/2014/main" id="{AA87FA1E-7C1F-D744-B5DD-2B84CEDA72E2}"/>
+              </a:ext>
+            </a:extLst>
+          </p:cNvPr>
+          <p:cNvCxnSpPr>
+            <a:cxnSpLocks/>
+            <a:stCxn id="18" idx="1"/>
+          </p:cNvCxnSpPr>
+          <p:nvPr/>
+        </p:nvCxnSpPr>
+        <p:spPr>
+          <a:xfrm flipH="1" flipV="1">
+            <a:off x="2631688" y="3914078"/>
+            <a:ext cx="1940312" cy="1188663"/>
+          </a:xfrm>
+          <a:prstGeom prst="straightConnector1">
+            <a:avLst/>
+          </a:prstGeom>
+          <a:ln w="31750">
+            <a:solidFill>
+              <a:schemeClr val="bg2">
+                <a:lumMod val="75000"/>
+              </a:schemeClr>
+            </a:solidFill>
+            <a:tailEnd type="triangle"/>
+          </a:ln>
+        </p:spPr>
+        <p:style>
+          <a:lnRef idx="1">
+            <a:schemeClr val="accent1"/>
+          </a:lnRef>
+          <a:fillRef idx="0">
+            <a:schemeClr val="accent1"/>
+          </a:fillRef>
+          <a:effectRef idx="0">
+            <a:schemeClr val="accent1"/>
+          </a:effectRef>
+          <a:fontRef idx="minor">
+            <a:schemeClr val="tx1"/>
+          </a:fontRef>
+        </p:style>
+      </p:cxnSp>
+    </p:spTree>
+    <p:extLst>
+      <p:ext uri="{BB962C8B-B14F-4D97-AF65-F5344CB8AC3E}">
+        <p14:creationId xmlns:p14="http://schemas.microsoft.com/office/powerpoint/2010/main" val="3500687977"/>
+      </p:ext>
+    </p:extLst>
+  </p:cSld>
+  <p:clrMapOvr>
+    <a:masterClrMapping/>
+  </p:clrMapOvr>
+</p:sld>
+</file>
+
+<file path=ppt/slides/slide7.xml><?xml version="1.0" encoding="utf-8"?>
+<p:sld xmlns:a="http://schemas.openxmlformats.org/drawingml/2006/main" xmlns:r="http://schemas.openxmlformats.org/officeDocument/2006/relationships" xmlns:p="http://schemas.openxmlformats.org/presentationml/2006/main">
+  <p:cSld>
+    <p:spTree>
+      <p:nvGrpSpPr>
+        <p:cNvPr id="1" name=""/>
+        <p:cNvGrpSpPr/>
+        <p:nvPr/>
+      </p:nvGrpSpPr>
+      <p:grpSpPr>
+        <a:xfrm>
+          <a:off x="0" y="0"/>
+          <a:ext cx="0" cy="0"/>
+          <a:chOff x="0" y="0"/>
+          <a:chExt cx="0" cy="0"/>
+        </a:xfrm>
+      </p:grpSpPr>
+      <p:pic>
+        <p:nvPicPr>
+          <p:cNvPr id="10" name="Picture 9">
+            <a:extLst>
+              <a:ext uri="{FF2B5EF4-FFF2-40B4-BE49-F238E27FC236}">
+                <a16:creationId xmlns:a16="http://schemas.microsoft.com/office/drawing/2014/main" id="{A6F6F30B-313E-0E4A-8528-76592233FFCB}"/>
+              </a:ext>
+            </a:extLst>
+          </p:cNvPr>
+          <p:cNvPicPr>
+            <a:picLocks noChangeAspect="1"/>
+          </p:cNvPicPr>
+          <p:nvPr/>
+        </p:nvPicPr>
+        <p:blipFill>
+          <a:blip r:embed="rId2"/>
+          <a:stretch>
+            <a:fillRect/>
+          </a:stretch>
+        </p:blipFill>
+        <p:spPr>
+          <a:xfrm>
+            <a:off x="466948" y="737501"/>
+            <a:ext cx="3012258" cy="5339913"/>
+          </a:xfrm>
+          <a:prstGeom prst="rect">
+            <a:avLst/>
+          </a:prstGeom>
+        </p:spPr>
+      </p:pic>
+      <p:sp>
+        <p:nvSpPr>
+          <p:cNvPr id="11" name="TextBox 10">
+            <a:extLst>
+              <a:ext uri="{FF2B5EF4-FFF2-40B4-BE49-F238E27FC236}">
+                <a16:creationId xmlns:a16="http://schemas.microsoft.com/office/drawing/2014/main" id="{54492217-A6C7-9042-8E5B-4F423B86D77F}"/>
+              </a:ext>
+            </a:extLst>
+          </p:cNvPr>
+          <p:cNvSpPr txBox="1"/>
+          <p:nvPr/>
+        </p:nvSpPr>
+        <p:spPr>
+          <a:xfrm>
+            <a:off x="4572000" y="1893980"/>
+            <a:ext cx="3691054" cy="923330"/>
+          </a:xfrm>
+          <a:prstGeom prst="rect">
+            <a:avLst/>
+          </a:prstGeom>
+          <a:noFill/>
+        </p:spPr>
+        <p:txBody>
+          <a:bodyPr wrap="square" rtlCol="0">
+            <a:spAutoFit/>
+          </a:bodyPr>
+          <a:lstStyle/>
+          <a:p>
+            <a:r>
+              <a:rPr lang="en-US" dirty="0">
+                <a:solidFill>
+                  <a:schemeClr val="bg1"/>
+                </a:solidFill>
+              </a:rPr>
+              <a:t>In the event of typing an incorrect email password configuration, please contact an administrator</a:t>
+            </a:r>
+          </a:p>
+        </p:txBody>
+      </p:sp>
+      <p:cxnSp>
+        <p:nvCxnSpPr>
+          <p:cNvPr id="12" name="Straight Arrow Connector 11">
+            <a:extLst>
+              <a:ext uri="{FF2B5EF4-FFF2-40B4-BE49-F238E27FC236}">
+                <a16:creationId xmlns:a16="http://schemas.microsoft.com/office/drawing/2014/main" id="{CD0C5827-9628-0744-BA86-5D61E742235A}"/>
+              </a:ext>
+            </a:extLst>
+          </p:cNvPr>
+          <p:cNvCxnSpPr>
+            <a:cxnSpLocks/>
+            <a:stCxn id="11" idx="1"/>
+          </p:cNvCxnSpPr>
+          <p:nvPr/>
+        </p:nvCxnSpPr>
+        <p:spPr>
+          <a:xfrm flipH="1" flipV="1">
+            <a:off x="2375210" y="1962615"/>
+            <a:ext cx="2196790" cy="393030"/>
+          </a:xfrm>
+          <a:prstGeom prst="straightConnector1">
+            <a:avLst/>
+          </a:prstGeom>
+          <a:ln w="31750">
+            <a:solidFill>
+              <a:schemeClr val="bg2">
+                <a:lumMod val="75000"/>
+              </a:schemeClr>
+            </a:solidFill>
+            <a:tailEnd type="triangle"/>
+          </a:ln>
+        </p:spPr>
+        <p:style>
+          <a:lnRef idx="1">
+            <a:schemeClr val="accent1"/>
+          </a:lnRef>
+          <a:fillRef idx="0">
+            <a:schemeClr val="accent1"/>
+          </a:fillRef>
+          <a:effectRef idx="0">
+            <a:schemeClr val="accent1"/>
+          </a:effectRef>
+          <a:fontRef idx="minor">
+            <a:schemeClr val="tx1"/>
+          </a:fontRef>
+        </p:style>
+      </p:cxnSp>
+    </p:spTree>
+    <p:extLst>
+      <p:ext uri="{BB962C8B-B14F-4D97-AF65-F5344CB8AC3E}">
+        <p14:creationId xmlns:p14="http://schemas.microsoft.com/office/powerpoint/2010/main" val="2570371247"/>
+      </p:ext>
+    </p:extLst>
+  </p:cSld>
+  <p:clrMapOvr>
+    <a:masterClrMapping/>
+  </p:clrMapOvr>
+</p:sld>
+</file>
+
+<file path=ppt/slides/slide8.xml><?xml version="1.0" encoding="utf-8"?>
+<p:sld xmlns:a="http://schemas.openxmlformats.org/drawingml/2006/main" xmlns:r="http://schemas.openxmlformats.org/officeDocument/2006/relationships" xmlns:p="http://schemas.openxmlformats.org/presentationml/2006/main">
+  <p:cSld>
+    <p:spTree>
+      <p:nvGrpSpPr>
+        <p:cNvPr id="1" name=""/>
+        <p:cNvGrpSpPr/>
+        <p:nvPr/>
+      </p:nvGrpSpPr>
+      <p:grpSpPr>
+        <a:xfrm>
+          <a:off x="0" y="0"/>
+          <a:ext cx="0" cy="0"/>
+          <a:chOff x="0" y="0"/>
+          <a:chExt cx="0" cy="0"/>
+        </a:xfrm>
+      </p:grpSpPr>
+      <p:pic>
+        <p:nvPicPr>
+          <p:cNvPr id="6" name="Picture 5">
+            <a:extLst>
+              <a:ext uri="{FF2B5EF4-FFF2-40B4-BE49-F238E27FC236}">
+                <a16:creationId xmlns:a16="http://schemas.microsoft.com/office/drawing/2014/main" id="{21716DF8-175C-0E48-A6D8-04C3FB626333}"/>
+              </a:ext>
+            </a:extLst>
+          </p:cNvPr>
+          <p:cNvPicPr>
+            <a:picLocks noChangeAspect="1"/>
+          </p:cNvPicPr>
+          <p:nvPr/>
+        </p:nvPicPr>
+        <p:blipFill>
+          <a:blip r:embed="rId2"/>
+          <a:stretch>
+            <a:fillRect/>
+          </a:stretch>
+        </p:blipFill>
+        <p:spPr>
+          <a:xfrm>
+            <a:off x="466948" y="737501"/>
+            <a:ext cx="3012258" cy="5339913"/>
+          </a:xfrm>
+          <a:prstGeom prst="rect">
+            <a:avLst/>
+          </a:prstGeom>
+        </p:spPr>
+      </p:pic>
+      <p:sp>
+        <p:nvSpPr>
+          <p:cNvPr id="7" name="TextBox 6">
+            <a:extLst>
+              <a:ext uri="{FF2B5EF4-FFF2-40B4-BE49-F238E27FC236}">
+                <a16:creationId xmlns:a16="http://schemas.microsoft.com/office/drawing/2014/main" id="{08E65934-EC03-B54A-A42A-47BC1A3B53FA}"/>
+              </a:ext>
+            </a:extLst>
+          </p:cNvPr>
+          <p:cNvSpPr txBox="1"/>
+          <p:nvPr/>
+        </p:nvSpPr>
+        <p:spPr>
+          <a:xfrm>
+            <a:off x="4661210" y="3622419"/>
+            <a:ext cx="3691054" cy="646331"/>
+          </a:xfrm>
+          <a:prstGeom prst="rect">
+            <a:avLst/>
+          </a:prstGeom>
+          <a:noFill/>
+        </p:spPr>
+        <p:txBody>
+          <a:bodyPr wrap="square" rtlCol="0">
+            <a:spAutoFit/>
+          </a:bodyPr>
+          <a:lstStyle/>
+          <a:p>
+            <a:r>
+              <a:rPr lang="en-US" dirty="0">
+                <a:solidFill>
+                  <a:schemeClr val="bg1"/>
+                </a:solidFill>
+              </a:rPr>
+              <a:t>To logout, click the logout button at the bottom of the home page</a:t>
+            </a:r>
+          </a:p>
+        </p:txBody>
+      </p:sp>
+      <p:cxnSp>
+        <p:nvCxnSpPr>
+          <p:cNvPr id="8" name="Straight Arrow Connector 7">
+            <a:extLst>
+              <a:ext uri="{FF2B5EF4-FFF2-40B4-BE49-F238E27FC236}">
+                <a16:creationId xmlns:a16="http://schemas.microsoft.com/office/drawing/2014/main" id="{023B42E2-3499-F143-B053-9B6D10986A55}"/>
+              </a:ext>
+            </a:extLst>
+          </p:cNvPr>
+          <p:cNvCxnSpPr>
+            <a:cxnSpLocks/>
+            <a:stCxn id="7" idx="1"/>
+          </p:cNvCxnSpPr>
+          <p:nvPr/>
+        </p:nvCxnSpPr>
+        <p:spPr>
+          <a:xfrm flipH="1" flipV="1">
+            <a:off x="2787805" y="3235581"/>
+            <a:ext cx="1873405" cy="710004"/>
+          </a:xfrm>
+          <a:prstGeom prst="straightConnector1">
+            <a:avLst/>
+          </a:prstGeom>
+          <a:ln w="31750">
+            <a:solidFill>
+              <a:schemeClr val="bg2">
+                <a:lumMod val="75000"/>
+              </a:schemeClr>
+            </a:solidFill>
+            <a:tailEnd type="triangle"/>
+          </a:ln>
+        </p:spPr>
+        <p:style>
+          <a:lnRef idx="1">
+            <a:schemeClr val="accent1"/>
+          </a:lnRef>
+          <a:fillRef idx="0">
+            <a:schemeClr val="accent1"/>
+          </a:fillRef>
+          <a:effectRef idx="0">
+            <a:schemeClr val="accent1"/>
+          </a:effectRef>
+          <a:fontRef idx="minor">
+            <a:schemeClr val="tx1"/>
+          </a:fontRef>
+        </p:style>
+      </p:cxnSp>
+    </p:spTree>
+    <p:extLst>
+      <p:ext uri="{BB962C8B-B14F-4D97-AF65-F5344CB8AC3E}">
+        <p14:creationId xmlns:p14="http://schemas.microsoft.com/office/powerpoint/2010/main" val="352963044"/>
+      </p:ext>
+    </p:extLst>
+  </p:cSld>
+  <p:clrMapOvr>
+    <a:masterClrMapping/>
+  </p:clrMapOvr>
+</p:sld>
+</file>
+
+<file path=ppt/slides/slide9.xml><?xml version="1.0" encoding="utf-8"?>
+<p:sld xmlns:a="http://schemas.openxmlformats.org/drawingml/2006/main" xmlns:r="http://schemas.openxmlformats.org/officeDocument/2006/relationships" xmlns:p="http://schemas.openxmlformats.org/presentationml/2006/main">
+  <p:cSld>
+    <p:spTree>
+      <p:nvGrpSpPr>
+        <p:cNvPr id="1" name=""/>
+        <p:cNvGrpSpPr/>
+        <p:nvPr/>
+      </p:nvGrpSpPr>
+      <p:grpSpPr>
+        <a:xfrm>
+          <a:off x="0" y="0"/>
+          <a:ext cx="0" cy="0"/>
+          <a:chOff x="0" y="0"/>
+          <a:chExt cx="0" cy="0"/>
+        </a:xfrm>
+      </p:grpSpPr>
+      <p:pic>
+        <p:nvPicPr>
+          <p:cNvPr id="4" name="Picture 3">
+            <a:extLst>
+              <a:ext uri="{FF2B5EF4-FFF2-40B4-BE49-F238E27FC236}">
+                <a16:creationId xmlns:a16="http://schemas.microsoft.com/office/drawing/2014/main" id="{67DDFA51-6BFD-E04F-A4B6-7C1CC2873B21}"/>
+              </a:ext>
+            </a:extLst>
+          </p:cNvPr>
+          <p:cNvPicPr>
+            <a:picLocks noChangeAspect="1"/>
+          </p:cNvPicPr>
+          <p:nvPr/>
+        </p:nvPicPr>
+        <p:blipFill rotWithShape="1">
+          <a:blip r:embed="rId2"/>
+          <a:srcRect r="71078"/>
+          <a:stretch/>
+        </p:blipFill>
+        <p:spPr>
+          <a:xfrm>
+            <a:off x="1174570" y="2551814"/>
+            <a:ext cx="1767582" cy="1754372"/>
+          </a:xfrm>
+          <a:prstGeom prst="rect">
+            <a:avLst/>
+          </a:prstGeom>
+        </p:spPr>
+      </p:pic>
+      <p:cxnSp>
+        <p:nvCxnSpPr>
+          <p:cNvPr id="5" name="Straight Connector 4">
+            <a:extLst>
+              <a:ext uri="{FF2B5EF4-FFF2-40B4-BE49-F238E27FC236}">
+                <a16:creationId xmlns:a16="http://schemas.microsoft.com/office/drawing/2014/main" id="{A403E59B-01D7-A749-BC92-9104AD942968}"/>
+              </a:ext>
+            </a:extLst>
+          </p:cNvPr>
+          <p:cNvCxnSpPr/>
+          <p:nvPr/>
+        </p:nvCxnSpPr>
+        <p:spPr>
+          <a:xfrm>
+            <a:off x="3680422" y="1685261"/>
+            <a:ext cx="0" cy="3487479"/>
+          </a:xfrm>
+          <a:prstGeom prst="line">
+            <a:avLst/>
+          </a:prstGeom>
+          <a:ln w="38100">
+            <a:solidFill>
+              <a:schemeClr val="bg1"/>
+            </a:solidFill>
+          </a:ln>
+        </p:spPr>
+        <p:style>
+          <a:lnRef idx="1">
+            <a:schemeClr val="accent1"/>
+          </a:lnRef>
+          <a:fillRef idx="0">
+            <a:schemeClr val="accent1"/>
+          </a:fillRef>
+          <a:effectRef idx="0">
+            <a:schemeClr val="accent1"/>
+          </a:effectRef>
+          <a:fontRef idx="minor">
+            <a:schemeClr val="tx1"/>
+          </a:fontRef>
+        </p:style>
+      </p:cxnSp>
+      <p:sp>
+        <p:nvSpPr>
+          <p:cNvPr id="6" name="TextBox 5">
+            <a:extLst>
+              <a:ext uri="{FF2B5EF4-FFF2-40B4-BE49-F238E27FC236}">
+                <a16:creationId xmlns:a16="http://schemas.microsoft.com/office/drawing/2014/main" id="{7E4BD66F-5334-5A40-89D8-B322FAFA3136}"/>
+              </a:ext>
+            </a:extLst>
+          </p:cNvPr>
+          <p:cNvSpPr txBox="1"/>
+          <p:nvPr/>
+        </p:nvSpPr>
+        <p:spPr>
+          <a:xfrm>
+            <a:off x="4337824" y="3013502"/>
+            <a:ext cx="4047893" cy="830997"/>
+          </a:xfrm>
+          <a:prstGeom prst="rect">
+            <a:avLst/>
+          </a:prstGeom>
+          <a:noFill/>
+        </p:spPr>
+        <p:txBody>
+          <a:bodyPr wrap="square" rtlCol="0">
+            <a:spAutoFit/>
+          </a:bodyPr>
+          <a:lstStyle/>
+          <a:p>
+            <a:r>
+              <a:rPr lang="en-US" sz="4800" dirty="0">
+                <a:solidFill>
+                  <a:schemeClr val="bg1"/>
+                </a:solidFill>
+              </a:rPr>
+              <a:t>Navigation</a:t>
+            </a:r>
+          </a:p>
+        </p:txBody>
+      </p:sp>
+    </p:spTree>
+    <p:extLst>
+      <p:ext uri="{BB962C8B-B14F-4D97-AF65-F5344CB8AC3E}">
+        <p14:creationId xmlns:p14="http://schemas.microsoft.com/office/powerpoint/2010/main" val="2283697920"/>
       </p:ext>
     </p:extLst>
   </p:cSld>
@@ -4025,4 +9412,299 @@
     </a:ext>
   </a:extLst>
 </a:theme>
+</file>
+
+<file path=ppt/theme/theme2.xml><?xml version="1.0" encoding="utf-8"?>
+<a:theme xmlns:a="http://schemas.openxmlformats.org/drawingml/2006/main" name="Office Theme">
+  <a:themeElements>
+    <a:clrScheme name="Office">
+      <a:dk1>
+        <a:sysClr val="windowText" lastClr="000000"/>
+      </a:dk1>
+      <a:lt1>
+        <a:sysClr val="window" lastClr="FFFFFF"/>
+      </a:lt1>
+      <a:dk2>
+        <a:srgbClr val="44546A"/>
+      </a:dk2>
+      <a:lt2>
+        <a:srgbClr val="E7E6E6"/>
+      </a:lt2>
+      <a:accent1>
+        <a:srgbClr val="4472C4"/>
+      </a:accent1>
+      <a:accent2>
+        <a:srgbClr val="ED7D31"/>
+      </a:accent2>
+      <a:accent3>
+        <a:srgbClr val="A5A5A5"/>
+      </a:accent3>
+      <a:accent4>
+        <a:srgbClr val="FFC000"/>
+      </a:accent4>
+      <a:accent5>
+        <a:srgbClr val="5B9BD5"/>
+      </a:accent5>
+      <a:accent6>
+        <a:srgbClr val="70AD47"/>
+      </a:accent6>
+      <a:hlink>
+        <a:srgbClr val="0563C1"/>
+      </a:hlink>
+      <a:folHlink>
+        <a:srgbClr val="954F72"/>
+      </a:folHlink>
+    </a:clrScheme>
+    <a:fontScheme name="Office">
+      <a:majorFont>
+        <a:latin typeface="Calibri Light" panose="020F0302020204030204"/>
+        <a:ea typeface=""/>
+        <a:cs typeface=""/>
+        <a:font script="Jpan" typeface="游ゴシック Light"/>
+        <a:font script="Hang" typeface="맑은 고딕"/>
+        <a:font script="Hans" typeface="等线 Light"/>
+        <a:font script="Hant" typeface="新細明體"/>
+        <a:font script="Arab" typeface="Times New Roman"/>
+        <a:font script="Hebr" typeface="Times New Roman"/>
+        <a:font script="Thai" typeface="Angsana New"/>
+        <a:font script="Ethi" typeface="Nyala"/>
+        <a:font script="Beng" typeface="Vrinda"/>
+        <a:font script="Gujr" typeface="Shruti"/>
+        <a:font script="Khmr" typeface="MoolBoran"/>
+        <a:font script="Knda" typeface="Tunga"/>
+        <a:font script="Guru" typeface="Raavi"/>
+        <a:font script="Cans" typeface="Euphemia"/>
+        <a:font script="Cher" typeface="Plantagenet Cherokee"/>
+        <a:font script="Yiii" typeface="Microsoft Yi Baiti"/>
+        <a:font script="Tibt" typeface="Microsoft Himalaya"/>
+        <a:font script="Thaa" typeface="MV Boli"/>
+        <a:font script="Deva" typeface="Mangal"/>
+        <a:font script="Telu" typeface="Gautami"/>
+        <a:font script="Taml" typeface="Latha"/>
+        <a:font script="Syrc" typeface="Estrangelo Edessa"/>
+        <a:font script="Orya" typeface="Kalinga"/>
+        <a:font script="Mlym" typeface="Kartika"/>
+        <a:font script="Laoo" typeface="DokChampa"/>
+        <a:font script="Sinh" typeface="Iskoola Pota"/>
+        <a:font script="Mong" typeface="Mongolian Baiti"/>
+        <a:font script="Viet" typeface="Times New Roman"/>
+        <a:font script="Uigh" typeface="Microsoft Uighur"/>
+        <a:font script="Geor" typeface="Sylfaen"/>
+        <a:font script="Armn" typeface="Arial"/>
+        <a:font script="Bugi" typeface="Leelawadee UI"/>
+        <a:font script="Bopo" typeface="Microsoft JhengHei"/>
+        <a:font script="Java" typeface="Javanese Text"/>
+        <a:font script="Lisu" typeface="Segoe UI"/>
+        <a:font script="Mymr" typeface="Myanmar Text"/>
+        <a:font script="Nkoo" typeface="Ebrima"/>
+        <a:font script="Olck" typeface="Nirmala UI"/>
+        <a:font script="Osma" typeface="Ebrima"/>
+        <a:font script="Phag" typeface="Phagspa"/>
+        <a:font script="Syrn" typeface="Estrangelo Edessa"/>
+        <a:font script="Syrj" typeface="Estrangelo Edessa"/>
+        <a:font script="Syre" typeface="Estrangelo Edessa"/>
+        <a:font script="Sora" typeface="Nirmala UI"/>
+        <a:font script="Tale" typeface="Microsoft Tai Le"/>
+        <a:font script="Talu" typeface="Microsoft New Tai Lue"/>
+        <a:font script="Tfng" typeface="Ebrima"/>
+      </a:majorFont>
+      <a:minorFont>
+        <a:latin typeface="Calibri" panose="020F0502020204030204"/>
+        <a:ea typeface=""/>
+        <a:cs typeface=""/>
+        <a:font script="Jpan" typeface="游ゴシック"/>
+        <a:font script="Hang" typeface="맑은 고딕"/>
+        <a:font script="Hans" typeface="等线"/>
+        <a:font script="Hant" typeface="新細明體"/>
+        <a:font script="Arab" typeface="Arial"/>
+        <a:font script="Hebr" typeface="Arial"/>
+        <a:font script="Thai" typeface="Cordia New"/>
+        <a:font script="Ethi" typeface="Nyala"/>
+        <a:font script="Beng" typeface="Vrinda"/>
+        <a:font script="Gujr" typeface="Shruti"/>
+        <a:font script="Khmr" typeface="DaunPenh"/>
+        <a:font script="Knda" typeface="Tunga"/>
+        <a:font script="Guru" typeface="Raavi"/>
+        <a:font script="Cans" typeface="Euphemia"/>
+        <a:font script="Cher" typeface="Plantagenet Cherokee"/>
+        <a:font script="Yiii" typeface="Microsoft Yi Baiti"/>
+        <a:font script="Tibt" typeface="Microsoft Himalaya"/>
+        <a:font script="Thaa" typeface="MV Boli"/>
+        <a:font script="Deva" typeface="Mangal"/>
+        <a:font script="Telu" typeface="Gautami"/>
+        <a:font script="Taml" typeface="Latha"/>
+        <a:font script="Syrc" typeface="Estrangelo Edessa"/>
+        <a:font script="Orya" typeface="Kalinga"/>
+        <a:font script="Mlym" typeface="Kartika"/>
+        <a:font script="Laoo" typeface="DokChampa"/>
+        <a:font script="Sinh" typeface="Iskoola Pota"/>
+        <a:font script="Mong" typeface="Mongolian Baiti"/>
+        <a:font script="Viet" typeface="Arial"/>
+        <a:font script="Uigh" typeface="Microsoft Uighur"/>
+        <a:font script="Geor" typeface="Sylfaen"/>
+        <a:font script="Armn" typeface="Arial"/>
+        <a:font script="Bugi" typeface="Leelawadee UI"/>
+        <a:font script="Bopo" typeface="Microsoft JhengHei"/>
+        <a:font script="Java" typeface="Javanese Text"/>
+        <a:font script="Lisu" typeface="Segoe UI"/>
+        <a:font script="Mymr" typeface="Myanmar Text"/>
+        <a:font script="Nkoo" typeface="Ebrima"/>
+        <a:font script="Olck" typeface="Nirmala UI"/>
+        <a:font script="Osma" typeface="Ebrima"/>
+        <a:font script="Phag" typeface="Phagspa"/>
+        <a:font script="Syrn" typeface="Estrangelo Edessa"/>
+        <a:font script="Syrj" typeface="Estrangelo Edessa"/>
+        <a:font script="Syre" typeface="Estrangelo Edessa"/>
+        <a:font script="Sora" typeface="Nirmala UI"/>
+        <a:font script="Tale" typeface="Microsoft Tai Le"/>
+        <a:font script="Talu" typeface="Microsoft New Tai Lue"/>
+        <a:font script="Tfng" typeface="Ebrima"/>
+      </a:minorFont>
+    </a:fontScheme>
+    <a:fmtScheme name="Office">
+      <a:fillStyleLst>
+        <a:solidFill>
+          <a:schemeClr val="phClr"/>
+        </a:solidFill>
+        <a:gradFill rotWithShape="1">
+          <a:gsLst>
+            <a:gs pos="0">
+              <a:schemeClr val="phClr">
+                <a:lumMod val="110000"/>
+                <a:satMod val="105000"/>
+                <a:tint val="67000"/>
+              </a:schemeClr>
+            </a:gs>
+            <a:gs pos="50000">
+              <a:schemeClr val="phClr">
+                <a:lumMod val="105000"/>
+                <a:satMod val="103000"/>
+                <a:tint val="73000"/>
+              </a:schemeClr>
+            </a:gs>
+            <a:gs pos="100000">
+              <a:schemeClr val="phClr">
+                <a:lumMod val="105000"/>
+                <a:satMod val="109000"/>
+                <a:tint val="81000"/>
+              </a:schemeClr>
+            </a:gs>
+          </a:gsLst>
+          <a:lin ang="5400000" scaled="0"/>
+        </a:gradFill>
+        <a:gradFill rotWithShape="1">
+          <a:gsLst>
+            <a:gs pos="0">
+              <a:schemeClr val="phClr">
+                <a:satMod val="103000"/>
+                <a:lumMod val="102000"/>
+                <a:tint val="94000"/>
+              </a:schemeClr>
+            </a:gs>
+            <a:gs pos="50000">
+              <a:schemeClr val="phClr">
+                <a:satMod val="110000"/>
+                <a:lumMod val="100000"/>
+                <a:shade val="100000"/>
+              </a:schemeClr>
+            </a:gs>
+            <a:gs pos="100000">
+              <a:schemeClr val="phClr">
+                <a:lumMod val="99000"/>
+                <a:satMod val="120000"/>
+                <a:shade val="78000"/>
+              </a:schemeClr>
+            </a:gs>
+          </a:gsLst>
+          <a:lin ang="5400000" scaled="0"/>
+        </a:gradFill>
+      </a:fillStyleLst>
+      <a:lnStyleLst>
+        <a:ln w="6350" cap="flat" cmpd="sng" algn="ctr">
+          <a:solidFill>
+            <a:schemeClr val="phClr"/>
+          </a:solidFill>
+          <a:prstDash val="solid"/>
+          <a:miter lim="800000"/>
+        </a:ln>
+        <a:ln w="12700" cap="flat" cmpd="sng" algn="ctr">
+          <a:solidFill>
+            <a:schemeClr val="phClr"/>
+          </a:solidFill>
+          <a:prstDash val="solid"/>
+          <a:miter lim="800000"/>
+        </a:ln>
+        <a:ln w="19050" cap="flat" cmpd="sng" algn="ctr">
+          <a:solidFill>
+            <a:schemeClr val="phClr"/>
+          </a:solidFill>
+          <a:prstDash val="solid"/>
+          <a:miter lim="800000"/>
+        </a:ln>
+      </a:lnStyleLst>
+      <a:effectStyleLst>
+        <a:effectStyle>
+          <a:effectLst/>
+        </a:effectStyle>
+        <a:effectStyle>
+          <a:effectLst/>
+        </a:effectStyle>
+        <a:effectStyle>
+          <a:effectLst>
+            <a:outerShdw blurRad="57150" dist="19050" dir="5400000" algn="ctr" rotWithShape="0">
+              <a:srgbClr val="000000">
+                <a:alpha val="63000"/>
+              </a:srgbClr>
+            </a:outerShdw>
+          </a:effectLst>
+        </a:effectStyle>
+      </a:effectStyleLst>
+      <a:bgFillStyleLst>
+        <a:solidFill>
+          <a:schemeClr val="phClr"/>
+        </a:solidFill>
+        <a:solidFill>
+          <a:schemeClr val="phClr">
+            <a:tint val="95000"/>
+            <a:satMod val="170000"/>
+          </a:schemeClr>
+        </a:solidFill>
+        <a:gradFill rotWithShape="1">
+          <a:gsLst>
+            <a:gs pos="0">
+              <a:schemeClr val="phClr">
+                <a:tint val="93000"/>
+                <a:satMod val="150000"/>
+                <a:shade val="98000"/>
+                <a:lumMod val="102000"/>
+              </a:schemeClr>
+            </a:gs>
+            <a:gs pos="50000">
+              <a:schemeClr val="phClr">
+                <a:tint val="98000"/>
+                <a:satMod val="130000"/>
+                <a:shade val="90000"/>
+                <a:lumMod val="103000"/>
+              </a:schemeClr>
+            </a:gs>
+            <a:gs pos="100000">
+              <a:schemeClr val="phClr">
+                <a:shade val="63000"/>
+                <a:satMod val="120000"/>
+              </a:schemeClr>
+            </a:gs>
+          </a:gsLst>
+          <a:lin ang="5400000" scaled="0"/>
+        </a:gradFill>
+      </a:bgFillStyleLst>
+    </a:fmtScheme>
+  </a:themeElements>
+  <a:objectDefaults/>
+  <a:extraClrSchemeLst/>
+  <a:extLst>
+    <a:ext uri="{05A4C25C-085E-4340-85A3-A5531E510DB2}">
+      <thm15:themeFamily xmlns:thm15="http://schemas.microsoft.com/office/thememl/2012/main" name="Office Theme" id="{62F939B6-93AF-4DB8-9C6B-D6C7DFDC589F}" vid="{4A3C46E8-61CC-4603-A589-7422A47A8E4A}"/>
+    </a:ext>
+  </a:extLst>
+</a:theme>
 </file>
--- a/Not_Main_Application/UserManual.pptx
+++ b/Not_Main_Application/UserManual.pptx
@@ -5,7 +5,7 @@
     <p:sldMasterId id="2147483660" r:id="rId1"/>
   </p:sldMasterIdLst>
   <p:notesMasterIdLst>
-    <p:notesMasterId r:id="rId36"/>
+    <p:notesMasterId r:id="rId39"/>
   </p:notesMasterIdLst>
   <p:sldIdLst>
     <p:sldId id="256" r:id="rId2"/>
@@ -42,6 +42,9 @@
     <p:sldId id="287" r:id="rId33"/>
     <p:sldId id="288" r:id="rId34"/>
     <p:sldId id="289" r:id="rId35"/>
+    <p:sldId id="290" r:id="rId36"/>
+    <p:sldId id="291" r:id="rId37"/>
+    <p:sldId id="292" r:id="rId38"/>
   </p:sldIdLst>
   <p:sldSz cx="9144000" cy="6858000" type="screen4x3"/>
   <p:notesSz cx="6858000" cy="9144000"/>
@@ -140,6 +143,11 @@
       </a:defRPr>
     </a:lvl9pPr>
   </p:defaultTextStyle>
+  <p:extLst>
+    <p:ext uri="{EFAFB233-063F-42B5-8137-9DF3F51BA10A}">
+      <p15:sldGuideLst xmlns:p15="http://schemas.microsoft.com/office/powerpoint/2012/main"/>
+    </p:ext>
+  </p:extLst>
 </p:presentation>
 </file>
 
@@ -225,7 +233,7 @@
           <a:p>
             <a:fld id="{C128E5F2-3E43-A348-95A4-0CE0A417E92A}" type="datetimeFigureOut">
               <a:rPr lang="en-US" smtClean="0"/>
-              <a:t>4/16/19</a:t>
+              <a:t>4/17/19</a:t>
             </a:fld>
             <a:endParaRPr lang="en-US"/>
           </a:p>
@@ -707,7 +715,7 @@
           <a:p>
             <a:fld id="{79CC520B-3C03-A146-A34E-02F1D56BE37F}" type="datetimeFigureOut">
               <a:rPr lang="en-US" smtClean="0"/>
-              <a:t>4/16/19</a:t>
+              <a:t>4/17/19</a:t>
             </a:fld>
             <a:endParaRPr lang="en-US"/>
           </a:p>
@@ -877,7 +885,7 @@
           <a:p>
             <a:fld id="{79CC520B-3C03-A146-A34E-02F1D56BE37F}" type="datetimeFigureOut">
               <a:rPr lang="en-US" smtClean="0"/>
-              <a:t>4/16/19</a:t>
+              <a:t>4/17/19</a:t>
             </a:fld>
             <a:endParaRPr lang="en-US"/>
           </a:p>
@@ -1057,7 +1065,7 @@
           <a:p>
             <a:fld id="{79CC520B-3C03-A146-A34E-02F1D56BE37F}" type="datetimeFigureOut">
               <a:rPr lang="en-US" smtClean="0"/>
-              <a:t>4/16/19</a:t>
+              <a:t>4/17/19</a:t>
             </a:fld>
             <a:endParaRPr lang="en-US"/>
           </a:p>
@@ -1227,7 +1235,7 @@
           <a:p>
             <a:fld id="{79CC520B-3C03-A146-A34E-02F1D56BE37F}" type="datetimeFigureOut">
               <a:rPr lang="en-US" smtClean="0"/>
-              <a:t>4/16/19</a:t>
+              <a:t>4/17/19</a:t>
             </a:fld>
             <a:endParaRPr lang="en-US"/>
           </a:p>
@@ -1471,7 +1479,7 @@
           <a:p>
             <a:fld id="{79CC520B-3C03-A146-A34E-02F1D56BE37F}" type="datetimeFigureOut">
               <a:rPr lang="en-US" smtClean="0"/>
-              <a:t>4/16/19</a:t>
+              <a:t>4/17/19</a:t>
             </a:fld>
             <a:endParaRPr lang="en-US"/>
           </a:p>
@@ -1703,7 +1711,7 @@
           <a:p>
             <a:fld id="{79CC520B-3C03-A146-A34E-02F1D56BE37F}" type="datetimeFigureOut">
               <a:rPr lang="en-US" smtClean="0"/>
-              <a:t>4/16/19</a:t>
+              <a:t>4/17/19</a:t>
             </a:fld>
             <a:endParaRPr lang="en-US"/>
           </a:p>
@@ -2070,7 +2078,7 @@
           <a:p>
             <a:fld id="{79CC520B-3C03-A146-A34E-02F1D56BE37F}" type="datetimeFigureOut">
               <a:rPr lang="en-US" smtClean="0"/>
-              <a:t>4/16/19</a:t>
+              <a:t>4/17/19</a:t>
             </a:fld>
             <a:endParaRPr lang="en-US"/>
           </a:p>
@@ -2188,7 +2196,7 @@
           <a:p>
             <a:fld id="{79CC520B-3C03-A146-A34E-02F1D56BE37F}" type="datetimeFigureOut">
               <a:rPr lang="en-US" smtClean="0"/>
-              <a:t>4/16/19</a:t>
+              <a:t>4/17/19</a:t>
             </a:fld>
             <a:endParaRPr lang="en-US"/>
           </a:p>
@@ -2283,7 +2291,7 @@
           <a:p>
             <a:fld id="{79CC520B-3C03-A146-A34E-02F1D56BE37F}" type="datetimeFigureOut">
               <a:rPr lang="en-US" smtClean="0"/>
-              <a:t>4/16/19</a:t>
+              <a:t>4/17/19</a:t>
             </a:fld>
             <a:endParaRPr lang="en-US"/>
           </a:p>
@@ -2560,7 +2568,7 @@
           <a:p>
             <a:fld id="{79CC520B-3C03-A146-A34E-02F1D56BE37F}" type="datetimeFigureOut">
               <a:rPr lang="en-US" smtClean="0"/>
-              <a:t>4/16/19</a:t>
+              <a:t>4/17/19</a:t>
             </a:fld>
             <a:endParaRPr lang="en-US"/>
           </a:p>
@@ -2817,7 +2825,7 @@
           <a:p>
             <a:fld id="{79CC520B-3C03-A146-A34E-02F1D56BE37F}" type="datetimeFigureOut">
               <a:rPr lang="en-US" smtClean="0"/>
-              <a:t>4/16/19</a:t>
+              <a:t>4/17/19</a:t>
             </a:fld>
             <a:endParaRPr lang="en-US"/>
           </a:p>
@@ -3033,7 +3041,7 @@
           <a:p>
             <a:fld id="{79CC520B-3C03-A146-A34E-02F1D56BE37F}" type="datetimeFigureOut">
               <a:rPr lang="en-US" smtClean="0"/>
-              <a:t>4/16/19</a:t>
+              <a:t>4/17/19</a:t>
             </a:fld>
             <a:endParaRPr lang="en-US"/>
           </a:p>
@@ -3704,6 +3712,46 @@
           </a:fontRef>
         </p:style>
       </p:cxnSp>
+      <p:sp>
+        <p:nvSpPr>
+          <p:cNvPr id="7" name="TextBox 6">
+            <a:extLst>
+              <a:ext uri="{FF2B5EF4-FFF2-40B4-BE49-F238E27FC236}">
+                <a16:creationId xmlns:a16="http://schemas.microsoft.com/office/drawing/2014/main" id="{189A6BB3-8801-6F4D-BDC7-4E968D708549}"/>
+              </a:ext>
+            </a:extLst>
+          </p:cNvPr>
+          <p:cNvSpPr txBox="1"/>
+          <p:nvPr/>
+        </p:nvSpPr>
+        <p:spPr>
+          <a:xfrm>
+            <a:off x="1929384" y="6596390"/>
+            <a:ext cx="5285232" cy="261610"/>
+          </a:xfrm>
+          <a:prstGeom prst="rect">
+            <a:avLst/>
+          </a:prstGeom>
+          <a:noFill/>
+        </p:spPr>
+        <p:txBody>
+          <a:bodyPr wrap="square" rtlCol="0">
+            <a:spAutoFit/>
+          </a:bodyPr>
+          <a:lstStyle/>
+          <a:p>
+            <a:pPr algn="ctr"/>
+            <a:r>
+              <a:rPr lang="en-US" sz="1100" dirty="0">
+                <a:solidFill>
+                  <a:schemeClr val="bg1"/>
+                </a:solidFill>
+              </a:rPr>
+              <a:t>University of Bristol Study Space Booking App - SPE</a:t>
+            </a:r>
+          </a:p>
+        </p:txBody>
+      </p:sp>
     </p:spTree>
     <p:extLst>
       <p:ext uri="{BB962C8B-B14F-4D97-AF65-F5344CB8AC3E}">
@@ -3942,6 +3990,46 @@
           </a:p>
         </p:txBody>
       </p:sp>
+      <p:sp>
+        <p:nvSpPr>
+          <p:cNvPr id="4" name="TextBox 3">
+            <a:extLst>
+              <a:ext uri="{FF2B5EF4-FFF2-40B4-BE49-F238E27FC236}">
+                <a16:creationId xmlns:a16="http://schemas.microsoft.com/office/drawing/2014/main" id="{15F603CC-B7DA-9E49-963A-F587A7463745}"/>
+              </a:ext>
+            </a:extLst>
+          </p:cNvPr>
+          <p:cNvSpPr txBox="1"/>
+          <p:nvPr/>
+        </p:nvSpPr>
+        <p:spPr>
+          <a:xfrm>
+            <a:off x="1929384" y="6596390"/>
+            <a:ext cx="5285232" cy="261610"/>
+          </a:xfrm>
+          <a:prstGeom prst="rect">
+            <a:avLst/>
+          </a:prstGeom>
+          <a:noFill/>
+        </p:spPr>
+        <p:txBody>
+          <a:bodyPr wrap="square" rtlCol="0">
+            <a:spAutoFit/>
+          </a:bodyPr>
+          <a:lstStyle/>
+          <a:p>
+            <a:pPr algn="ctr"/>
+            <a:r>
+              <a:rPr lang="en-US" sz="1100" dirty="0">
+                <a:solidFill>
+                  <a:schemeClr val="bg1"/>
+                </a:solidFill>
+              </a:rPr>
+              <a:t>University of Bristol Study Space Booking App - SPE</a:t>
+            </a:r>
+          </a:p>
+        </p:txBody>
+      </p:sp>
     </p:spTree>
     <p:extLst>
       <p:ext uri="{BB962C8B-B14F-4D97-AF65-F5344CB8AC3E}">
@@ -4227,6 +4315,46 @@
           </a:fontRef>
         </p:style>
       </p:cxnSp>
+      <p:sp>
+        <p:nvSpPr>
+          <p:cNvPr id="7" name="TextBox 6">
+            <a:extLst>
+              <a:ext uri="{FF2B5EF4-FFF2-40B4-BE49-F238E27FC236}">
+                <a16:creationId xmlns:a16="http://schemas.microsoft.com/office/drawing/2014/main" id="{9322EE92-27F7-F243-9249-3564092ED76B}"/>
+              </a:ext>
+            </a:extLst>
+          </p:cNvPr>
+          <p:cNvSpPr txBox="1"/>
+          <p:nvPr/>
+        </p:nvSpPr>
+        <p:spPr>
+          <a:xfrm>
+            <a:off x="1929384" y="6596390"/>
+            <a:ext cx="5285232" cy="261610"/>
+          </a:xfrm>
+          <a:prstGeom prst="rect">
+            <a:avLst/>
+          </a:prstGeom>
+          <a:noFill/>
+        </p:spPr>
+        <p:txBody>
+          <a:bodyPr wrap="square" rtlCol="0">
+            <a:spAutoFit/>
+          </a:bodyPr>
+          <a:lstStyle/>
+          <a:p>
+            <a:pPr algn="ctr"/>
+            <a:r>
+              <a:rPr lang="en-US" sz="1100" dirty="0">
+                <a:solidFill>
+                  <a:schemeClr val="bg1"/>
+                </a:solidFill>
+              </a:rPr>
+              <a:t>University of Bristol Study Space Booking App - SPE</a:t>
+            </a:r>
+          </a:p>
+        </p:txBody>
+      </p:sp>
     </p:spTree>
     <p:extLst>
       <p:ext uri="{BB962C8B-B14F-4D97-AF65-F5344CB8AC3E}">
@@ -4377,6 +4505,46 @@
           </a:p>
         </p:txBody>
       </p:sp>
+      <p:sp>
+        <p:nvSpPr>
+          <p:cNvPr id="4" name="TextBox 3">
+            <a:extLst>
+              <a:ext uri="{FF2B5EF4-FFF2-40B4-BE49-F238E27FC236}">
+                <a16:creationId xmlns:a16="http://schemas.microsoft.com/office/drawing/2014/main" id="{17FD1C00-81F6-3D45-AFEA-50B037B75694}"/>
+              </a:ext>
+            </a:extLst>
+          </p:cNvPr>
+          <p:cNvSpPr txBox="1"/>
+          <p:nvPr/>
+        </p:nvSpPr>
+        <p:spPr>
+          <a:xfrm>
+            <a:off x="1929384" y="6596390"/>
+            <a:ext cx="5285232" cy="261610"/>
+          </a:xfrm>
+          <a:prstGeom prst="rect">
+            <a:avLst/>
+          </a:prstGeom>
+          <a:noFill/>
+        </p:spPr>
+        <p:txBody>
+          <a:bodyPr wrap="square" rtlCol="0">
+            <a:spAutoFit/>
+          </a:bodyPr>
+          <a:lstStyle/>
+          <a:p>
+            <a:pPr algn="ctr"/>
+            <a:r>
+              <a:rPr lang="en-US" sz="1100" dirty="0">
+                <a:solidFill>
+                  <a:schemeClr val="bg1"/>
+                </a:solidFill>
+              </a:rPr>
+              <a:t>University of Bristol Study Space Booking App - SPE</a:t>
+            </a:r>
+          </a:p>
+        </p:txBody>
+      </p:sp>
     </p:spTree>
     <p:extLst>
       <p:ext uri="{BB962C8B-B14F-4D97-AF65-F5344CB8AC3E}">
@@ -4609,6 +4777,46 @@
           </a:fontRef>
         </p:style>
       </p:cxnSp>
+      <p:sp>
+        <p:nvSpPr>
+          <p:cNvPr id="7" name="TextBox 6">
+            <a:extLst>
+              <a:ext uri="{FF2B5EF4-FFF2-40B4-BE49-F238E27FC236}">
+                <a16:creationId xmlns:a16="http://schemas.microsoft.com/office/drawing/2014/main" id="{FB7B0521-0EC3-0D4E-AB34-AD37E036704C}"/>
+              </a:ext>
+            </a:extLst>
+          </p:cNvPr>
+          <p:cNvSpPr txBox="1"/>
+          <p:nvPr/>
+        </p:nvSpPr>
+        <p:spPr>
+          <a:xfrm>
+            <a:off x="1929384" y="6596390"/>
+            <a:ext cx="5285232" cy="261610"/>
+          </a:xfrm>
+          <a:prstGeom prst="rect">
+            <a:avLst/>
+          </a:prstGeom>
+          <a:noFill/>
+        </p:spPr>
+        <p:txBody>
+          <a:bodyPr wrap="square" rtlCol="0">
+            <a:spAutoFit/>
+          </a:bodyPr>
+          <a:lstStyle/>
+          <a:p>
+            <a:pPr algn="ctr"/>
+            <a:r>
+              <a:rPr lang="en-US" sz="1100" dirty="0">
+                <a:solidFill>
+                  <a:schemeClr val="bg1"/>
+                </a:solidFill>
+              </a:rPr>
+              <a:t>University of Bristol Study Space Booking App - SPE</a:t>
+            </a:r>
+          </a:p>
+        </p:txBody>
+      </p:sp>
     </p:spTree>
     <p:extLst>
       <p:ext uri="{BB962C8B-B14F-4D97-AF65-F5344CB8AC3E}">
@@ -4879,6 +5087,46 @@
           </a:p>
         </p:txBody>
       </p:sp>
+      <p:sp>
+        <p:nvSpPr>
+          <p:cNvPr id="9" name="TextBox 8">
+            <a:extLst>
+              <a:ext uri="{FF2B5EF4-FFF2-40B4-BE49-F238E27FC236}">
+                <a16:creationId xmlns:a16="http://schemas.microsoft.com/office/drawing/2014/main" id="{CFA287EF-4DB8-154E-AD35-74214986203C}"/>
+              </a:ext>
+            </a:extLst>
+          </p:cNvPr>
+          <p:cNvSpPr txBox="1"/>
+          <p:nvPr/>
+        </p:nvSpPr>
+        <p:spPr>
+          <a:xfrm>
+            <a:off x="1929384" y="6596390"/>
+            <a:ext cx="5285232" cy="261610"/>
+          </a:xfrm>
+          <a:prstGeom prst="rect">
+            <a:avLst/>
+          </a:prstGeom>
+          <a:noFill/>
+        </p:spPr>
+        <p:txBody>
+          <a:bodyPr wrap="square" rtlCol="0">
+            <a:spAutoFit/>
+          </a:bodyPr>
+          <a:lstStyle/>
+          <a:p>
+            <a:pPr algn="ctr"/>
+            <a:r>
+              <a:rPr lang="en-US" sz="1100" dirty="0">
+                <a:solidFill>
+                  <a:schemeClr val="bg1"/>
+                </a:solidFill>
+              </a:rPr>
+              <a:t>University of Bristol Study Space Booking App - SPE</a:t>
+            </a:r>
+          </a:p>
+        </p:txBody>
+      </p:sp>
     </p:spTree>
     <p:extLst>
       <p:ext uri="{BB962C8B-B14F-4D97-AF65-F5344CB8AC3E}">
@@ -5164,6 +5412,46 @@
           </a:fontRef>
         </p:style>
       </p:cxnSp>
+      <p:sp>
+        <p:nvSpPr>
+          <p:cNvPr id="7" name="TextBox 6">
+            <a:extLst>
+              <a:ext uri="{FF2B5EF4-FFF2-40B4-BE49-F238E27FC236}">
+                <a16:creationId xmlns:a16="http://schemas.microsoft.com/office/drawing/2014/main" id="{33304228-E329-5749-9C16-1F4C497456A6}"/>
+              </a:ext>
+            </a:extLst>
+          </p:cNvPr>
+          <p:cNvSpPr txBox="1"/>
+          <p:nvPr/>
+        </p:nvSpPr>
+        <p:spPr>
+          <a:xfrm>
+            <a:off x="1929384" y="6596390"/>
+            <a:ext cx="5285232" cy="261610"/>
+          </a:xfrm>
+          <a:prstGeom prst="rect">
+            <a:avLst/>
+          </a:prstGeom>
+          <a:noFill/>
+        </p:spPr>
+        <p:txBody>
+          <a:bodyPr wrap="square" rtlCol="0">
+            <a:spAutoFit/>
+          </a:bodyPr>
+          <a:lstStyle/>
+          <a:p>
+            <a:pPr algn="ctr"/>
+            <a:r>
+              <a:rPr lang="en-US" sz="1100" dirty="0">
+                <a:solidFill>
+                  <a:schemeClr val="bg1"/>
+                </a:solidFill>
+              </a:rPr>
+              <a:t>University of Bristol Study Space Booking App - SPE</a:t>
+            </a:r>
+          </a:p>
+        </p:txBody>
+      </p:sp>
     </p:spTree>
     <p:extLst>
       <p:ext uri="{BB962C8B-B14F-4D97-AF65-F5344CB8AC3E}">
@@ -5515,7 +5803,7 @@
         </p:nvSpPr>
         <p:spPr>
           <a:xfrm>
-            <a:off x="4689100" y="1781188"/>
+            <a:off x="2726473" y="400102"/>
             <a:ext cx="3691054" cy="369332"/>
           </a:xfrm>
           <a:prstGeom prst="rect">
@@ -5535,7 +5823,7 @@
                   <a:schemeClr val="bg1"/>
                 </a:solidFill>
               </a:rPr>
-              <a:t>This page displays your  bookings.</a:t>
+              <a:t>This page displays your bookings.</a:t>
             </a:r>
           </a:p>
         </p:txBody>
@@ -5554,7 +5842,7 @@
         </p:nvSpPr>
         <p:spPr>
           <a:xfrm>
-            <a:off x="4689100" y="3429000"/>
+            <a:off x="5335871" y="3908503"/>
             <a:ext cx="3691054" cy="646331"/>
           </a:xfrm>
           <a:prstGeom prst="rect">
@@ -5575,6 +5863,208 @@
                 </a:solidFill>
               </a:rPr>
               <a:t>Click here to see more information about a booking.</a:t>
+            </a:r>
+          </a:p>
+        </p:txBody>
+      </p:sp>
+      <p:pic>
+        <p:nvPicPr>
+          <p:cNvPr id="3" name="Picture 2">
+            <a:extLst>
+              <a:ext uri="{FF2B5EF4-FFF2-40B4-BE49-F238E27FC236}">
+                <a16:creationId xmlns:a16="http://schemas.microsoft.com/office/drawing/2014/main" id="{ECB712DA-2F00-154C-9F02-35830EF8E2F2}"/>
+              </a:ext>
+            </a:extLst>
+          </p:cNvPr>
+          <p:cNvPicPr>
+            <a:picLocks noChangeAspect="1"/>
+          </p:cNvPicPr>
+          <p:nvPr/>
+        </p:nvPicPr>
+        <p:blipFill>
+          <a:blip r:embed="rId2"/>
+          <a:stretch>
+            <a:fillRect/>
+          </a:stretch>
+        </p:blipFill>
+        <p:spPr>
+          <a:xfrm>
+            <a:off x="231913" y="1062658"/>
+            <a:ext cx="4457187" cy="5025908"/>
+          </a:xfrm>
+          <a:prstGeom prst="rect">
+            <a:avLst/>
+          </a:prstGeom>
+        </p:spPr>
+      </p:pic>
+      <p:sp>
+        <p:nvSpPr>
+          <p:cNvPr id="7" name="TextBox 6">
+            <a:extLst>
+              <a:ext uri="{FF2B5EF4-FFF2-40B4-BE49-F238E27FC236}">
+                <a16:creationId xmlns:a16="http://schemas.microsoft.com/office/drawing/2014/main" id="{1992CA42-B804-D74F-84E6-C5409B6A455B}"/>
+              </a:ext>
+            </a:extLst>
+          </p:cNvPr>
+          <p:cNvSpPr txBox="1"/>
+          <p:nvPr/>
+        </p:nvSpPr>
+        <p:spPr>
+          <a:xfrm>
+            <a:off x="5335871" y="1692637"/>
+            <a:ext cx="3691054" cy="369332"/>
+          </a:xfrm>
+          <a:prstGeom prst="rect">
+            <a:avLst/>
+          </a:prstGeom>
+          <a:noFill/>
+        </p:spPr>
+        <p:txBody>
+          <a:bodyPr wrap="square" rtlCol="0">
+            <a:spAutoFit/>
+          </a:bodyPr>
+          <a:lstStyle/>
+          <a:p>
+            <a:r>
+              <a:rPr lang="en-US" dirty="0">
+                <a:solidFill>
+                  <a:schemeClr val="bg1"/>
+                </a:solidFill>
+              </a:rPr>
+              <a:t>Click here to add a new booking</a:t>
+            </a:r>
+          </a:p>
+        </p:txBody>
+      </p:sp>
+      <p:cxnSp>
+        <p:nvCxnSpPr>
+          <p:cNvPr id="8" name="Straight Arrow Connector 7">
+            <a:extLst>
+              <a:ext uri="{FF2B5EF4-FFF2-40B4-BE49-F238E27FC236}">
+                <a16:creationId xmlns:a16="http://schemas.microsoft.com/office/drawing/2014/main" id="{5F6617AC-14BC-884C-98DE-14EF3FE96267}"/>
+              </a:ext>
+            </a:extLst>
+          </p:cNvPr>
+          <p:cNvCxnSpPr>
+            <a:cxnSpLocks/>
+            <a:stCxn id="7" idx="1"/>
+          </p:cNvCxnSpPr>
+          <p:nvPr/>
+        </p:nvCxnSpPr>
+        <p:spPr>
+          <a:xfrm flipH="1" flipV="1">
+            <a:off x="4638907" y="1639229"/>
+            <a:ext cx="696964" cy="238074"/>
+          </a:xfrm>
+          <a:prstGeom prst="straightConnector1">
+            <a:avLst/>
+          </a:prstGeom>
+          <a:ln w="31750">
+            <a:solidFill>
+              <a:schemeClr val="bg2">
+                <a:lumMod val="75000"/>
+              </a:schemeClr>
+            </a:solidFill>
+            <a:tailEnd type="triangle"/>
+          </a:ln>
+        </p:spPr>
+        <p:style>
+          <a:lnRef idx="1">
+            <a:schemeClr val="accent1"/>
+          </a:lnRef>
+          <a:fillRef idx="0">
+            <a:schemeClr val="accent1"/>
+          </a:fillRef>
+          <a:effectRef idx="0">
+            <a:schemeClr val="accent1"/>
+          </a:effectRef>
+          <a:fontRef idx="minor">
+            <a:schemeClr val="tx1"/>
+          </a:fontRef>
+        </p:style>
+      </p:cxnSp>
+      <p:cxnSp>
+        <p:nvCxnSpPr>
+          <p:cNvPr id="9" name="Straight Arrow Connector 8">
+            <a:extLst>
+              <a:ext uri="{FF2B5EF4-FFF2-40B4-BE49-F238E27FC236}">
+                <a16:creationId xmlns:a16="http://schemas.microsoft.com/office/drawing/2014/main" id="{E9FC4778-A284-6445-AD91-A99EF8FD865C}"/>
+              </a:ext>
+            </a:extLst>
+          </p:cNvPr>
+          <p:cNvCxnSpPr>
+            <a:cxnSpLocks/>
+          </p:cNvCxnSpPr>
+          <p:nvPr/>
+        </p:nvCxnSpPr>
+        <p:spPr>
+          <a:xfrm flipH="1" flipV="1">
+            <a:off x="4516244" y="3624146"/>
+            <a:ext cx="819627" cy="500250"/>
+          </a:xfrm>
+          <a:prstGeom prst="straightConnector1">
+            <a:avLst/>
+          </a:prstGeom>
+          <a:ln w="31750">
+            <a:solidFill>
+              <a:schemeClr val="bg2">
+                <a:lumMod val="75000"/>
+              </a:schemeClr>
+            </a:solidFill>
+            <a:tailEnd type="triangle"/>
+          </a:ln>
+        </p:spPr>
+        <p:style>
+          <a:lnRef idx="1">
+            <a:schemeClr val="accent1"/>
+          </a:lnRef>
+          <a:fillRef idx="0">
+            <a:schemeClr val="accent1"/>
+          </a:fillRef>
+          <a:effectRef idx="0">
+            <a:schemeClr val="accent1"/>
+          </a:effectRef>
+          <a:fontRef idx="minor">
+            <a:schemeClr val="tx1"/>
+          </a:fontRef>
+        </p:style>
+      </p:cxnSp>
+      <p:sp>
+        <p:nvSpPr>
+          <p:cNvPr id="13" name="TextBox 12">
+            <a:extLst>
+              <a:ext uri="{FF2B5EF4-FFF2-40B4-BE49-F238E27FC236}">
+                <a16:creationId xmlns:a16="http://schemas.microsoft.com/office/drawing/2014/main" id="{E00C108A-5353-8C40-A02C-7604E249ECC9}"/>
+              </a:ext>
+            </a:extLst>
+          </p:cNvPr>
+          <p:cNvSpPr txBox="1"/>
+          <p:nvPr/>
+        </p:nvSpPr>
+        <p:spPr>
+          <a:xfrm>
+            <a:off x="1929384" y="6596390"/>
+            <a:ext cx="5285232" cy="261610"/>
+          </a:xfrm>
+          <a:prstGeom prst="rect">
+            <a:avLst/>
+          </a:prstGeom>
+          <a:noFill/>
+        </p:spPr>
+        <p:txBody>
+          <a:bodyPr wrap="square" rtlCol="0">
+            <a:spAutoFit/>
+          </a:bodyPr>
+          <a:lstStyle/>
+          <a:p>
+            <a:pPr algn="ctr"/>
+            <a:r>
+              <a:rPr lang="en-US" sz="1100" dirty="0">
+                <a:solidFill>
+                  <a:schemeClr val="bg1"/>
+                </a:solidFill>
+              </a:rPr>
+              <a:t>University of Bristol Study Space Booking App - SPE</a:t>
             </a:r>
           </a:p>
         </p:txBody>
@@ -5817,6 +6307,92 @@
           </a:p>
         </p:txBody>
       </p:sp>
+      <p:cxnSp>
+        <p:nvCxnSpPr>
+          <p:cNvPr id="4" name="Straight Arrow Connector 3">
+            <a:extLst>
+              <a:ext uri="{FF2B5EF4-FFF2-40B4-BE49-F238E27FC236}">
+                <a16:creationId xmlns:a16="http://schemas.microsoft.com/office/drawing/2014/main" id="{D4FFD23B-FFF3-6C48-99C7-27AFCE94DC28}"/>
+              </a:ext>
+            </a:extLst>
+          </p:cNvPr>
+          <p:cNvCxnSpPr>
+            <a:cxnSpLocks/>
+          </p:cNvCxnSpPr>
+          <p:nvPr/>
+        </p:nvCxnSpPr>
+        <p:spPr>
+          <a:xfrm flipH="1">
+            <a:off x="3273552" y="3869122"/>
+            <a:ext cx="1298448" cy="995486"/>
+          </a:xfrm>
+          <a:prstGeom prst="straightConnector1">
+            <a:avLst/>
+          </a:prstGeom>
+          <a:ln w="31750">
+            <a:solidFill>
+              <a:schemeClr val="bg2">
+                <a:lumMod val="75000"/>
+              </a:schemeClr>
+            </a:solidFill>
+            <a:tailEnd type="triangle"/>
+          </a:ln>
+        </p:spPr>
+        <p:style>
+          <a:lnRef idx="1">
+            <a:schemeClr val="accent1"/>
+          </a:lnRef>
+          <a:fillRef idx="0">
+            <a:schemeClr val="accent1"/>
+          </a:fillRef>
+          <a:effectRef idx="0">
+            <a:schemeClr val="accent1"/>
+          </a:effectRef>
+          <a:fontRef idx="minor">
+            <a:schemeClr val="tx1"/>
+          </a:fontRef>
+        </p:style>
+      </p:cxnSp>
+      <p:sp>
+        <p:nvSpPr>
+          <p:cNvPr id="7" name="TextBox 6">
+            <a:extLst>
+              <a:ext uri="{FF2B5EF4-FFF2-40B4-BE49-F238E27FC236}">
+                <a16:creationId xmlns:a16="http://schemas.microsoft.com/office/drawing/2014/main" id="{B90DDDA6-AFFC-EA4D-8611-B9B08A28AA60}"/>
+              </a:ext>
+            </a:extLst>
+          </p:cNvPr>
+          <p:cNvSpPr txBox="1"/>
+          <p:nvPr/>
+        </p:nvSpPr>
+        <p:spPr>
+          <a:xfrm>
+            <a:off x="1929384" y="6596390"/>
+            <a:ext cx="5285232" cy="261610"/>
+          </a:xfrm>
+          <a:prstGeom prst="rect">
+            <a:avLst/>
+          </a:prstGeom>
+          <a:noFill/>
+        </p:spPr>
+        <p:txBody>
+          <a:bodyPr wrap="square" rtlCol="0">
+            <a:spAutoFit/>
+          </a:bodyPr>
+          <a:lstStyle/>
+          <a:p>
+            <a:pPr algn="ctr"/>
+            <a:r>
+              <a:rPr lang="en-US" sz="1100" dirty="0">
+                <a:solidFill>
+                  <a:schemeClr val="bg1"/>
+                </a:solidFill>
+              </a:rPr>
+              <a:t>University of Bristol Study Space Booking App - SPE</a:t>
+            </a:r>
+          </a:p>
+        </p:txBody>
+      </p:sp>
     </p:spTree>
     <p:extLst>
       <p:ext uri="{BB962C8B-B14F-4D97-AF65-F5344CB8AC3E}">
@@ -6055,6 +6631,46 @@
           </a:p>
         </p:txBody>
       </p:sp>
+      <p:sp>
+        <p:nvSpPr>
+          <p:cNvPr id="5" name="TextBox 4">
+            <a:extLst>
+              <a:ext uri="{FF2B5EF4-FFF2-40B4-BE49-F238E27FC236}">
+                <a16:creationId xmlns:a16="http://schemas.microsoft.com/office/drawing/2014/main" id="{36F74ACA-ED65-A14C-9077-961895EF87F1}"/>
+              </a:ext>
+            </a:extLst>
+          </p:cNvPr>
+          <p:cNvSpPr txBox="1"/>
+          <p:nvPr/>
+        </p:nvSpPr>
+        <p:spPr>
+          <a:xfrm>
+            <a:off x="1929384" y="6596390"/>
+            <a:ext cx="5285232" cy="261610"/>
+          </a:xfrm>
+          <a:prstGeom prst="rect">
+            <a:avLst/>
+          </a:prstGeom>
+          <a:noFill/>
+        </p:spPr>
+        <p:txBody>
+          <a:bodyPr wrap="square" rtlCol="0">
+            <a:spAutoFit/>
+          </a:bodyPr>
+          <a:lstStyle/>
+          <a:p>
+            <a:pPr algn="ctr"/>
+            <a:r>
+              <a:rPr lang="en-US" sz="1100" dirty="0">
+                <a:solidFill>
+                  <a:schemeClr val="bg1"/>
+                </a:solidFill>
+              </a:rPr>
+              <a:t>University of Bristol Study Space Booking App - SPE</a:t>
+            </a:r>
+          </a:p>
+        </p:txBody>
+      </p:sp>
     </p:spTree>
     <p:extLst>
       <p:ext uri="{BB962C8B-B14F-4D97-AF65-F5344CB8AC3E}">
@@ -6340,6 +6956,46 @@
           </a:fontRef>
         </p:style>
       </p:cxnSp>
+      <p:sp>
+        <p:nvSpPr>
+          <p:cNvPr id="7" name="TextBox 6">
+            <a:extLst>
+              <a:ext uri="{FF2B5EF4-FFF2-40B4-BE49-F238E27FC236}">
+                <a16:creationId xmlns:a16="http://schemas.microsoft.com/office/drawing/2014/main" id="{86D9ED84-D0DD-7D41-AB94-B37296F0D0AA}"/>
+              </a:ext>
+            </a:extLst>
+          </p:cNvPr>
+          <p:cNvSpPr txBox="1"/>
+          <p:nvPr/>
+        </p:nvSpPr>
+        <p:spPr>
+          <a:xfrm>
+            <a:off x="1929384" y="6596390"/>
+            <a:ext cx="5285232" cy="261610"/>
+          </a:xfrm>
+          <a:prstGeom prst="rect">
+            <a:avLst/>
+          </a:prstGeom>
+          <a:noFill/>
+        </p:spPr>
+        <p:txBody>
+          <a:bodyPr wrap="square" rtlCol="0">
+            <a:spAutoFit/>
+          </a:bodyPr>
+          <a:lstStyle/>
+          <a:p>
+            <a:pPr algn="ctr"/>
+            <a:r>
+              <a:rPr lang="en-US" sz="1100" dirty="0">
+                <a:solidFill>
+                  <a:schemeClr val="bg1"/>
+                </a:solidFill>
+              </a:rPr>
+              <a:t>University of Bristol Study Space Booking App - SPE</a:t>
+            </a:r>
+          </a:p>
+        </p:txBody>
+      </p:sp>
     </p:spTree>
     <p:extLst>
       <p:ext uri="{BB962C8B-B14F-4D97-AF65-F5344CB8AC3E}">
@@ -6629,6 +7285,46 @@
           </a:p>
         </p:txBody>
       </p:sp>
+      <p:sp>
+        <p:nvSpPr>
+          <p:cNvPr id="8" name="TextBox 7">
+            <a:extLst>
+              <a:ext uri="{FF2B5EF4-FFF2-40B4-BE49-F238E27FC236}">
+                <a16:creationId xmlns:a16="http://schemas.microsoft.com/office/drawing/2014/main" id="{8F2CDDAB-62D5-5B4B-9C1A-80A4191AAEEB}"/>
+              </a:ext>
+            </a:extLst>
+          </p:cNvPr>
+          <p:cNvSpPr txBox="1"/>
+          <p:nvPr/>
+        </p:nvSpPr>
+        <p:spPr>
+          <a:xfrm>
+            <a:off x="1929384" y="6596390"/>
+            <a:ext cx="5285232" cy="261610"/>
+          </a:xfrm>
+          <a:prstGeom prst="rect">
+            <a:avLst/>
+          </a:prstGeom>
+          <a:noFill/>
+        </p:spPr>
+        <p:txBody>
+          <a:bodyPr wrap="square" rtlCol="0">
+            <a:spAutoFit/>
+          </a:bodyPr>
+          <a:lstStyle/>
+          <a:p>
+            <a:pPr algn="ctr"/>
+            <a:r>
+              <a:rPr lang="en-US" sz="1100" dirty="0">
+                <a:solidFill>
+                  <a:schemeClr val="bg1"/>
+                </a:solidFill>
+              </a:rPr>
+              <a:t>University of Bristol Study Space Booking App - SPE</a:t>
+            </a:r>
+          </a:p>
+        </p:txBody>
+      </p:sp>
     </p:spTree>
     <p:extLst>
       <p:ext uri="{BB962C8B-B14F-4D97-AF65-F5344CB8AC3E}">
@@ -6944,6 +7640,46 @@
           </a:fontRef>
         </p:style>
       </p:cxnSp>
+      <p:sp>
+        <p:nvSpPr>
+          <p:cNvPr id="7" name="TextBox 6">
+            <a:extLst>
+              <a:ext uri="{FF2B5EF4-FFF2-40B4-BE49-F238E27FC236}">
+                <a16:creationId xmlns:a16="http://schemas.microsoft.com/office/drawing/2014/main" id="{CD85DD60-EB92-D44B-A05B-BAAAAB0871EC}"/>
+              </a:ext>
+            </a:extLst>
+          </p:cNvPr>
+          <p:cNvSpPr txBox="1"/>
+          <p:nvPr/>
+        </p:nvSpPr>
+        <p:spPr>
+          <a:xfrm>
+            <a:off x="1929384" y="6596390"/>
+            <a:ext cx="5285232" cy="261610"/>
+          </a:xfrm>
+          <a:prstGeom prst="rect">
+            <a:avLst/>
+          </a:prstGeom>
+          <a:noFill/>
+        </p:spPr>
+        <p:txBody>
+          <a:bodyPr wrap="square" rtlCol="0">
+            <a:spAutoFit/>
+          </a:bodyPr>
+          <a:lstStyle/>
+          <a:p>
+            <a:pPr algn="ctr"/>
+            <a:r>
+              <a:rPr lang="en-US" sz="1100" dirty="0">
+                <a:solidFill>
+                  <a:schemeClr val="bg1"/>
+                </a:solidFill>
+              </a:rPr>
+              <a:t>University of Bristol Study Space Booking App - SPE</a:t>
+            </a:r>
+          </a:p>
+        </p:txBody>
+      </p:sp>
     </p:spTree>
     <p:extLst>
       <p:ext uri="{BB962C8B-B14F-4D97-AF65-F5344CB8AC3E}">
@@ -7132,7 +7868,7 @@
         </p:nvSpPr>
         <p:spPr>
           <a:xfrm>
-            <a:off x="5324007" y="1407714"/>
+            <a:off x="2726473" y="463681"/>
             <a:ext cx="3691054" cy="646331"/>
           </a:xfrm>
           <a:prstGeom prst="rect">
@@ -7208,6 +7944,209 @@
                 </a:solidFill>
               </a:rPr>
               <a:t> button.</a:t>
+            </a:r>
+          </a:p>
+        </p:txBody>
+      </p:sp>
+      <p:pic>
+        <p:nvPicPr>
+          <p:cNvPr id="3" name="Picture 2">
+            <a:extLst>
+              <a:ext uri="{FF2B5EF4-FFF2-40B4-BE49-F238E27FC236}">
+                <a16:creationId xmlns:a16="http://schemas.microsoft.com/office/drawing/2014/main" id="{99C11A6E-ACA8-324C-8284-339151BB1834}"/>
+              </a:ext>
+            </a:extLst>
+          </p:cNvPr>
+          <p:cNvPicPr>
+            <a:picLocks noChangeAspect="1"/>
+          </p:cNvPicPr>
+          <p:nvPr/>
+        </p:nvPicPr>
+        <p:blipFill>
+          <a:blip r:embed="rId2"/>
+          <a:stretch>
+            <a:fillRect/>
+          </a:stretch>
+        </p:blipFill>
+        <p:spPr>
+          <a:xfrm>
+            <a:off x="368782" y="1834588"/>
+            <a:ext cx="4236565" cy="4236565"/>
+          </a:xfrm>
+          <a:prstGeom prst="rect">
+            <a:avLst/>
+          </a:prstGeom>
+        </p:spPr>
+      </p:pic>
+      <p:cxnSp>
+        <p:nvCxnSpPr>
+          <p:cNvPr id="6" name="Straight Arrow Connector 5">
+            <a:extLst>
+              <a:ext uri="{FF2B5EF4-FFF2-40B4-BE49-F238E27FC236}">
+                <a16:creationId xmlns:a16="http://schemas.microsoft.com/office/drawing/2014/main" id="{0592C188-F966-BF4F-AE55-026C63C60D66}"/>
+              </a:ext>
+            </a:extLst>
+          </p:cNvPr>
+          <p:cNvCxnSpPr>
+            <a:cxnSpLocks/>
+            <a:stCxn id="5" idx="1"/>
+          </p:cNvCxnSpPr>
+          <p:nvPr/>
+        </p:nvCxnSpPr>
+        <p:spPr>
+          <a:xfrm flipH="1" flipV="1">
+            <a:off x="4389120" y="4133088"/>
+            <a:ext cx="695044" cy="865740"/>
+          </a:xfrm>
+          <a:prstGeom prst="straightConnector1">
+            <a:avLst/>
+          </a:prstGeom>
+          <a:ln w="31750">
+            <a:solidFill>
+              <a:schemeClr val="bg2">
+                <a:lumMod val="75000"/>
+              </a:schemeClr>
+            </a:solidFill>
+            <a:tailEnd type="triangle"/>
+          </a:ln>
+        </p:spPr>
+        <p:style>
+          <a:lnRef idx="1">
+            <a:schemeClr val="accent1"/>
+          </a:lnRef>
+          <a:fillRef idx="0">
+            <a:schemeClr val="accent1"/>
+          </a:fillRef>
+          <a:effectRef idx="0">
+            <a:schemeClr val="accent1"/>
+          </a:effectRef>
+          <a:fontRef idx="minor">
+            <a:schemeClr val="tx1"/>
+          </a:fontRef>
+        </p:style>
+      </p:cxnSp>
+      <p:cxnSp>
+        <p:nvCxnSpPr>
+          <p:cNvPr id="7" name="Straight Arrow Connector 6">
+            <a:extLst>
+              <a:ext uri="{FF2B5EF4-FFF2-40B4-BE49-F238E27FC236}">
+                <a16:creationId xmlns:a16="http://schemas.microsoft.com/office/drawing/2014/main" id="{35274A73-BD7D-9E4A-A55E-ED8C71F56C01}"/>
+              </a:ext>
+            </a:extLst>
+          </p:cNvPr>
+          <p:cNvCxnSpPr>
+            <a:cxnSpLocks/>
+            <a:stCxn id="8" idx="1"/>
+          </p:cNvCxnSpPr>
+          <p:nvPr/>
+        </p:nvCxnSpPr>
+        <p:spPr>
+          <a:xfrm flipH="1" flipV="1">
+            <a:off x="4605347" y="2247287"/>
+            <a:ext cx="478817" cy="43014"/>
+          </a:xfrm>
+          <a:prstGeom prst="straightConnector1">
+            <a:avLst/>
+          </a:prstGeom>
+          <a:ln w="31750">
+            <a:solidFill>
+              <a:schemeClr val="bg2">
+                <a:lumMod val="75000"/>
+              </a:schemeClr>
+            </a:solidFill>
+            <a:tailEnd type="triangle"/>
+          </a:ln>
+        </p:spPr>
+        <p:style>
+          <a:lnRef idx="1">
+            <a:schemeClr val="accent1"/>
+          </a:lnRef>
+          <a:fillRef idx="0">
+            <a:schemeClr val="accent1"/>
+          </a:fillRef>
+          <a:effectRef idx="0">
+            <a:schemeClr val="accent1"/>
+          </a:effectRef>
+          <a:fontRef idx="minor">
+            <a:schemeClr val="tx1"/>
+          </a:fontRef>
+        </p:style>
+      </p:cxnSp>
+      <p:sp>
+        <p:nvSpPr>
+          <p:cNvPr id="8" name="TextBox 7">
+            <a:extLst>
+              <a:ext uri="{FF2B5EF4-FFF2-40B4-BE49-F238E27FC236}">
+                <a16:creationId xmlns:a16="http://schemas.microsoft.com/office/drawing/2014/main" id="{850A2480-D459-8642-9C60-D60F20A18941}"/>
+              </a:ext>
+            </a:extLst>
+          </p:cNvPr>
+          <p:cNvSpPr txBox="1"/>
+          <p:nvPr/>
+        </p:nvSpPr>
+        <p:spPr>
+          <a:xfrm>
+            <a:off x="5084164" y="2105635"/>
+            <a:ext cx="3691054" cy="369332"/>
+          </a:xfrm>
+          <a:prstGeom prst="rect">
+            <a:avLst/>
+          </a:prstGeom>
+          <a:noFill/>
+        </p:spPr>
+        <p:txBody>
+          <a:bodyPr wrap="square" rtlCol="0">
+            <a:spAutoFit/>
+          </a:bodyPr>
+          <a:lstStyle/>
+          <a:p>
+            <a:r>
+              <a:rPr lang="en-US" dirty="0">
+                <a:solidFill>
+                  <a:schemeClr val="bg1"/>
+                </a:solidFill>
+              </a:rPr>
+              <a:t>Click here to add a new user</a:t>
+            </a:r>
+          </a:p>
+        </p:txBody>
+      </p:sp>
+      <p:sp>
+        <p:nvSpPr>
+          <p:cNvPr id="13" name="TextBox 12">
+            <a:extLst>
+              <a:ext uri="{FF2B5EF4-FFF2-40B4-BE49-F238E27FC236}">
+                <a16:creationId xmlns:a16="http://schemas.microsoft.com/office/drawing/2014/main" id="{0830878F-A287-4C40-BC99-14B7B74AE4F0}"/>
+              </a:ext>
+            </a:extLst>
+          </p:cNvPr>
+          <p:cNvSpPr txBox="1"/>
+          <p:nvPr/>
+        </p:nvSpPr>
+        <p:spPr>
+          <a:xfrm>
+            <a:off x="1929384" y="6596390"/>
+            <a:ext cx="5285232" cy="261610"/>
+          </a:xfrm>
+          <a:prstGeom prst="rect">
+            <a:avLst/>
+          </a:prstGeom>
+          <a:noFill/>
+        </p:spPr>
+        <p:txBody>
+          <a:bodyPr wrap="square" rtlCol="0">
+            <a:spAutoFit/>
+          </a:bodyPr>
+          <a:lstStyle/>
+          <a:p>
+            <a:pPr algn="ctr"/>
+            <a:r>
+              <a:rPr lang="en-US" sz="1100" dirty="0">
+                <a:solidFill>
+                  <a:schemeClr val="bg1"/>
+                </a:solidFill>
+              </a:rPr>
+              <a:t>University of Bristol Study Space Booking App - SPE</a:t>
             </a:r>
           </a:p>
         </p:txBody>
@@ -7650,6 +8589,46 @@
           </a:fontRef>
         </p:style>
       </p:cxnSp>
+      <p:sp>
+        <p:nvSpPr>
+          <p:cNvPr id="11" name="TextBox 10">
+            <a:extLst>
+              <a:ext uri="{FF2B5EF4-FFF2-40B4-BE49-F238E27FC236}">
+                <a16:creationId xmlns:a16="http://schemas.microsoft.com/office/drawing/2014/main" id="{75839648-AC39-6046-BE66-DB31E457FF7E}"/>
+              </a:ext>
+            </a:extLst>
+          </p:cNvPr>
+          <p:cNvSpPr txBox="1"/>
+          <p:nvPr/>
+        </p:nvSpPr>
+        <p:spPr>
+          <a:xfrm>
+            <a:off x="1929384" y="6596390"/>
+            <a:ext cx="5285232" cy="261610"/>
+          </a:xfrm>
+          <a:prstGeom prst="rect">
+            <a:avLst/>
+          </a:prstGeom>
+          <a:noFill/>
+        </p:spPr>
+        <p:txBody>
+          <a:bodyPr wrap="square" rtlCol="0">
+            <a:spAutoFit/>
+          </a:bodyPr>
+          <a:lstStyle/>
+          <a:p>
+            <a:pPr algn="ctr"/>
+            <a:r>
+              <a:rPr lang="en-US" sz="1100" dirty="0">
+                <a:solidFill>
+                  <a:schemeClr val="bg1"/>
+                </a:solidFill>
+              </a:rPr>
+              <a:t>University of Bristol Study Space Booking App - SPE</a:t>
+            </a:r>
+          </a:p>
+        </p:txBody>
+      </p:sp>
     </p:spTree>
     <p:extLst>
       <p:ext uri="{BB962C8B-B14F-4D97-AF65-F5344CB8AC3E}">
@@ -7935,6 +8914,46 @@
           </a:fontRef>
         </p:style>
       </p:cxnSp>
+      <p:sp>
+        <p:nvSpPr>
+          <p:cNvPr id="7" name="TextBox 6">
+            <a:extLst>
+              <a:ext uri="{FF2B5EF4-FFF2-40B4-BE49-F238E27FC236}">
+                <a16:creationId xmlns:a16="http://schemas.microsoft.com/office/drawing/2014/main" id="{07CBD1DC-6EA1-834B-9CD2-2EE326507CC1}"/>
+              </a:ext>
+            </a:extLst>
+          </p:cNvPr>
+          <p:cNvSpPr txBox="1"/>
+          <p:nvPr/>
+        </p:nvSpPr>
+        <p:spPr>
+          <a:xfrm>
+            <a:off x="1929384" y="6596390"/>
+            <a:ext cx="5285232" cy="261610"/>
+          </a:xfrm>
+          <a:prstGeom prst="rect">
+            <a:avLst/>
+          </a:prstGeom>
+          <a:noFill/>
+        </p:spPr>
+        <p:txBody>
+          <a:bodyPr wrap="square" rtlCol="0">
+            <a:spAutoFit/>
+          </a:bodyPr>
+          <a:lstStyle/>
+          <a:p>
+            <a:pPr algn="ctr"/>
+            <a:r>
+              <a:rPr lang="en-US" sz="1100" dirty="0">
+                <a:solidFill>
+                  <a:schemeClr val="bg1"/>
+                </a:solidFill>
+              </a:rPr>
+              <a:t>University of Bristol Study Space Booking App - SPE</a:t>
+            </a:r>
+          </a:p>
+        </p:txBody>
+      </p:sp>
     </p:spTree>
     <p:extLst>
       <p:ext uri="{BB962C8B-B14F-4D97-AF65-F5344CB8AC3E}">
@@ -7965,37 +8984,664 @@
           <a:chExt cx="0" cy="0"/>
         </a:xfrm>
       </p:grpSpPr>
-      <p:sp>
-        <p:nvSpPr>
-          <p:cNvPr id="2" name="Title 1">
-            <a:extLst>
-              <a:ext uri="{FF2B5EF4-FFF2-40B4-BE49-F238E27FC236}">
-                <a16:creationId xmlns:a16="http://schemas.microsoft.com/office/drawing/2014/main" id="{C25BE830-11B7-004E-89C2-4430CCC27C1E}"/>
-              </a:ext>
-            </a:extLst>
-          </p:cNvPr>
-          <p:cNvSpPr>
-            <a:spLocks noGrp="1"/>
-          </p:cNvSpPr>
-          <p:nvPr>
-            <p:ph type="title"/>
-          </p:nvPr>
-        </p:nvSpPr>
-        <p:spPr/>
-        <p:txBody>
-          <a:bodyPr/>
-          <a:lstStyle/>
-          <a:p>
-            <a:endParaRPr lang="en-US"/>
-          </a:p>
-        </p:txBody>
-      </p:sp>
+      <p:pic>
+        <p:nvPicPr>
+          <p:cNvPr id="14" name="Picture 13">
+            <a:extLst>
+              <a:ext uri="{FF2B5EF4-FFF2-40B4-BE49-F238E27FC236}">
+                <a16:creationId xmlns:a16="http://schemas.microsoft.com/office/drawing/2014/main" id="{3C10249E-4AC3-C045-AC1D-D16C2456A1B9}"/>
+              </a:ext>
+            </a:extLst>
+          </p:cNvPr>
+          <p:cNvPicPr>
+            <a:picLocks noChangeAspect="1"/>
+          </p:cNvPicPr>
+          <p:nvPr/>
+        </p:nvPicPr>
+        <p:blipFill>
+          <a:blip r:embed="rId2"/>
+          <a:stretch>
+            <a:fillRect/>
+          </a:stretch>
+        </p:blipFill>
+        <p:spPr>
+          <a:xfrm>
+            <a:off x="465388" y="737499"/>
+            <a:ext cx="3012259" cy="5339915"/>
+          </a:xfrm>
+          <a:prstGeom prst="rect">
+            <a:avLst/>
+          </a:prstGeom>
+        </p:spPr>
+      </p:pic>
+      <p:sp>
+        <p:nvSpPr>
+          <p:cNvPr id="11" name="TextBox 10">
+            <a:extLst>
+              <a:ext uri="{FF2B5EF4-FFF2-40B4-BE49-F238E27FC236}">
+                <a16:creationId xmlns:a16="http://schemas.microsoft.com/office/drawing/2014/main" id="{219661EE-A150-C54B-9A39-95C6F3EA42F9}"/>
+              </a:ext>
+            </a:extLst>
+          </p:cNvPr>
+          <p:cNvSpPr txBox="1"/>
+          <p:nvPr/>
+        </p:nvSpPr>
+        <p:spPr>
+          <a:xfrm>
+            <a:off x="4987558" y="2967335"/>
+            <a:ext cx="3691054" cy="923330"/>
+          </a:xfrm>
+          <a:prstGeom prst="rect">
+            <a:avLst/>
+          </a:prstGeom>
+          <a:noFill/>
+        </p:spPr>
+        <p:txBody>
+          <a:bodyPr wrap="square" rtlCol="0">
+            <a:spAutoFit/>
+          </a:bodyPr>
+          <a:lstStyle/>
+          <a:p>
+            <a:r>
+              <a:rPr lang="en-US" dirty="0">
+                <a:solidFill>
+                  <a:schemeClr val="bg1"/>
+                </a:solidFill>
+              </a:rPr>
+              <a:t>Fill in these fields with the corresponding information, then click submit</a:t>
+            </a:r>
+          </a:p>
+        </p:txBody>
+      </p:sp>
+      <p:cxnSp>
+        <p:nvCxnSpPr>
+          <p:cNvPr id="12" name="Straight Arrow Connector 11">
+            <a:extLst>
+              <a:ext uri="{FF2B5EF4-FFF2-40B4-BE49-F238E27FC236}">
+                <a16:creationId xmlns:a16="http://schemas.microsoft.com/office/drawing/2014/main" id="{854EF685-1EA3-A447-9AEE-19426DA33394}"/>
+              </a:ext>
+            </a:extLst>
+          </p:cNvPr>
+          <p:cNvCxnSpPr>
+            <a:cxnSpLocks/>
+            <a:stCxn id="11" idx="1"/>
+          </p:cNvCxnSpPr>
+          <p:nvPr/>
+        </p:nvCxnSpPr>
+        <p:spPr>
+          <a:xfrm flipH="1" flipV="1">
+            <a:off x="3282848" y="1888762"/>
+            <a:ext cx="1704710" cy="1540238"/>
+          </a:xfrm>
+          <a:prstGeom prst="straightConnector1">
+            <a:avLst/>
+          </a:prstGeom>
+          <a:ln w="31750">
+            <a:solidFill>
+              <a:schemeClr val="bg2">
+                <a:lumMod val="75000"/>
+              </a:schemeClr>
+            </a:solidFill>
+            <a:tailEnd type="triangle"/>
+          </a:ln>
+        </p:spPr>
+        <p:style>
+          <a:lnRef idx="1">
+            <a:schemeClr val="accent1"/>
+          </a:lnRef>
+          <a:fillRef idx="0">
+            <a:schemeClr val="accent1"/>
+          </a:fillRef>
+          <a:effectRef idx="0">
+            <a:schemeClr val="accent1"/>
+          </a:effectRef>
+          <a:fontRef idx="minor">
+            <a:schemeClr val="tx1"/>
+          </a:fontRef>
+        </p:style>
+      </p:cxnSp>
+      <p:cxnSp>
+        <p:nvCxnSpPr>
+          <p:cNvPr id="15" name="Straight Arrow Connector 14">
+            <a:extLst>
+              <a:ext uri="{FF2B5EF4-FFF2-40B4-BE49-F238E27FC236}">
+                <a16:creationId xmlns:a16="http://schemas.microsoft.com/office/drawing/2014/main" id="{EEBF2C6F-0142-A346-AA62-712DD8C4B9A4}"/>
+              </a:ext>
+            </a:extLst>
+          </p:cNvPr>
+          <p:cNvCxnSpPr>
+            <a:cxnSpLocks/>
+            <a:stCxn id="11" idx="1"/>
+          </p:cNvCxnSpPr>
+          <p:nvPr/>
+        </p:nvCxnSpPr>
+        <p:spPr>
+          <a:xfrm flipH="1" flipV="1">
+            <a:off x="3326424" y="2350428"/>
+            <a:ext cx="1661134" cy="1078572"/>
+          </a:xfrm>
+          <a:prstGeom prst="straightConnector1">
+            <a:avLst/>
+          </a:prstGeom>
+          <a:ln w="31750">
+            <a:solidFill>
+              <a:schemeClr val="bg2">
+                <a:lumMod val="75000"/>
+              </a:schemeClr>
+            </a:solidFill>
+            <a:tailEnd type="triangle"/>
+          </a:ln>
+        </p:spPr>
+        <p:style>
+          <a:lnRef idx="1">
+            <a:schemeClr val="accent1"/>
+          </a:lnRef>
+          <a:fillRef idx="0">
+            <a:schemeClr val="accent1"/>
+          </a:fillRef>
+          <a:effectRef idx="0">
+            <a:schemeClr val="accent1"/>
+          </a:effectRef>
+          <a:fontRef idx="minor">
+            <a:schemeClr val="tx1"/>
+          </a:fontRef>
+        </p:style>
+      </p:cxnSp>
+      <p:cxnSp>
+        <p:nvCxnSpPr>
+          <p:cNvPr id="16" name="Straight Arrow Connector 15">
+            <a:extLst>
+              <a:ext uri="{FF2B5EF4-FFF2-40B4-BE49-F238E27FC236}">
+                <a16:creationId xmlns:a16="http://schemas.microsoft.com/office/drawing/2014/main" id="{5C0ED123-556B-1B4C-BA41-87E437413F7A}"/>
+              </a:ext>
+            </a:extLst>
+          </p:cNvPr>
+          <p:cNvCxnSpPr>
+            <a:cxnSpLocks/>
+            <a:stCxn id="11" idx="1"/>
+          </p:cNvCxnSpPr>
+          <p:nvPr/>
+        </p:nvCxnSpPr>
+        <p:spPr>
+          <a:xfrm flipH="1" flipV="1">
+            <a:off x="3326424" y="2889714"/>
+            <a:ext cx="1661134" cy="539286"/>
+          </a:xfrm>
+          <a:prstGeom prst="straightConnector1">
+            <a:avLst/>
+          </a:prstGeom>
+          <a:ln w="31750">
+            <a:solidFill>
+              <a:schemeClr val="bg2">
+                <a:lumMod val="75000"/>
+              </a:schemeClr>
+            </a:solidFill>
+            <a:tailEnd type="triangle"/>
+          </a:ln>
+        </p:spPr>
+        <p:style>
+          <a:lnRef idx="1">
+            <a:schemeClr val="accent1"/>
+          </a:lnRef>
+          <a:fillRef idx="0">
+            <a:schemeClr val="accent1"/>
+          </a:fillRef>
+          <a:effectRef idx="0">
+            <a:schemeClr val="accent1"/>
+          </a:effectRef>
+          <a:fontRef idx="minor">
+            <a:schemeClr val="tx1"/>
+          </a:fontRef>
+        </p:style>
+      </p:cxnSp>
+      <p:cxnSp>
+        <p:nvCxnSpPr>
+          <p:cNvPr id="17" name="Straight Arrow Connector 16">
+            <a:extLst>
+              <a:ext uri="{FF2B5EF4-FFF2-40B4-BE49-F238E27FC236}">
+                <a16:creationId xmlns:a16="http://schemas.microsoft.com/office/drawing/2014/main" id="{9B73F151-CE7B-2947-A0FC-8FDB7C09837E}"/>
+              </a:ext>
+            </a:extLst>
+          </p:cNvPr>
+          <p:cNvCxnSpPr>
+            <a:cxnSpLocks/>
+            <a:stCxn id="11" idx="1"/>
+          </p:cNvCxnSpPr>
+          <p:nvPr/>
+        </p:nvCxnSpPr>
+        <p:spPr>
+          <a:xfrm flipH="1" flipV="1">
+            <a:off x="3326426" y="3297838"/>
+            <a:ext cx="1661132" cy="131162"/>
+          </a:xfrm>
+          <a:prstGeom prst="straightConnector1">
+            <a:avLst/>
+          </a:prstGeom>
+          <a:ln w="31750">
+            <a:solidFill>
+              <a:schemeClr val="bg2">
+                <a:lumMod val="75000"/>
+              </a:schemeClr>
+            </a:solidFill>
+            <a:tailEnd type="triangle"/>
+          </a:ln>
+        </p:spPr>
+        <p:style>
+          <a:lnRef idx="1">
+            <a:schemeClr val="accent1"/>
+          </a:lnRef>
+          <a:fillRef idx="0">
+            <a:schemeClr val="accent1"/>
+          </a:fillRef>
+          <a:effectRef idx="0">
+            <a:schemeClr val="accent1"/>
+          </a:effectRef>
+          <a:fontRef idx="minor">
+            <a:schemeClr val="tx1"/>
+          </a:fontRef>
+        </p:style>
+      </p:cxnSp>
+      <p:sp>
+        <p:nvSpPr>
+          <p:cNvPr id="8" name="TextBox 7">
+            <a:extLst>
+              <a:ext uri="{FF2B5EF4-FFF2-40B4-BE49-F238E27FC236}">
+                <a16:creationId xmlns:a16="http://schemas.microsoft.com/office/drawing/2014/main" id="{2342873D-15EB-1B45-B3FA-C2D1CAAFC2A2}"/>
+              </a:ext>
+            </a:extLst>
+          </p:cNvPr>
+          <p:cNvSpPr txBox="1"/>
+          <p:nvPr/>
+        </p:nvSpPr>
+        <p:spPr>
+          <a:xfrm>
+            <a:off x="1929384" y="6596390"/>
+            <a:ext cx="5285232" cy="261610"/>
+          </a:xfrm>
+          <a:prstGeom prst="rect">
+            <a:avLst/>
+          </a:prstGeom>
+          <a:noFill/>
+        </p:spPr>
+        <p:txBody>
+          <a:bodyPr wrap="square" rtlCol="0">
+            <a:spAutoFit/>
+          </a:bodyPr>
+          <a:lstStyle/>
+          <a:p>
+            <a:pPr algn="ctr"/>
+            <a:r>
+              <a:rPr lang="en-US" sz="1100" dirty="0">
+                <a:solidFill>
+                  <a:schemeClr val="bg1"/>
+                </a:solidFill>
+              </a:rPr>
+              <a:t>University of Bristol Study Space Booking App - SPE</a:t>
+            </a:r>
+          </a:p>
+        </p:txBody>
+      </p:sp>
+    </p:spTree>
+    <p:extLst>
+      <p:ext uri="{BB962C8B-B14F-4D97-AF65-F5344CB8AC3E}">
+        <p14:creationId xmlns:p14="http://schemas.microsoft.com/office/powerpoint/2010/main" val="318291079"/>
+      </p:ext>
+    </p:extLst>
+  </p:cSld>
+  <p:clrMapOvr>
+    <a:masterClrMapping/>
+  </p:clrMapOvr>
+</p:sld>
+</file>
+
+<file path=ppt/slides/slide35.xml><?xml version="1.0" encoding="utf-8"?>
+<p:sld xmlns:a="http://schemas.openxmlformats.org/drawingml/2006/main" xmlns:r="http://schemas.openxmlformats.org/officeDocument/2006/relationships" xmlns:p="http://schemas.openxmlformats.org/presentationml/2006/main">
+  <p:cSld>
+    <p:spTree>
+      <p:nvGrpSpPr>
+        <p:cNvPr id="1" name=""/>
+        <p:cNvGrpSpPr/>
+        <p:nvPr/>
+      </p:nvGrpSpPr>
+      <p:grpSpPr>
+        <a:xfrm>
+          <a:off x="0" y="0"/>
+          <a:ext cx="0" cy="0"/>
+          <a:chOff x="0" y="0"/>
+          <a:chExt cx="0" cy="0"/>
+        </a:xfrm>
+      </p:grpSpPr>
+      <p:pic>
+        <p:nvPicPr>
+          <p:cNvPr id="4" name="Picture 3">
+            <a:extLst>
+              <a:ext uri="{FF2B5EF4-FFF2-40B4-BE49-F238E27FC236}">
+                <a16:creationId xmlns:a16="http://schemas.microsoft.com/office/drawing/2014/main" id="{0AFD0A45-9CBF-BA4A-8DB9-BCC73F8C9CD0}"/>
+              </a:ext>
+            </a:extLst>
+          </p:cNvPr>
+          <p:cNvPicPr>
+            <a:picLocks noChangeAspect="1"/>
+          </p:cNvPicPr>
+          <p:nvPr/>
+        </p:nvPicPr>
+        <p:blipFill rotWithShape="1">
+          <a:blip r:embed="rId2"/>
+          <a:srcRect r="71078"/>
+          <a:stretch/>
+        </p:blipFill>
+        <p:spPr>
+          <a:xfrm>
+            <a:off x="1174570" y="2551814"/>
+            <a:ext cx="1767582" cy="1754372"/>
+          </a:xfrm>
+          <a:prstGeom prst="rect">
+            <a:avLst/>
+          </a:prstGeom>
+        </p:spPr>
+      </p:pic>
+      <p:cxnSp>
+        <p:nvCxnSpPr>
+          <p:cNvPr id="5" name="Straight Connector 4">
+            <a:extLst>
+              <a:ext uri="{FF2B5EF4-FFF2-40B4-BE49-F238E27FC236}">
+                <a16:creationId xmlns:a16="http://schemas.microsoft.com/office/drawing/2014/main" id="{CE3343EB-67CE-AA4B-9A96-1D1B3577F73E}"/>
+              </a:ext>
+            </a:extLst>
+          </p:cNvPr>
+          <p:cNvCxnSpPr/>
+          <p:nvPr/>
+        </p:nvCxnSpPr>
+        <p:spPr>
+          <a:xfrm>
+            <a:off x="3680422" y="1685261"/>
+            <a:ext cx="0" cy="3487479"/>
+          </a:xfrm>
+          <a:prstGeom prst="line">
+            <a:avLst/>
+          </a:prstGeom>
+          <a:ln w="38100">
+            <a:solidFill>
+              <a:schemeClr val="bg1"/>
+            </a:solidFill>
+          </a:ln>
+        </p:spPr>
+        <p:style>
+          <a:lnRef idx="1">
+            <a:schemeClr val="accent1"/>
+          </a:lnRef>
+          <a:fillRef idx="0">
+            <a:schemeClr val="accent1"/>
+          </a:fillRef>
+          <a:effectRef idx="0">
+            <a:schemeClr val="accent1"/>
+          </a:effectRef>
+          <a:fontRef idx="minor">
+            <a:schemeClr val="tx1"/>
+          </a:fontRef>
+        </p:style>
+      </p:cxnSp>
+      <p:sp>
+        <p:nvSpPr>
+          <p:cNvPr id="6" name="TextBox 5">
+            <a:extLst>
+              <a:ext uri="{FF2B5EF4-FFF2-40B4-BE49-F238E27FC236}">
+                <a16:creationId xmlns:a16="http://schemas.microsoft.com/office/drawing/2014/main" id="{D8B5770B-AF73-EC4E-9CA8-813EE4888781}"/>
+              </a:ext>
+            </a:extLst>
+          </p:cNvPr>
+          <p:cNvSpPr txBox="1"/>
+          <p:nvPr/>
+        </p:nvSpPr>
+        <p:spPr>
+          <a:xfrm>
+            <a:off x="4337824" y="3136613"/>
+            <a:ext cx="4047893" cy="584775"/>
+          </a:xfrm>
+          <a:prstGeom prst="rect">
+            <a:avLst/>
+          </a:prstGeom>
+          <a:noFill/>
+        </p:spPr>
+        <p:txBody>
+          <a:bodyPr wrap="square" rtlCol="0">
+            <a:spAutoFit/>
+          </a:bodyPr>
+          <a:lstStyle/>
+          <a:p>
+            <a:r>
+              <a:rPr lang="en-US" sz="3200" dirty="0">
+                <a:solidFill>
+                  <a:schemeClr val="bg1"/>
+                </a:solidFill>
+              </a:rPr>
+              <a:t>Viewing statistics</a:t>
+            </a:r>
+          </a:p>
+        </p:txBody>
+      </p:sp>
+    </p:spTree>
+    <p:extLst>
+      <p:ext uri="{BB962C8B-B14F-4D97-AF65-F5344CB8AC3E}">
+        <p14:creationId xmlns:p14="http://schemas.microsoft.com/office/powerpoint/2010/main" val="2638719734"/>
+      </p:ext>
+    </p:extLst>
+  </p:cSld>
+  <p:clrMapOvr>
+    <a:masterClrMapping/>
+  </p:clrMapOvr>
+</p:sld>
+</file>
+
+<file path=ppt/slides/slide36.xml><?xml version="1.0" encoding="utf-8"?>
+<p:sld xmlns:a="http://schemas.openxmlformats.org/drawingml/2006/main" xmlns:r="http://schemas.openxmlformats.org/officeDocument/2006/relationships" xmlns:p="http://schemas.openxmlformats.org/presentationml/2006/main">
+  <p:cSld>
+    <p:spTree>
+      <p:nvGrpSpPr>
+        <p:cNvPr id="1" name=""/>
+        <p:cNvGrpSpPr/>
+        <p:nvPr/>
+      </p:nvGrpSpPr>
+      <p:grpSpPr>
+        <a:xfrm>
+          <a:off x="0" y="0"/>
+          <a:ext cx="0" cy="0"/>
+          <a:chOff x="0" y="0"/>
+          <a:chExt cx="0" cy="0"/>
+        </a:xfrm>
+      </p:grpSpPr>
+      <p:pic>
+        <p:nvPicPr>
+          <p:cNvPr id="4" name="Picture 3">
+            <a:extLst>
+              <a:ext uri="{FF2B5EF4-FFF2-40B4-BE49-F238E27FC236}">
+                <a16:creationId xmlns:a16="http://schemas.microsoft.com/office/drawing/2014/main" id="{DA1009A1-62CB-E545-93B8-5C3DDBF59DDF}"/>
+              </a:ext>
+            </a:extLst>
+          </p:cNvPr>
+          <p:cNvPicPr>
+            <a:picLocks noChangeAspect="1"/>
+          </p:cNvPicPr>
+          <p:nvPr/>
+        </p:nvPicPr>
+        <p:blipFill>
+          <a:blip r:embed="rId2"/>
+          <a:stretch>
+            <a:fillRect/>
+          </a:stretch>
+        </p:blipFill>
+        <p:spPr>
+          <a:xfrm>
+            <a:off x="465390" y="737501"/>
+            <a:ext cx="3012258" cy="5339913"/>
+          </a:xfrm>
+          <a:prstGeom prst="rect">
+            <a:avLst/>
+          </a:prstGeom>
+        </p:spPr>
+      </p:pic>
+      <p:sp>
+        <p:nvSpPr>
+          <p:cNvPr id="5" name="TextBox 4">
+            <a:extLst>
+              <a:ext uri="{FF2B5EF4-FFF2-40B4-BE49-F238E27FC236}">
+                <a16:creationId xmlns:a16="http://schemas.microsoft.com/office/drawing/2014/main" id="{26EF07A2-94BA-F64B-AF79-CE6190149C4B}"/>
+              </a:ext>
+            </a:extLst>
+          </p:cNvPr>
+          <p:cNvSpPr txBox="1"/>
+          <p:nvPr/>
+        </p:nvSpPr>
+        <p:spPr>
+          <a:xfrm>
+            <a:off x="4987556" y="4082362"/>
+            <a:ext cx="3691054" cy="646331"/>
+          </a:xfrm>
+          <a:prstGeom prst="rect">
+            <a:avLst/>
+          </a:prstGeom>
+          <a:noFill/>
+        </p:spPr>
+        <p:txBody>
+          <a:bodyPr wrap="square" rtlCol="0">
+            <a:spAutoFit/>
+          </a:bodyPr>
+          <a:lstStyle/>
+          <a:p>
+            <a:r>
+              <a:rPr lang="en-US" dirty="0">
+                <a:solidFill>
+                  <a:schemeClr val="bg1"/>
+                </a:solidFill>
+              </a:rPr>
+              <a:t>From the administrator home screen, users should click ‘View Statistics’</a:t>
+            </a:r>
+          </a:p>
+        </p:txBody>
+      </p:sp>
+      <p:cxnSp>
+        <p:nvCxnSpPr>
+          <p:cNvPr id="6" name="Straight Arrow Connector 5">
+            <a:extLst>
+              <a:ext uri="{FF2B5EF4-FFF2-40B4-BE49-F238E27FC236}">
+                <a16:creationId xmlns:a16="http://schemas.microsoft.com/office/drawing/2014/main" id="{61855315-7D57-4943-AD6C-80D85D95EBBF}"/>
+              </a:ext>
+            </a:extLst>
+          </p:cNvPr>
+          <p:cNvCxnSpPr>
+            <a:cxnSpLocks/>
+            <a:stCxn id="5" idx="1"/>
+          </p:cNvCxnSpPr>
+          <p:nvPr/>
+        </p:nvCxnSpPr>
+        <p:spPr>
+          <a:xfrm flipH="1" flipV="1">
+            <a:off x="3297836" y="4182256"/>
+            <a:ext cx="1689720" cy="223272"/>
+          </a:xfrm>
+          <a:prstGeom prst="straightConnector1">
+            <a:avLst/>
+          </a:prstGeom>
+          <a:ln w="31750">
+            <a:solidFill>
+              <a:schemeClr val="bg2">
+                <a:lumMod val="75000"/>
+              </a:schemeClr>
+            </a:solidFill>
+            <a:tailEnd type="triangle"/>
+          </a:ln>
+        </p:spPr>
+        <p:style>
+          <a:lnRef idx="1">
+            <a:schemeClr val="accent1"/>
+          </a:lnRef>
+          <a:fillRef idx="0">
+            <a:schemeClr val="accent1"/>
+          </a:fillRef>
+          <a:effectRef idx="0">
+            <a:schemeClr val="accent1"/>
+          </a:effectRef>
+          <a:fontRef idx="minor">
+            <a:schemeClr val="tx1"/>
+          </a:fontRef>
+        </p:style>
+      </p:cxnSp>
+      <p:sp>
+        <p:nvSpPr>
+          <p:cNvPr id="7" name="TextBox 6">
+            <a:extLst>
+              <a:ext uri="{FF2B5EF4-FFF2-40B4-BE49-F238E27FC236}">
+                <a16:creationId xmlns:a16="http://schemas.microsoft.com/office/drawing/2014/main" id="{327D540B-39D4-374C-A743-85C86C20C52A}"/>
+              </a:ext>
+            </a:extLst>
+          </p:cNvPr>
+          <p:cNvSpPr txBox="1"/>
+          <p:nvPr/>
+        </p:nvSpPr>
+        <p:spPr>
+          <a:xfrm>
+            <a:off x="1929384" y="6596390"/>
+            <a:ext cx="5285232" cy="261610"/>
+          </a:xfrm>
+          <a:prstGeom prst="rect">
+            <a:avLst/>
+          </a:prstGeom>
+          <a:noFill/>
+        </p:spPr>
+        <p:txBody>
+          <a:bodyPr wrap="square" rtlCol="0">
+            <a:spAutoFit/>
+          </a:bodyPr>
+          <a:lstStyle/>
+          <a:p>
+            <a:pPr algn="ctr"/>
+            <a:r>
+              <a:rPr lang="en-US" sz="1100" dirty="0">
+                <a:solidFill>
+                  <a:schemeClr val="bg1"/>
+                </a:solidFill>
+              </a:rPr>
+              <a:t>University of Bristol Study Space Booking App - SPE</a:t>
+            </a:r>
+          </a:p>
+        </p:txBody>
+      </p:sp>
+    </p:spTree>
+    <p:extLst>
+      <p:ext uri="{BB962C8B-B14F-4D97-AF65-F5344CB8AC3E}">
+        <p14:creationId xmlns:p14="http://schemas.microsoft.com/office/powerpoint/2010/main" val="2830761211"/>
+      </p:ext>
+    </p:extLst>
+  </p:cSld>
+  <p:clrMapOvr>
+    <a:masterClrMapping/>
+  </p:clrMapOvr>
+</p:sld>
+</file>
+
+<file path=ppt/slides/slide37.xml><?xml version="1.0" encoding="utf-8"?>
+<p:sld xmlns:a="http://schemas.openxmlformats.org/drawingml/2006/main" xmlns:r="http://schemas.openxmlformats.org/officeDocument/2006/relationships" xmlns:p="http://schemas.openxmlformats.org/presentationml/2006/main">
+  <p:cSld>
+    <p:spTree>
+      <p:nvGrpSpPr>
+        <p:cNvPr id="1" name=""/>
+        <p:cNvGrpSpPr/>
+        <p:nvPr/>
+      </p:nvGrpSpPr>
+      <p:grpSpPr>
+        <a:xfrm>
+          <a:off x="0" y="0"/>
+          <a:ext cx="0" cy="0"/>
+          <a:chOff x="0" y="0"/>
+          <a:chExt cx="0" cy="0"/>
+        </a:xfrm>
+      </p:grpSpPr>
       <p:sp>
         <p:nvSpPr>
           <p:cNvPr id="3" name="Content Placeholder 2">
             <a:extLst>
               <a:ext uri="{FF2B5EF4-FFF2-40B4-BE49-F238E27FC236}">
-                <a16:creationId xmlns:a16="http://schemas.microsoft.com/office/drawing/2014/main" id="{6A41E400-A092-B547-B6A8-E390CF8D8FE5}"/>
+                <a16:creationId xmlns:a16="http://schemas.microsoft.com/office/drawing/2014/main" id="{7A6D2A7D-6C72-AE4B-A17C-04ADA644749E}"/>
               </a:ext>
             </a:extLst>
           </p:cNvPr>
@@ -8006,19 +9652,84 @@
             <p:ph idx="1"/>
           </p:nvPr>
         </p:nvSpPr>
-        <p:spPr/>
+        <p:spPr>
+          <a:xfrm>
+            <a:off x="628650" y="2939321"/>
+            <a:ext cx="7886700" cy="979359"/>
+          </a:xfrm>
+        </p:spPr>
         <p:txBody>
           <a:bodyPr/>
           <a:lstStyle/>
           <a:p>
-            <a:endParaRPr lang="en-US"/>
+            <a:pPr marL="0" indent="0">
+              <a:buNone/>
+            </a:pPr>
+            <a:r>
+              <a:rPr lang="en-US" dirty="0">
+                <a:solidFill>
+                  <a:schemeClr val="bg1"/>
+                </a:solidFill>
+              </a:rPr>
+              <a:t>For all further enquiries or questions please contact the Engineering Department in the Queens Building.</a:t>
+            </a:r>
+          </a:p>
+          <a:p>
+            <a:pPr marL="0" indent="0">
+              <a:buNone/>
+            </a:pPr>
+            <a:endParaRPr lang="en-US" dirty="0">
+              <a:solidFill>
+                <a:schemeClr val="bg1"/>
+              </a:solidFill>
+            </a:endParaRPr>
+          </a:p>
+        </p:txBody>
+      </p:sp>
+      <p:sp>
+        <p:nvSpPr>
+          <p:cNvPr id="2" name="TextBox 1">
+            <a:extLst>
+              <a:ext uri="{FF2B5EF4-FFF2-40B4-BE49-F238E27FC236}">
+                <a16:creationId xmlns:a16="http://schemas.microsoft.com/office/drawing/2014/main" id="{B3007A08-F810-8743-A1FE-E2AB4F5A17D8}"/>
+              </a:ext>
+            </a:extLst>
+          </p:cNvPr>
+          <p:cNvSpPr txBox="1"/>
+          <p:nvPr/>
+        </p:nvSpPr>
+        <p:spPr>
+          <a:xfrm>
+            <a:off x="1929384" y="6596390"/>
+            <a:ext cx="5285232" cy="261610"/>
+          </a:xfrm>
+          <a:prstGeom prst="rect">
+            <a:avLst/>
+          </a:prstGeom>
+          <a:noFill/>
+        </p:spPr>
+        <p:txBody>
+          <a:bodyPr wrap="square" rtlCol="0">
+            <a:spAutoFit/>
+          </a:bodyPr>
+          <a:lstStyle/>
+          <a:p>
+            <a:pPr algn="ctr"/>
+            <a:r>
+              <a:rPr lang="en-US" sz="1100" dirty="0">
+                <a:solidFill>
+                  <a:schemeClr val="bg1"/>
+                </a:solidFill>
+              </a:rPr>
+              <a:t>University of Bristol Study Space Booking App - SPE</a:t>
+            </a:r>
           </a:p>
         </p:txBody>
       </p:sp>
     </p:spTree>
     <p:extLst>
       <p:ext uri="{BB962C8B-B14F-4D97-AF65-F5344CB8AC3E}">
-        <p14:creationId xmlns:p14="http://schemas.microsoft.com/office/powerpoint/2010/main" val="318291079"/>
+        <p14:creationId xmlns:p14="http://schemas.microsoft.com/office/powerpoint/2010/main" val="3693994552"/>
       </p:ext>
     </p:extLst>
   </p:cSld>
@@ -8157,6 +9868,46 @@
                 </a:solidFill>
               </a:rPr>
               <a:t>This manual explains how to use the website correctly. Please read and understand thoroughly before using the product. For all further questions please contact the Engineering Department in the Queens Building.</a:t>
+            </a:r>
+          </a:p>
+        </p:txBody>
+      </p:sp>
+      <p:sp>
+        <p:nvSpPr>
+          <p:cNvPr id="3" name="TextBox 2">
+            <a:extLst>
+              <a:ext uri="{FF2B5EF4-FFF2-40B4-BE49-F238E27FC236}">
+                <a16:creationId xmlns:a16="http://schemas.microsoft.com/office/drawing/2014/main" id="{684DB57C-280B-6549-AC32-0AD403DB2ACB}"/>
+              </a:ext>
+            </a:extLst>
+          </p:cNvPr>
+          <p:cNvSpPr txBox="1"/>
+          <p:nvPr/>
+        </p:nvSpPr>
+        <p:spPr>
+          <a:xfrm>
+            <a:off x="1929384" y="6596390"/>
+            <a:ext cx="5285232" cy="261610"/>
+          </a:xfrm>
+          <a:prstGeom prst="rect">
+            <a:avLst/>
+          </a:prstGeom>
+          <a:noFill/>
+        </p:spPr>
+        <p:txBody>
+          <a:bodyPr wrap="square" rtlCol="0">
+            <a:spAutoFit/>
+          </a:bodyPr>
+          <a:lstStyle/>
+          <a:p>
+            <a:pPr algn="ctr"/>
+            <a:r>
+              <a:rPr lang="en-US" sz="1100" dirty="0">
+                <a:solidFill>
+                  <a:schemeClr val="bg1"/>
+                </a:solidFill>
+              </a:rPr>
+              <a:t>University of Bristol Study Space Booking App - SPE</a:t>
             </a:r>
           </a:p>
         </p:txBody>
@@ -8709,6 +10460,46 @@
           </a:fontRef>
         </p:style>
       </p:cxnSp>
+      <p:sp>
+        <p:nvSpPr>
+          <p:cNvPr id="11" name="TextBox 10">
+            <a:extLst>
+              <a:ext uri="{FF2B5EF4-FFF2-40B4-BE49-F238E27FC236}">
+                <a16:creationId xmlns:a16="http://schemas.microsoft.com/office/drawing/2014/main" id="{188D6205-08CF-BB4F-9896-15D038ABD238}"/>
+              </a:ext>
+            </a:extLst>
+          </p:cNvPr>
+          <p:cNvSpPr txBox="1"/>
+          <p:nvPr/>
+        </p:nvSpPr>
+        <p:spPr>
+          <a:xfrm>
+            <a:off x="1929384" y="6596390"/>
+            <a:ext cx="5285232" cy="261610"/>
+          </a:xfrm>
+          <a:prstGeom prst="rect">
+            <a:avLst/>
+          </a:prstGeom>
+          <a:noFill/>
+        </p:spPr>
+        <p:txBody>
+          <a:bodyPr wrap="square" rtlCol="0">
+            <a:spAutoFit/>
+          </a:bodyPr>
+          <a:lstStyle/>
+          <a:p>
+            <a:pPr algn="ctr"/>
+            <a:r>
+              <a:rPr lang="en-US" sz="1100" dirty="0">
+                <a:solidFill>
+                  <a:schemeClr val="bg1"/>
+                </a:solidFill>
+              </a:rPr>
+              <a:t>University of Bristol Study Space Booking App - SPE</a:t>
+            </a:r>
+          </a:p>
+        </p:txBody>
+      </p:sp>
     </p:spTree>
     <p:extLst>
       <p:ext uri="{BB962C8B-B14F-4D97-AF65-F5344CB8AC3E}">
@@ -8855,6 +10646,46 @@
           </a:fontRef>
         </p:style>
       </p:cxnSp>
+      <p:sp>
+        <p:nvSpPr>
+          <p:cNvPr id="5" name="TextBox 4">
+            <a:extLst>
+              <a:ext uri="{FF2B5EF4-FFF2-40B4-BE49-F238E27FC236}">
+                <a16:creationId xmlns:a16="http://schemas.microsoft.com/office/drawing/2014/main" id="{BEB88B2F-DEA3-7242-A6A3-98F06A2AB7B4}"/>
+              </a:ext>
+            </a:extLst>
+          </p:cNvPr>
+          <p:cNvSpPr txBox="1"/>
+          <p:nvPr/>
+        </p:nvSpPr>
+        <p:spPr>
+          <a:xfrm>
+            <a:off x="1929384" y="6596390"/>
+            <a:ext cx="5285232" cy="261610"/>
+          </a:xfrm>
+          <a:prstGeom prst="rect">
+            <a:avLst/>
+          </a:prstGeom>
+          <a:noFill/>
+        </p:spPr>
+        <p:txBody>
+          <a:bodyPr wrap="square" rtlCol="0">
+            <a:spAutoFit/>
+          </a:bodyPr>
+          <a:lstStyle/>
+          <a:p>
+            <a:pPr algn="ctr"/>
+            <a:r>
+              <a:rPr lang="en-US" sz="1100" dirty="0">
+                <a:solidFill>
+                  <a:schemeClr val="bg1"/>
+                </a:solidFill>
+              </a:rPr>
+              <a:t>University of Bristol Study Space Booking App - SPE</a:t>
+            </a:r>
+          </a:p>
+        </p:txBody>
+      </p:sp>
     </p:spTree>
     <p:extLst>
       <p:ext uri="{BB962C8B-B14F-4D97-AF65-F5344CB8AC3E}">
@@ -9001,6 +10832,46 @@
           </a:fontRef>
         </p:style>
       </p:cxnSp>
+      <p:sp>
+        <p:nvSpPr>
+          <p:cNvPr id="5" name="TextBox 4">
+            <a:extLst>
+              <a:ext uri="{FF2B5EF4-FFF2-40B4-BE49-F238E27FC236}">
+                <a16:creationId xmlns:a16="http://schemas.microsoft.com/office/drawing/2014/main" id="{337AB5AA-249F-8645-801C-67C4FD6AEEA5}"/>
+              </a:ext>
+            </a:extLst>
+          </p:cNvPr>
+          <p:cNvSpPr txBox="1"/>
+          <p:nvPr/>
+        </p:nvSpPr>
+        <p:spPr>
+          <a:xfrm>
+            <a:off x="1929384" y="6596390"/>
+            <a:ext cx="5285232" cy="261610"/>
+          </a:xfrm>
+          <a:prstGeom prst="rect">
+            <a:avLst/>
+          </a:prstGeom>
+          <a:noFill/>
+        </p:spPr>
+        <p:txBody>
+          <a:bodyPr wrap="square" rtlCol="0">
+            <a:spAutoFit/>
+          </a:bodyPr>
+          <a:lstStyle/>
+          <a:p>
+            <a:pPr algn="ctr"/>
+            <a:r>
+              <a:rPr lang="en-US" sz="1100" dirty="0">
+                <a:solidFill>
+                  <a:schemeClr val="bg1"/>
+                </a:solidFill>
+              </a:rPr>
+              <a:t>University of Bristol Study Space Booking App - SPE</a:t>
+            </a:r>
+          </a:p>
+        </p:txBody>
+      </p:sp>
     </p:spTree>
     <p:extLst>
       <p:ext uri="{BB962C8B-B14F-4D97-AF65-F5344CB8AC3E}">

--- a/Not_Main_Application/UserManual.pptx
+++ b/Not_Main_Application/UserManual.pptx
@@ -5,7 +5,7 @@
     <p:sldMasterId id="2147483660" r:id="rId1"/>
   </p:sldMasterIdLst>
   <p:notesMasterIdLst>
-    <p:notesMasterId r:id="rId39"/>
+    <p:notesMasterId r:id="rId42"/>
   </p:notesMasterIdLst>
   <p:sldIdLst>
     <p:sldId id="256" r:id="rId2"/>
@@ -43,8 +43,11 @@
     <p:sldId id="288" r:id="rId34"/>
     <p:sldId id="289" r:id="rId35"/>
     <p:sldId id="290" r:id="rId36"/>
-    <p:sldId id="291" r:id="rId37"/>
-    <p:sldId id="292" r:id="rId38"/>
+    <p:sldId id="294" r:id="rId37"/>
+    <p:sldId id="295" r:id="rId38"/>
+    <p:sldId id="293" r:id="rId39"/>
+    <p:sldId id="291" r:id="rId40"/>
+    <p:sldId id="292" r:id="rId41"/>
   </p:sldIdLst>
   <p:sldSz cx="9144000" cy="6858000" type="screen4x3"/>
   <p:notesSz cx="6858000" cy="9144000"/>
@@ -233,7 +236,7 @@
           <a:p>
             <a:fld id="{C128E5F2-3E43-A348-95A4-0CE0A417E92A}" type="datetimeFigureOut">
               <a:rPr lang="en-US" smtClean="0"/>
-              <a:t>4/17/19</a:t>
+              <a:t>4/18/19</a:t>
             </a:fld>
             <a:endParaRPr lang="en-US"/>
           </a:p>
@@ -715,7 +718,7 @@
           <a:p>
             <a:fld id="{79CC520B-3C03-A146-A34E-02F1D56BE37F}" type="datetimeFigureOut">
               <a:rPr lang="en-US" smtClean="0"/>
-              <a:t>4/17/19</a:t>
+              <a:t>4/18/19</a:t>
             </a:fld>
             <a:endParaRPr lang="en-US"/>
           </a:p>
@@ -885,7 +888,7 @@
           <a:p>
             <a:fld id="{79CC520B-3C03-A146-A34E-02F1D56BE37F}" type="datetimeFigureOut">
               <a:rPr lang="en-US" smtClean="0"/>
-              <a:t>4/17/19</a:t>
+              <a:t>4/18/19</a:t>
             </a:fld>
             <a:endParaRPr lang="en-US"/>
           </a:p>
@@ -1065,7 +1068,7 @@
           <a:p>
             <a:fld id="{79CC520B-3C03-A146-A34E-02F1D56BE37F}" type="datetimeFigureOut">
               <a:rPr lang="en-US" smtClean="0"/>
-              <a:t>4/17/19</a:t>
+              <a:t>4/18/19</a:t>
             </a:fld>
             <a:endParaRPr lang="en-US"/>
           </a:p>
@@ -1235,7 +1238,7 @@
           <a:p>
             <a:fld id="{79CC520B-3C03-A146-A34E-02F1D56BE37F}" type="datetimeFigureOut">
               <a:rPr lang="en-US" smtClean="0"/>
-              <a:t>4/17/19</a:t>
+              <a:t>4/18/19</a:t>
             </a:fld>
             <a:endParaRPr lang="en-US"/>
           </a:p>
@@ -1479,7 +1482,7 @@
           <a:p>
             <a:fld id="{79CC520B-3C03-A146-A34E-02F1D56BE37F}" type="datetimeFigureOut">
               <a:rPr lang="en-US" smtClean="0"/>
-              <a:t>4/17/19</a:t>
+              <a:t>4/18/19</a:t>
             </a:fld>
             <a:endParaRPr lang="en-US"/>
           </a:p>
@@ -1711,7 +1714,7 @@
           <a:p>
             <a:fld id="{79CC520B-3C03-A146-A34E-02F1D56BE37F}" type="datetimeFigureOut">
               <a:rPr lang="en-US" smtClean="0"/>
-              <a:t>4/17/19</a:t>
+              <a:t>4/18/19</a:t>
             </a:fld>
             <a:endParaRPr lang="en-US"/>
           </a:p>
@@ -2078,7 +2081,7 @@
           <a:p>
             <a:fld id="{79CC520B-3C03-A146-A34E-02F1D56BE37F}" type="datetimeFigureOut">
               <a:rPr lang="en-US" smtClean="0"/>
-              <a:t>4/17/19</a:t>
+              <a:t>4/18/19</a:t>
             </a:fld>
             <a:endParaRPr lang="en-US"/>
           </a:p>
@@ -2196,7 +2199,7 @@
           <a:p>
             <a:fld id="{79CC520B-3C03-A146-A34E-02F1D56BE37F}" type="datetimeFigureOut">
               <a:rPr lang="en-US" smtClean="0"/>
-              <a:t>4/17/19</a:t>
+              <a:t>4/18/19</a:t>
             </a:fld>
             <a:endParaRPr lang="en-US"/>
           </a:p>
@@ -2291,7 +2294,7 @@
           <a:p>
             <a:fld id="{79CC520B-3C03-A146-A34E-02F1D56BE37F}" type="datetimeFigureOut">
               <a:rPr lang="en-US" smtClean="0"/>
-              <a:t>4/17/19</a:t>
+              <a:t>4/18/19</a:t>
             </a:fld>
             <a:endParaRPr lang="en-US"/>
           </a:p>
@@ -2568,7 +2571,7 @@
           <a:p>
             <a:fld id="{79CC520B-3C03-A146-A34E-02F1D56BE37F}" type="datetimeFigureOut">
               <a:rPr lang="en-US" smtClean="0"/>
-              <a:t>4/17/19</a:t>
+              <a:t>4/18/19</a:t>
             </a:fld>
             <a:endParaRPr lang="en-US"/>
           </a:p>
@@ -2825,7 +2828,7 @@
           <a:p>
             <a:fld id="{79CC520B-3C03-A146-A34E-02F1D56BE37F}" type="datetimeFigureOut">
               <a:rPr lang="en-US" smtClean="0"/>
-              <a:t>4/17/19</a:t>
+              <a:t>4/18/19</a:t>
             </a:fld>
             <a:endParaRPr lang="en-US"/>
           </a:p>
@@ -3041,7 +3044,7 @@
           <a:p>
             <a:fld id="{79CC520B-3C03-A146-A34E-02F1D56BE37F}" type="datetimeFigureOut">
               <a:rPr lang="en-US" smtClean="0"/>
-              <a:t>4/17/19</a:t>
+              <a:t>4/18/19</a:t>
             </a:fld>
             <a:endParaRPr lang="en-US"/>
           </a:p>
@@ -5566,8 +5569,8 @@
         </p:nvSpPr>
         <p:spPr>
           <a:xfrm>
-            <a:off x="4337824" y="628234"/>
-            <a:ext cx="4047893" cy="5601533"/>
+            <a:off x="4337824" y="489734"/>
+            <a:ext cx="4047893" cy="5878532"/>
           </a:xfrm>
           <a:prstGeom prst="rect">
             <a:avLst/>
@@ -5745,6 +5748,16 @@
                 </a:solidFill>
               </a:rPr>
               <a:t>	Adding a new user</a:t>
+            </a:r>
+          </a:p>
+          <a:p>
+            <a:r>
+              <a:rPr lang="en-US" dirty="0">
+                <a:solidFill>
+                  <a:schemeClr val="bg1"/>
+                </a:solidFill>
+              </a:rPr>
+              <a:t>	Viewing all bookings</a:t>
             </a:r>
           </a:p>
           <a:p>
@@ -5803,8 +5816,8 @@
         </p:nvSpPr>
         <p:spPr>
           <a:xfrm>
-            <a:off x="2726473" y="400102"/>
-            <a:ext cx="3691054" cy="369332"/>
+            <a:off x="2726473" y="172884"/>
+            <a:ext cx="3691054" cy="646331"/>
           </a:xfrm>
           <a:prstGeom prst="rect">
             <a:avLst/>
@@ -5823,7 +5836,7 @@
                   <a:schemeClr val="bg1"/>
                 </a:solidFill>
               </a:rPr>
-              <a:t>This page displays your bookings.</a:t>
+              <a:t>This page displays your future bookings.</a:t>
             </a:r>
           </a:p>
         </p:txBody>
@@ -9415,7 +9428,7 @@
                   <a:schemeClr val="bg1"/>
                 </a:solidFill>
               </a:rPr>
-              <a:t>Viewing statistics</a:t>
+              <a:t>Viewing all bookings</a:t>
             </a:r>
           </a:p>
         </p:txBody>
@@ -9455,7 +9468,7 @@
           <p:cNvPr id="4" name="Picture 3">
             <a:extLst>
               <a:ext uri="{FF2B5EF4-FFF2-40B4-BE49-F238E27FC236}">
-                <a16:creationId xmlns:a16="http://schemas.microsoft.com/office/drawing/2014/main" id="{DA1009A1-62CB-E545-93B8-5C3DDBF59DDF}"/>
+                <a16:creationId xmlns:a16="http://schemas.microsoft.com/office/drawing/2014/main" id="{B7D90541-4F50-1840-9458-FA8963BEED8E}"/>
               </a:ext>
             </a:extLst>
           </p:cNvPr>
@@ -9485,7 +9498,7 @@
           <p:cNvPr id="5" name="TextBox 4">
             <a:extLst>
               <a:ext uri="{FF2B5EF4-FFF2-40B4-BE49-F238E27FC236}">
-                <a16:creationId xmlns:a16="http://schemas.microsoft.com/office/drawing/2014/main" id="{26EF07A2-94BA-F64B-AF79-CE6190149C4B}"/>
+                <a16:creationId xmlns:a16="http://schemas.microsoft.com/office/drawing/2014/main" id="{FE228A56-55A8-EE42-9677-6DD6F5004324}"/>
               </a:ext>
             </a:extLst>
           </p:cNvPr>
@@ -9494,7 +9507,7 @@
         </p:nvSpPr>
         <p:spPr>
           <a:xfrm>
-            <a:off x="4987556" y="4082362"/>
+            <a:off x="4987556" y="2204135"/>
             <a:ext cx="3691054" cy="646331"/>
           </a:xfrm>
           <a:prstGeom prst="rect">
@@ -9514,7 +9527,7 @@
                   <a:schemeClr val="bg1"/>
                 </a:solidFill>
               </a:rPr>
-              <a:t>From the administrator home screen, users should click ‘View Statistics’</a:t>
+              <a:t>From the administrator home screen, users should click ‘View bookings’</a:t>
             </a:r>
           </a:p>
         </p:txBody>
@@ -9524,7 +9537,7 @@
           <p:cNvPr id="6" name="Straight Arrow Connector 5">
             <a:extLst>
               <a:ext uri="{FF2B5EF4-FFF2-40B4-BE49-F238E27FC236}">
-                <a16:creationId xmlns:a16="http://schemas.microsoft.com/office/drawing/2014/main" id="{61855315-7D57-4943-AD6C-80D85D95EBBF}"/>
+                <a16:creationId xmlns:a16="http://schemas.microsoft.com/office/drawing/2014/main" id="{BE2B1468-FE1B-7747-AE05-366309A982C9}"/>
               </a:ext>
             </a:extLst>
           </p:cNvPr>
@@ -9536,8 +9549,8 @@
         </p:nvCxnSpPr>
         <p:spPr>
           <a:xfrm flipH="1" flipV="1">
-            <a:off x="3297836" y="4182256"/>
-            <a:ext cx="1689720" cy="223272"/>
+            <a:off x="3282846" y="1944265"/>
+            <a:ext cx="1704710" cy="583036"/>
           </a:xfrm>
           <a:prstGeom prst="straightConnector1">
             <a:avLst/>
@@ -9571,7 +9584,7 @@
           <p:cNvPr id="7" name="TextBox 6">
             <a:extLst>
               <a:ext uri="{FF2B5EF4-FFF2-40B4-BE49-F238E27FC236}">
-                <a16:creationId xmlns:a16="http://schemas.microsoft.com/office/drawing/2014/main" id="{327D540B-39D4-374C-A743-85C86C20C52A}"/>
+                <a16:creationId xmlns:a16="http://schemas.microsoft.com/office/drawing/2014/main" id="{A6F4895D-D2CF-B543-96A0-341E5E0DA616}"/>
               </a:ext>
             </a:extLst>
           </p:cNvPr>
@@ -9609,7 +9622,7 @@
     </p:spTree>
     <p:extLst>
       <p:ext uri="{BB962C8B-B14F-4D97-AF65-F5344CB8AC3E}">
-        <p14:creationId xmlns:p14="http://schemas.microsoft.com/office/powerpoint/2010/main" val="2830761211"/>
+        <p14:creationId xmlns:p14="http://schemas.microsoft.com/office/powerpoint/2010/main" val="730902301"/>
       </p:ext>
     </p:extLst>
   </p:cSld>
@@ -9636,62 +9649,42 @@
           <a:chExt cx="0" cy="0"/>
         </a:xfrm>
       </p:grpSpPr>
-      <p:sp>
-        <p:nvSpPr>
-          <p:cNvPr id="3" name="Content Placeholder 2">
-            <a:extLst>
-              <a:ext uri="{FF2B5EF4-FFF2-40B4-BE49-F238E27FC236}">
-                <a16:creationId xmlns:a16="http://schemas.microsoft.com/office/drawing/2014/main" id="{7A6D2A7D-6C72-AE4B-A17C-04ADA644749E}"/>
-              </a:ext>
-            </a:extLst>
-          </p:cNvPr>
-          <p:cNvSpPr>
-            <a:spLocks noGrp="1"/>
-          </p:cNvSpPr>
-          <p:nvPr>
-            <p:ph idx="1"/>
-          </p:nvPr>
-        </p:nvSpPr>
-        <p:spPr>
-          <a:xfrm>
-            <a:off x="628650" y="2939321"/>
-            <a:ext cx="7886700" cy="979359"/>
-          </a:xfrm>
-        </p:spPr>
-        <p:txBody>
-          <a:bodyPr/>
-          <a:lstStyle/>
-          <a:p>
-            <a:pPr marL="0" indent="0">
-              <a:buNone/>
-            </a:pPr>
-            <a:r>
-              <a:rPr lang="en-US" dirty="0">
-                <a:solidFill>
-                  <a:schemeClr val="bg1"/>
-                </a:solidFill>
-              </a:rPr>
-              <a:t>For all further enquiries or questions please contact the Engineering Department in the Queens Building.</a:t>
-            </a:r>
-          </a:p>
-          <a:p>
-            <a:pPr marL="0" indent="0">
-              <a:buNone/>
-            </a:pPr>
-            <a:endParaRPr lang="en-US" dirty="0">
-              <a:solidFill>
-                <a:schemeClr val="bg1"/>
-              </a:solidFill>
-            </a:endParaRPr>
-          </a:p>
-        </p:txBody>
-      </p:sp>
-      <p:sp>
-        <p:nvSpPr>
-          <p:cNvPr id="2" name="TextBox 1">
-            <a:extLst>
-              <a:ext uri="{FF2B5EF4-FFF2-40B4-BE49-F238E27FC236}">
-                <a16:creationId xmlns:a16="http://schemas.microsoft.com/office/drawing/2014/main" id="{B3007A08-F810-8743-A1FE-E2AB4F5A17D8}"/>
+      <p:pic>
+        <p:nvPicPr>
+          <p:cNvPr id="12" name="Picture 11">
+            <a:extLst>
+              <a:ext uri="{FF2B5EF4-FFF2-40B4-BE49-F238E27FC236}">
+                <a16:creationId xmlns:a16="http://schemas.microsoft.com/office/drawing/2014/main" id="{E0E5522B-91E0-5947-AD47-3AA09A7C8F4E}"/>
+              </a:ext>
+            </a:extLst>
+          </p:cNvPr>
+          <p:cNvPicPr>
+            <a:picLocks noChangeAspect="1"/>
+          </p:cNvPicPr>
+          <p:nvPr/>
+        </p:nvPicPr>
+        <p:blipFill>
+          <a:blip r:embed="rId2"/>
+          <a:stretch>
+            <a:fillRect/>
+          </a:stretch>
+        </p:blipFill>
+        <p:spPr>
+          <a:xfrm>
+            <a:off x="340152" y="1057688"/>
+            <a:ext cx="4523057" cy="4742623"/>
+          </a:xfrm>
+          <a:prstGeom prst="rect">
+            <a:avLst/>
+          </a:prstGeom>
+        </p:spPr>
+      </p:pic>
+      <p:sp>
+        <p:nvSpPr>
+          <p:cNvPr id="4" name="TextBox 3">
+            <a:extLst>
+              <a:ext uri="{FF2B5EF4-FFF2-40B4-BE49-F238E27FC236}">
+                <a16:creationId xmlns:a16="http://schemas.microsoft.com/office/drawing/2014/main" id="{676F0553-09FF-544A-BFC1-C2060108AD0D}"/>
               </a:ext>
             </a:extLst>
           </p:cNvPr>
@@ -9700,8 +9693,8 @@
         </p:nvSpPr>
         <p:spPr>
           <a:xfrm>
-            <a:off x="1929384" y="6596390"/>
-            <a:ext cx="5285232" cy="261610"/>
+            <a:off x="1929384" y="172884"/>
+            <a:ext cx="5285232" cy="646331"/>
           </a:xfrm>
           <a:prstGeom prst="rect">
             <a:avLst/>
@@ -9714,6 +9707,130 @@
           </a:bodyPr>
           <a:lstStyle/>
           <a:p>
+            <a:r>
+              <a:rPr lang="en-US" dirty="0">
+                <a:solidFill>
+                  <a:schemeClr val="bg1"/>
+                </a:solidFill>
+              </a:rPr>
+              <a:t>This page displays all users’ future bookings, along with which user made the booking</a:t>
+            </a:r>
+          </a:p>
+        </p:txBody>
+      </p:sp>
+      <p:sp>
+        <p:nvSpPr>
+          <p:cNvPr id="5" name="TextBox 4">
+            <a:extLst>
+              <a:ext uri="{FF2B5EF4-FFF2-40B4-BE49-F238E27FC236}">
+                <a16:creationId xmlns:a16="http://schemas.microsoft.com/office/drawing/2014/main" id="{350119A1-49B7-934D-A5C5-F2C92A593ED6}"/>
+              </a:ext>
+            </a:extLst>
+          </p:cNvPr>
+          <p:cNvSpPr txBox="1"/>
+          <p:nvPr/>
+        </p:nvSpPr>
+        <p:spPr>
+          <a:xfrm>
+            <a:off x="5335871" y="5552019"/>
+            <a:ext cx="3691054" cy="923330"/>
+          </a:xfrm>
+          <a:prstGeom prst="rect">
+            <a:avLst/>
+          </a:prstGeom>
+          <a:noFill/>
+        </p:spPr>
+        <p:txBody>
+          <a:bodyPr wrap="square" rtlCol="0">
+            <a:spAutoFit/>
+          </a:bodyPr>
+          <a:lstStyle/>
+          <a:p>
+            <a:r>
+              <a:rPr lang="en-US" dirty="0">
+                <a:solidFill>
+                  <a:schemeClr val="bg1"/>
+                </a:solidFill>
+              </a:rPr>
+              <a:t>Click here to see more information about a booking. The booking can be cancelled from here</a:t>
+            </a:r>
+          </a:p>
+        </p:txBody>
+      </p:sp>
+      <p:cxnSp>
+        <p:nvCxnSpPr>
+          <p:cNvPr id="9" name="Straight Arrow Connector 8">
+            <a:extLst>
+              <a:ext uri="{FF2B5EF4-FFF2-40B4-BE49-F238E27FC236}">
+                <a16:creationId xmlns:a16="http://schemas.microsoft.com/office/drawing/2014/main" id="{F85C5E52-E8C9-194A-AB70-953AF64CFE8E}"/>
+              </a:ext>
+            </a:extLst>
+          </p:cNvPr>
+          <p:cNvCxnSpPr>
+            <a:cxnSpLocks/>
+          </p:cNvCxnSpPr>
+          <p:nvPr/>
+        </p:nvCxnSpPr>
+        <p:spPr>
+          <a:xfrm flipH="1" flipV="1">
+            <a:off x="4689728" y="4852749"/>
+            <a:ext cx="646143" cy="699270"/>
+          </a:xfrm>
+          <a:prstGeom prst="straightConnector1">
+            <a:avLst/>
+          </a:prstGeom>
+          <a:ln w="31750">
+            <a:solidFill>
+              <a:schemeClr val="bg2">
+                <a:lumMod val="75000"/>
+              </a:schemeClr>
+            </a:solidFill>
+            <a:tailEnd type="triangle"/>
+          </a:ln>
+        </p:spPr>
+        <p:style>
+          <a:lnRef idx="1">
+            <a:schemeClr val="accent1"/>
+          </a:lnRef>
+          <a:fillRef idx="0">
+            <a:schemeClr val="accent1"/>
+          </a:fillRef>
+          <a:effectRef idx="0">
+            <a:schemeClr val="accent1"/>
+          </a:effectRef>
+          <a:fontRef idx="minor">
+            <a:schemeClr val="tx1"/>
+          </a:fontRef>
+        </p:style>
+      </p:cxnSp>
+      <p:sp>
+        <p:nvSpPr>
+          <p:cNvPr id="10" name="TextBox 9">
+            <a:extLst>
+              <a:ext uri="{FF2B5EF4-FFF2-40B4-BE49-F238E27FC236}">
+                <a16:creationId xmlns:a16="http://schemas.microsoft.com/office/drawing/2014/main" id="{9F14708A-7B9A-4D4C-BE80-988260242F7A}"/>
+              </a:ext>
+            </a:extLst>
+          </p:cNvPr>
+          <p:cNvSpPr txBox="1"/>
+          <p:nvPr/>
+        </p:nvSpPr>
+        <p:spPr>
+          <a:xfrm>
+            <a:off x="1929384" y="6596390"/>
+            <a:ext cx="5285232" cy="261610"/>
+          </a:xfrm>
+          <a:prstGeom prst="rect">
+            <a:avLst/>
+          </a:prstGeom>
+          <a:noFill/>
+        </p:spPr>
+        <p:txBody>
+          <a:bodyPr wrap="square" rtlCol="0">
+            <a:spAutoFit/>
+          </a:bodyPr>
+          <a:lstStyle/>
+          <a:p>
             <a:pPr algn="ctr"/>
             <a:r>
               <a:rPr lang="en-US" sz="1100" dirty="0">
@@ -9726,10 +9843,420 @@
           </a:p>
         </p:txBody>
       </p:sp>
+      <p:sp>
+        <p:nvSpPr>
+          <p:cNvPr id="14" name="TextBox 13">
+            <a:extLst>
+              <a:ext uri="{FF2B5EF4-FFF2-40B4-BE49-F238E27FC236}">
+                <a16:creationId xmlns:a16="http://schemas.microsoft.com/office/drawing/2014/main" id="{3E6D94A2-9657-344A-B0F8-491E1B78589D}"/>
+              </a:ext>
+            </a:extLst>
+          </p:cNvPr>
+          <p:cNvSpPr txBox="1"/>
+          <p:nvPr/>
+        </p:nvSpPr>
+        <p:spPr>
+          <a:xfrm>
+            <a:off x="5335871" y="2837242"/>
+            <a:ext cx="3691054" cy="923330"/>
+          </a:xfrm>
+          <a:prstGeom prst="rect">
+            <a:avLst/>
+          </a:prstGeom>
+          <a:noFill/>
+        </p:spPr>
+        <p:txBody>
+          <a:bodyPr wrap="square" rtlCol="0">
+            <a:spAutoFit/>
+          </a:bodyPr>
+          <a:lstStyle/>
+          <a:p>
+            <a:r>
+              <a:rPr lang="en-US" dirty="0">
+                <a:solidFill>
+                  <a:schemeClr val="bg1"/>
+                </a:solidFill>
+              </a:rPr>
+              <a:t>Click here to see more information about a the user that made the booking</a:t>
+            </a:r>
+          </a:p>
+        </p:txBody>
+      </p:sp>
+      <p:cxnSp>
+        <p:nvCxnSpPr>
+          <p:cNvPr id="15" name="Straight Arrow Connector 14">
+            <a:extLst>
+              <a:ext uri="{FF2B5EF4-FFF2-40B4-BE49-F238E27FC236}">
+                <a16:creationId xmlns:a16="http://schemas.microsoft.com/office/drawing/2014/main" id="{18230303-1442-1142-8FD1-C8DBD5D010D7}"/>
+              </a:ext>
+            </a:extLst>
+          </p:cNvPr>
+          <p:cNvCxnSpPr>
+            <a:cxnSpLocks/>
+          </p:cNvCxnSpPr>
+          <p:nvPr/>
+        </p:nvCxnSpPr>
+        <p:spPr>
+          <a:xfrm flipH="1" flipV="1">
+            <a:off x="4201297" y="2409568"/>
+            <a:ext cx="1134575" cy="719328"/>
+          </a:xfrm>
+          <a:prstGeom prst="straightConnector1">
+            <a:avLst/>
+          </a:prstGeom>
+          <a:ln w="31750">
+            <a:solidFill>
+              <a:schemeClr val="bg2">
+                <a:lumMod val="75000"/>
+              </a:schemeClr>
+            </a:solidFill>
+            <a:tailEnd type="triangle"/>
+          </a:ln>
+        </p:spPr>
+        <p:style>
+          <a:lnRef idx="1">
+            <a:schemeClr val="accent1"/>
+          </a:lnRef>
+          <a:fillRef idx="0">
+            <a:schemeClr val="accent1"/>
+          </a:fillRef>
+          <a:effectRef idx="0">
+            <a:schemeClr val="accent1"/>
+          </a:effectRef>
+          <a:fontRef idx="minor">
+            <a:schemeClr val="tx1"/>
+          </a:fontRef>
+        </p:style>
+      </p:cxnSp>
     </p:spTree>
     <p:extLst>
       <p:ext uri="{BB962C8B-B14F-4D97-AF65-F5344CB8AC3E}">
-        <p14:creationId xmlns:p14="http://schemas.microsoft.com/office/powerpoint/2010/main" val="3693994552"/>
+        <p14:creationId xmlns:p14="http://schemas.microsoft.com/office/powerpoint/2010/main" val="543447728"/>
+      </p:ext>
+    </p:extLst>
+  </p:cSld>
+  <p:clrMapOvr>
+    <a:masterClrMapping/>
+  </p:clrMapOvr>
+</p:sld>
+</file>
+
+<file path=ppt/slides/slide38.xml><?xml version="1.0" encoding="utf-8"?>
+<p:sld xmlns:a="http://schemas.openxmlformats.org/drawingml/2006/main" xmlns:r="http://schemas.openxmlformats.org/officeDocument/2006/relationships" xmlns:p="http://schemas.openxmlformats.org/presentationml/2006/main">
+  <p:cSld>
+    <p:spTree>
+      <p:nvGrpSpPr>
+        <p:cNvPr id="1" name=""/>
+        <p:cNvGrpSpPr/>
+        <p:nvPr/>
+      </p:nvGrpSpPr>
+      <p:grpSpPr>
+        <a:xfrm>
+          <a:off x="0" y="0"/>
+          <a:ext cx="0" cy="0"/>
+          <a:chOff x="0" y="0"/>
+          <a:chExt cx="0" cy="0"/>
+        </a:xfrm>
+      </p:grpSpPr>
+      <p:pic>
+        <p:nvPicPr>
+          <p:cNvPr id="4" name="Picture 3">
+            <a:extLst>
+              <a:ext uri="{FF2B5EF4-FFF2-40B4-BE49-F238E27FC236}">
+                <a16:creationId xmlns:a16="http://schemas.microsoft.com/office/drawing/2014/main" id="{D67AD576-A9DD-0E47-997E-0EFE94679D35}"/>
+              </a:ext>
+            </a:extLst>
+          </p:cNvPr>
+          <p:cNvPicPr>
+            <a:picLocks noChangeAspect="1"/>
+          </p:cNvPicPr>
+          <p:nvPr/>
+        </p:nvPicPr>
+        <p:blipFill rotWithShape="1">
+          <a:blip r:embed="rId2"/>
+          <a:srcRect r="71078"/>
+          <a:stretch/>
+        </p:blipFill>
+        <p:spPr>
+          <a:xfrm>
+            <a:off x="1174570" y="2551814"/>
+            <a:ext cx="1767582" cy="1754372"/>
+          </a:xfrm>
+          <a:prstGeom prst="rect">
+            <a:avLst/>
+          </a:prstGeom>
+        </p:spPr>
+      </p:pic>
+      <p:cxnSp>
+        <p:nvCxnSpPr>
+          <p:cNvPr id="5" name="Straight Connector 4">
+            <a:extLst>
+              <a:ext uri="{FF2B5EF4-FFF2-40B4-BE49-F238E27FC236}">
+                <a16:creationId xmlns:a16="http://schemas.microsoft.com/office/drawing/2014/main" id="{7C04D326-BD45-B84A-A5C8-995C90493152}"/>
+              </a:ext>
+            </a:extLst>
+          </p:cNvPr>
+          <p:cNvCxnSpPr/>
+          <p:nvPr/>
+        </p:nvCxnSpPr>
+        <p:spPr>
+          <a:xfrm>
+            <a:off x="3680422" y="1685261"/>
+            <a:ext cx="0" cy="3487479"/>
+          </a:xfrm>
+          <a:prstGeom prst="line">
+            <a:avLst/>
+          </a:prstGeom>
+          <a:ln w="38100">
+            <a:solidFill>
+              <a:schemeClr val="bg1"/>
+            </a:solidFill>
+          </a:ln>
+        </p:spPr>
+        <p:style>
+          <a:lnRef idx="1">
+            <a:schemeClr val="accent1"/>
+          </a:lnRef>
+          <a:fillRef idx="0">
+            <a:schemeClr val="accent1"/>
+          </a:fillRef>
+          <a:effectRef idx="0">
+            <a:schemeClr val="accent1"/>
+          </a:effectRef>
+          <a:fontRef idx="minor">
+            <a:schemeClr val="tx1"/>
+          </a:fontRef>
+        </p:style>
+      </p:cxnSp>
+      <p:sp>
+        <p:nvSpPr>
+          <p:cNvPr id="6" name="TextBox 5">
+            <a:extLst>
+              <a:ext uri="{FF2B5EF4-FFF2-40B4-BE49-F238E27FC236}">
+                <a16:creationId xmlns:a16="http://schemas.microsoft.com/office/drawing/2014/main" id="{E1B47DCB-040C-5F47-8C39-03F30B748B79}"/>
+              </a:ext>
+            </a:extLst>
+          </p:cNvPr>
+          <p:cNvSpPr txBox="1"/>
+          <p:nvPr/>
+        </p:nvSpPr>
+        <p:spPr>
+          <a:xfrm>
+            <a:off x="4337824" y="3136613"/>
+            <a:ext cx="4047893" cy="584775"/>
+          </a:xfrm>
+          <a:prstGeom prst="rect">
+            <a:avLst/>
+          </a:prstGeom>
+          <a:noFill/>
+        </p:spPr>
+        <p:txBody>
+          <a:bodyPr wrap="square" rtlCol="0">
+            <a:spAutoFit/>
+          </a:bodyPr>
+          <a:lstStyle/>
+          <a:p>
+            <a:r>
+              <a:rPr lang="en-US" sz="3200" dirty="0">
+                <a:solidFill>
+                  <a:schemeClr val="bg1"/>
+                </a:solidFill>
+              </a:rPr>
+              <a:t>Viewing statistics</a:t>
+            </a:r>
+          </a:p>
+        </p:txBody>
+      </p:sp>
+    </p:spTree>
+    <p:extLst>
+      <p:ext uri="{BB962C8B-B14F-4D97-AF65-F5344CB8AC3E}">
+        <p14:creationId xmlns:p14="http://schemas.microsoft.com/office/powerpoint/2010/main" val="1976239557"/>
+      </p:ext>
+    </p:extLst>
+  </p:cSld>
+  <p:clrMapOvr>
+    <a:masterClrMapping/>
+  </p:clrMapOvr>
+</p:sld>
+</file>
+
+<file path=ppt/slides/slide39.xml><?xml version="1.0" encoding="utf-8"?>
+<p:sld xmlns:a="http://schemas.openxmlformats.org/drawingml/2006/main" xmlns:r="http://schemas.openxmlformats.org/officeDocument/2006/relationships" xmlns:p="http://schemas.openxmlformats.org/presentationml/2006/main">
+  <p:cSld>
+    <p:spTree>
+      <p:nvGrpSpPr>
+        <p:cNvPr id="1" name=""/>
+        <p:cNvGrpSpPr/>
+        <p:nvPr/>
+      </p:nvGrpSpPr>
+      <p:grpSpPr>
+        <a:xfrm>
+          <a:off x="0" y="0"/>
+          <a:ext cx="0" cy="0"/>
+          <a:chOff x="0" y="0"/>
+          <a:chExt cx="0" cy="0"/>
+        </a:xfrm>
+      </p:grpSpPr>
+      <p:pic>
+        <p:nvPicPr>
+          <p:cNvPr id="4" name="Picture 3">
+            <a:extLst>
+              <a:ext uri="{FF2B5EF4-FFF2-40B4-BE49-F238E27FC236}">
+                <a16:creationId xmlns:a16="http://schemas.microsoft.com/office/drawing/2014/main" id="{DA1009A1-62CB-E545-93B8-5C3DDBF59DDF}"/>
+              </a:ext>
+            </a:extLst>
+          </p:cNvPr>
+          <p:cNvPicPr>
+            <a:picLocks noChangeAspect="1"/>
+          </p:cNvPicPr>
+          <p:nvPr/>
+        </p:nvPicPr>
+        <p:blipFill>
+          <a:blip r:embed="rId2"/>
+          <a:stretch>
+            <a:fillRect/>
+          </a:stretch>
+        </p:blipFill>
+        <p:spPr>
+          <a:xfrm>
+            <a:off x="465390" y="737501"/>
+            <a:ext cx="3012258" cy="5339913"/>
+          </a:xfrm>
+          <a:prstGeom prst="rect">
+            <a:avLst/>
+          </a:prstGeom>
+        </p:spPr>
+      </p:pic>
+      <p:sp>
+        <p:nvSpPr>
+          <p:cNvPr id="5" name="TextBox 4">
+            <a:extLst>
+              <a:ext uri="{FF2B5EF4-FFF2-40B4-BE49-F238E27FC236}">
+                <a16:creationId xmlns:a16="http://schemas.microsoft.com/office/drawing/2014/main" id="{26EF07A2-94BA-F64B-AF79-CE6190149C4B}"/>
+              </a:ext>
+            </a:extLst>
+          </p:cNvPr>
+          <p:cNvSpPr txBox="1"/>
+          <p:nvPr/>
+        </p:nvSpPr>
+        <p:spPr>
+          <a:xfrm>
+            <a:off x="4987556" y="4082362"/>
+            <a:ext cx="3691054" cy="646331"/>
+          </a:xfrm>
+          <a:prstGeom prst="rect">
+            <a:avLst/>
+          </a:prstGeom>
+          <a:noFill/>
+        </p:spPr>
+        <p:txBody>
+          <a:bodyPr wrap="square" rtlCol="0">
+            <a:spAutoFit/>
+          </a:bodyPr>
+          <a:lstStyle/>
+          <a:p>
+            <a:r>
+              <a:rPr lang="en-US" dirty="0">
+                <a:solidFill>
+                  <a:schemeClr val="bg1"/>
+                </a:solidFill>
+              </a:rPr>
+              <a:t>From the administrator home screen, users should click ‘View Statistics’</a:t>
+            </a:r>
+          </a:p>
+        </p:txBody>
+      </p:sp>
+      <p:cxnSp>
+        <p:nvCxnSpPr>
+          <p:cNvPr id="6" name="Straight Arrow Connector 5">
+            <a:extLst>
+              <a:ext uri="{FF2B5EF4-FFF2-40B4-BE49-F238E27FC236}">
+                <a16:creationId xmlns:a16="http://schemas.microsoft.com/office/drawing/2014/main" id="{61855315-7D57-4943-AD6C-80D85D95EBBF}"/>
+              </a:ext>
+            </a:extLst>
+          </p:cNvPr>
+          <p:cNvCxnSpPr>
+            <a:cxnSpLocks/>
+            <a:stCxn id="5" idx="1"/>
+          </p:cNvCxnSpPr>
+          <p:nvPr/>
+        </p:nvCxnSpPr>
+        <p:spPr>
+          <a:xfrm flipH="1" flipV="1">
+            <a:off x="3297836" y="4182256"/>
+            <a:ext cx="1689720" cy="223272"/>
+          </a:xfrm>
+          <a:prstGeom prst="straightConnector1">
+            <a:avLst/>
+          </a:prstGeom>
+          <a:ln w="31750">
+            <a:solidFill>
+              <a:schemeClr val="bg2">
+                <a:lumMod val="75000"/>
+              </a:schemeClr>
+            </a:solidFill>
+            <a:tailEnd type="triangle"/>
+          </a:ln>
+        </p:spPr>
+        <p:style>
+          <a:lnRef idx="1">
+            <a:schemeClr val="accent1"/>
+          </a:lnRef>
+          <a:fillRef idx="0">
+            <a:schemeClr val="accent1"/>
+          </a:fillRef>
+          <a:effectRef idx="0">
+            <a:schemeClr val="accent1"/>
+          </a:effectRef>
+          <a:fontRef idx="minor">
+            <a:schemeClr val="tx1"/>
+          </a:fontRef>
+        </p:style>
+      </p:cxnSp>
+      <p:sp>
+        <p:nvSpPr>
+          <p:cNvPr id="7" name="TextBox 6">
+            <a:extLst>
+              <a:ext uri="{FF2B5EF4-FFF2-40B4-BE49-F238E27FC236}">
+                <a16:creationId xmlns:a16="http://schemas.microsoft.com/office/drawing/2014/main" id="{327D540B-39D4-374C-A743-85C86C20C52A}"/>
+              </a:ext>
+            </a:extLst>
+          </p:cNvPr>
+          <p:cNvSpPr txBox="1"/>
+          <p:nvPr/>
+        </p:nvSpPr>
+        <p:spPr>
+          <a:xfrm>
+            <a:off x="1929384" y="6596390"/>
+            <a:ext cx="5285232" cy="261610"/>
+          </a:xfrm>
+          <a:prstGeom prst="rect">
+            <a:avLst/>
+          </a:prstGeom>
+          <a:noFill/>
+        </p:spPr>
+        <p:txBody>
+          <a:bodyPr wrap="square" rtlCol="0">
+            <a:spAutoFit/>
+          </a:bodyPr>
+          <a:lstStyle/>
+          <a:p>
+            <a:pPr algn="ctr"/>
+            <a:r>
+              <a:rPr lang="en-US" sz="1100" dirty="0">
+                <a:solidFill>
+                  <a:schemeClr val="bg1"/>
+                </a:solidFill>
+              </a:rPr>
+              <a:t>University of Bristol Study Space Booking App - SPE</a:t>
+            </a:r>
+          </a:p>
+        </p:txBody>
+      </p:sp>
+    </p:spTree>
+    <p:extLst>
+      <p:ext uri="{BB962C8B-B14F-4D97-AF65-F5344CB8AC3E}">
+        <p14:creationId xmlns:p14="http://schemas.microsoft.com/office/powerpoint/2010/main" val="2830761211"/>
       </p:ext>
     </p:extLst>
   </p:cSld>
@@ -9916,6 +10443,126 @@
     <p:extLst>
       <p:ext uri="{BB962C8B-B14F-4D97-AF65-F5344CB8AC3E}">
         <p14:creationId xmlns:p14="http://schemas.microsoft.com/office/powerpoint/2010/main" val="1785143551"/>
+      </p:ext>
+    </p:extLst>
+  </p:cSld>
+  <p:clrMapOvr>
+    <a:masterClrMapping/>
+  </p:clrMapOvr>
+</p:sld>
+</file>
+
+<file path=ppt/slides/slide40.xml><?xml version="1.0" encoding="utf-8"?>
+<p:sld xmlns:a="http://schemas.openxmlformats.org/drawingml/2006/main" xmlns:r="http://schemas.openxmlformats.org/officeDocument/2006/relationships" xmlns:p="http://schemas.openxmlformats.org/presentationml/2006/main">
+  <p:cSld>
+    <p:spTree>
+      <p:nvGrpSpPr>
+        <p:cNvPr id="1" name=""/>
+        <p:cNvGrpSpPr/>
+        <p:nvPr/>
+      </p:nvGrpSpPr>
+      <p:grpSpPr>
+        <a:xfrm>
+          <a:off x="0" y="0"/>
+          <a:ext cx="0" cy="0"/>
+          <a:chOff x="0" y="0"/>
+          <a:chExt cx="0" cy="0"/>
+        </a:xfrm>
+      </p:grpSpPr>
+      <p:sp>
+        <p:nvSpPr>
+          <p:cNvPr id="3" name="Content Placeholder 2">
+            <a:extLst>
+              <a:ext uri="{FF2B5EF4-FFF2-40B4-BE49-F238E27FC236}">
+                <a16:creationId xmlns:a16="http://schemas.microsoft.com/office/drawing/2014/main" id="{7A6D2A7D-6C72-AE4B-A17C-04ADA644749E}"/>
+              </a:ext>
+            </a:extLst>
+          </p:cNvPr>
+          <p:cNvSpPr>
+            <a:spLocks noGrp="1"/>
+          </p:cNvSpPr>
+          <p:nvPr>
+            <p:ph idx="1"/>
+          </p:nvPr>
+        </p:nvSpPr>
+        <p:spPr>
+          <a:xfrm>
+            <a:off x="628650" y="2939321"/>
+            <a:ext cx="7886700" cy="979359"/>
+          </a:xfrm>
+        </p:spPr>
+        <p:txBody>
+          <a:bodyPr/>
+          <a:lstStyle/>
+          <a:p>
+            <a:pPr marL="0" indent="0">
+              <a:buNone/>
+            </a:pPr>
+            <a:r>
+              <a:rPr lang="en-US" dirty="0">
+                <a:solidFill>
+                  <a:schemeClr val="bg1"/>
+                </a:solidFill>
+              </a:rPr>
+              <a:t>For all further enquiries or questions please contact the Engineering Department in the Queens Building.</a:t>
+            </a:r>
+          </a:p>
+          <a:p>
+            <a:pPr marL="0" indent="0">
+              <a:buNone/>
+            </a:pPr>
+            <a:endParaRPr lang="en-US" dirty="0">
+              <a:solidFill>
+                <a:schemeClr val="bg1"/>
+              </a:solidFill>
+            </a:endParaRPr>
+          </a:p>
+        </p:txBody>
+      </p:sp>
+      <p:sp>
+        <p:nvSpPr>
+          <p:cNvPr id="2" name="TextBox 1">
+            <a:extLst>
+              <a:ext uri="{FF2B5EF4-FFF2-40B4-BE49-F238E27FC236}">
+                <a16:creationId xmlns:a16="http://schemas.microsoft.com/office/drawing/2014/main" id="{B3007A08-F810-8743-A1FE-E2AB4F5A17D8}"/>
+              </a:ext>
+            </a:extLst>
+          </p:cNvPr>
+          <p:cNvSpPr txBox="1"/>
+          <p:nvPr/>
+        </p:nvSpPr>
+        <p:spPr>
+          <a:xfrm>
+            <a:off x="1929384" y="6596390"/>
+            <a:ext cx="5285232" cy="261610"/>
+          </a:xfrm>
+          <a:prstGeom prst="rect">
+            <a:avLst/>
+          </a:prstGeom>
+          <a:noFill/>
+        </p:spPr>
+        <p:txBody>
+          <a:bodyPr wrap="square" rtlCol="0">
+            <a:spAutoFit/>
+          </a:bodyPr>
+          <a:lstStyle/>
+          <a:p>
+            <a:pPr algn="ctr"/>
+            <a:r>
+              <a:rPr lang="en-US" sz="1100" dirty="0">
+                <a:solidFill>
+                  <a:schemeClr val="bg1"/>
+                </a:solidFill>
+              </a:rPr>
+              <a:t>University of Bristol Study Space Booking App - SPE</a:t>
+            </a:r>
+          </a:p>
+        </p:txBody>
+      </p:sp>
+    </p:spTree>
+    <p:extLst>
+      <p:ext uri="{BB962C8B-B14F-4D97-AF65-F5344CB8AC3E}">
+        <p14:creationId xmlns:p14="http://schemas.microsoft.com/office/powerpoint/2010/main" val="3693994552"/>
       </p:ext>
     </p:extLst>
   </p:cSld>

--- a/Not_Main_Application/UserManual.pptx
+++ b/Not_Main_Application/UserManual.pptx
@@ -236,7 +236,7 @@
           <a:p>
             <a:fld id="{C128E5F2-3E43-A348-95A4-0CE0A417E92A}" type="datetimeFigureOut">
               <a:rPr lang="en-US" smtClean="0"/>
-              <a:t>4/18/19</a:t>
+              <a:t>4/24/19</a:t>
             </a:fld>
             <a:endParaRPr lang="en-US"/>
           </a:p>
@@ -718,7 +718,7 @@
           <a:p>
             <a:fld id="{79CC520B-3C03-A146-A34E-02F1D56BE37F}" type="datetimeFigureOut">
               <a:rPr lang="en-US" smtClean="0"/>
-              <a:t>4/18/19</a:t>
+              <a:t>4/24/19</a:t>
             </a:fld>
             <a:endParaRPr lang="en-US"/>
           </a:p>
@@ -888,7 +888,7 @@
           <a:p>
             <a:fld id="{79CC520B-3C03-A146-A34E-02F1D56BE37F}" type="datetimeFigureOut">
               <a:rPr lang="en-US" smtClean="0"/>
-              <a:t>4/18/19</a:t>
+              <a:t>4/24/19</a:t>
             </a:fld>
             <a:endParaRPr lang="en-US"/>
           </a:p>
@@ -1068,7 +1068,7 @@
           <a:p>
             <a:fld id="{79CC520B-3C03-A146-A34E-02F1D56BE37F}" type="datetimeFigureOut">
               <a:rPr lang="en-US" smtClean="0"/>
-              <a:t>4/18/19</a:t>
+              <a:t>4/24/19</a:t>
             </a:fld>
             <a:endParaRPr lang="en-US"/>
           </a:p>
@@ -1238,7 +1238,7 @@
           <a:p>
             <a:fld id="{79CC520B-3C03-A146-A34E-02F1D56BE37F}" type="datetimeFigureOut">
               <a:rPr lang="en-US" smtClean="0"/>
-              <a:t>4/18/19</a:t>
+              <a:t>4/24/19</a:t>
             </a:fld>
             <a:endParaRPr lang="en-US"/>
           </a:p>
@@ -1482,7 +1482,7 @@
           <a:p>
             <a:fld id="{79CC520B-3C03-A146-A34E-02F1D56BE37F}" type="datetimeFigureOut">
               <a:rPr lang="en-US" smtClean="0"/>
-              <a:t>4/18/19</a:t>
+              <a:t>4/24/19</a:t>
             </a:fld>
             <a:endParaRPr lang="en-US"/>
           </a:p>
@@ -1714,7 +1714,7 @@
           <a:p>
             <a:fld id="{79CC520B-3C03-A146-A34E-02F1D56BE37F}" type="datetimeFigureOut">
               <a:rPr lang="en-US" smtClean="0"/>
-              <a:t>4/18/19</a:t>
+              <a:t>4/24/19</a:t>
             </a:fld>
             <a:endParaRPr lang="en-US"/>
           </a:p>
@@ -2081,7 +2081,7 @@
           <a:p>
             <a:fld id="{79CC520B-3C03-A146-A34E-02F1D56BE37F}" type="datetimeFigureOut">
               <a:rPr lang="en-US" smtClean="0"/>
-              <a:t>4/18/19</a:t>
+              <a:t>4/24/19</a:t>
             </a:fld>
             <a:endParaRPr lang="en-US"/>
           </a:p>
@@ -2199,7 +2199,7 @@
           <a:p>
             <a:fld id="{79CC520B-3C03-A146-A34E-02F1D56BE37F}" type="datetimeFigureOut">
               <a:rPr lang="en-US" smtClean="0"/>
-              <a:t>4/18/19</a:t>
+              <a:t>4/24/19</a:t>
             </a:fld>
             <a:endParaRPr lang="en-US"/>
           </a:p>
@@ -2294,7 +2294,7 @@
           <a:p>
             <a:fld id="{79CC520B-3C03-A146-A34E-02F1D56BE37F}" type="datetimeFigureOut">
               <a:rPr lang="en-US" smtClean="0"/>
-              <a:t>4/18/19</a:t>
+              <a:t>4/24/19</a:t>
             </a:fld>
             <a:endParaRPr lang="en-US"/>
           </a:p>
@@ -2571,7 +2571,7 @@
           <a:p>
             <a:fld id="{79CC520B-3C03-A146-A34E-02F1D56BE37F}" type="datetimeFigureOut">
               <a:rPr lang="en-US" smtClean="0"/>
-              <a:t>4/18/19</a:t>
+              <a:t>4/24/19</a:t>
             </a:fld>
             <a:endParaRPr lang="en-US"/>
           </a:p>
@@ -2828,7 +2828,7 @@
           <a:p>
             <a:fld id="{79CC520B-3C03-A146-A34E-02F1D56BE37F}" type="datetimeFigureOut">
               <a:rPr lang="en-US" smtClean="0"/>
-              <a:t>4/18/19</a:t>
+              <a:t>4/24/19</a:t>
             </a:fld>
             <a:endParaRPr lang="en-US"/>
           </a:p>
@@ -3044,7 +3044,7 @@
           <a:p>
             <a:fld id="{79CC520B-3C03-A146-A34E-02F1D56BE37F}" type="datetimeFigureOut">
               <a:rPr lang="en-US" smtClean="0"/>
-              <a:t>4/18/19</a:t>
+              <a:t>4/24/19</a:t>
             </a:fld>
             <a:endParaRPr lang="en-US"/>
           </a:p>
@@ -4852,10 +4852,10 @@
       </p:grpSpPr>
       <p:pic>
         <p:nvPicPr>
-          <p:cNvPr id="10" name="Picture 9">
-            <a:extLst>
-              <a:ext uri="{FF2B5EF4-FFF2-40B4-BE49-F238E27FC236}">
-                <a16:creationId xmlns:a16="http://schemas.microsoft.com/office/drawing/2014/main" id="{3AB09107-2327-B642-A7F5-A037EA86212A}"/>
+          <p:cNvPr id="3" name="Picture 2">
+            <a:extLst>
+              <a:ext uri="{FF2B5EF4-FFF2-40B4-BE49-F238E27FC236}">
+                <a16:creationId xmlns:a16="http://schemas.microsoft.com/office/drawing/2014/main" id="{B85D8EA3-CB59-B84C-A2D8-A826C2D6AC77}"/>
               </a:ext>
             </a:extLst>
           </p:cNvPr>
@@ -4864,16 +4864,15 @@
           </p:cNvPicPr>
           <p:nvPr/>
         </p:nvPicPr>
-        <p:blipFill>
+        <p:blipFill rotWithShape="1">
           <a:blip r:embed="rId2"/>
-          <a:stretch>
-            <a:fillRect/>
-          </a:stretch>
+          <a:srcRect r="1083"/>
+          <a:stretch/>
         </p:blipFill>
         <p:spPr>
           <a:xfrm>
-            <a:off x="480918" y="737502"/>
-            <a:ext cx="3008496" cy="5333243"/>
+            <a:off x="480918" y="737500"/>
+            <a:ext cx="3003687" cy="5382997"/>
           </a:xfrm>
           <a:prstGeom prst="rect">
             <a:avLst/>
